--- a/eece2160/sp16/lectures/eece.2160sp16_lec1_intro.pptx
+++ b/eece2160/sp16/lectures/eece.2160sp16_lec1_intro.pptx
@@ -5,10 +5,10 @@
     <p:sldMasterId id="2147483792" r:id="rId1"/>
   </p:sldMasterIdLst>
   <p:notesMasterIdLst>
-    <p:notesMasterId r:id="rId26"/>
+    <p:notesMasterId r:id="rId19"/>
   </p:notesMasterIdLst>
   <p:handoutMasterIdLst>
-    <p:handoutMasterId r:id="rId27"/>
+    <p:handoutMasterId r:id="rId20"/>
   </p:handoutMasterIdLst>
   <p:sldIdLst>
     <p:sldId id="256" r:id="rId2"/>
@@ -27,14 +27,7 @@
     <p:sldId id="389" r:id="rId15"/>
     <p:sldId id="386" r:id="rId16"/>
     <p:sldId id="387" r:id="rId17"/>
-    <p:sldId id="348" r:id="rId18"/>
-    <p:sldId id="349" r:id="rId19"/>
-    <p:sldId id="350" r:id="rId20"/>
-    <p:sldId id="351" r:id="rId21"/>
-    <p:sldId id="352" r:id="rId22"/>
-    <p:sldId id="353" r:id="rId23"/>
-    <p:sldId id="354" r:id="rId24"/>
-    <p:sldId id="385" r:id="rId25"/>
+    <p:sldId id="385" r:id="rId18"/>
   </p:sldIdLst>
   <p:sldSz cx="9144000" cy="6858000" type="screen4x3"/>
   <p:notesSz cx="9144000" cy="6858000"/>
@@ -2318,7 +2311,7 @@
             <a:fld id="{B868295D-9FBD-FF45-8A4F-4DAFB69C9914}" type="datetime1">
               <a:rPr lang="en-US"/>
               <a:pPr/>
-              <a:t>1/19/16</a:t>
+              <a:t>1/21/16</a:t>
             </a:fld>
             <a:endParaRPr lang="en-US"/>
           </a:p>
@@ -2515,7 +2508,7 @@
             <a:fld id="{9793E121-5EEF-3F4D-89D8-D6DFC04878ED}" type="datetime1">
               <a:rPr lang="en-US"/>
               <a:pPr/>
-              <a:t>1/19/16</a:t>
+              <a:t>1/21/16</a:t>
             </a:fld>
             <a:endParaRPr lang="en-US"/>
           </a:p>
@@ -2721,7 +2714,7 @@
             <a:fld id="{205EC344-4901-A44B-BF7E-D1AAA56DF3B9}" type="datetime1">
               <a:rPr lang="en-US"/>
               <a:pPr/>
-              <a:t>1/19/16</a:t>
+              <a:t>1/21/16</a:t>
             </a:fld>
             <a:endParaRPr lang="en-US"/>
           </a:p>
@@ -2984,7 +2977,7 @@
             <a:fld id="{6CE0781A-73DB-A346-881E-FD8EA983A412}" type="datetime1">
               <a:rPr lang="en-US"/>
               <a:pPr/>
-              <a:t>1/19/16</a:t>
+              <a:t>1/21/16</a:t>
             </a:fld>
             <a:endParaRPr lang="en-US"/>
           </a:p>
@@ -3247,7 +3240,7 @@
             <a:fld id="{256565BC-C44B-A947-B035-7D0B5748E9DD}" type="datetime1">
               <a:rPr lang="en-US"/>
               <a:pPr/>
-              <a:t>1/19/16</a:t>
+              <a:t>1/21/16</a:t>
             </a:fld>
             <a:endParaRPr lang="en-US"/>
           </a:p>
@@ -3443,7 +3436,7 @@
             <a:fld id="{BB283EE8-C0E3-8942-8BD3-F14FDA50ABFA}" type="datetime1">
               <a:rPr lang="en-US"/>
               <a:pPr/>
-              <a:t>1/19/16</a:t>
+              <a:t>1/21/16</a:t>
             </a:fld>
             <a:endParaRPr lang="en-US"/>
           </a:p>
@@ -3661,7 +3654,7 @@
             <a:fld id="{0F7A4ACA-03AE-0549-ABA8-3E496F67309B}" type="datetime1">
               <a:rPr lang="en-US"/>
               <a:pPr/>
-              <a:t>1/19/16</a:t>
+              <a:t>1/21/16</a:t>
             </a:fld>
             <a:endParaRPr lang="en-US"/>
           </a:p>
@@ -3975,7 +3968,7 @@
             <a:fld id="{ACCCAE26-4DA9-3B42-928C-464375F42591}" type="datetime1">
               <a:rPr lang="en-US"/>
               <a:pPr/>
-              <a:t>1/19/16</a:t>
+              <a:t>1/21/16</a:t>
             </a:fld>
             <a:endParaRPr lang="en-US"/>
           </a:p>
@@ -4428,7 +4421,7 @@
             <a:fld id="{131F2341-30C0-2741-B54B-B34E34388D83}" type="datetime1">
               <a:rPr lang="en-US"/>
               <a:pPr/>
-              <a:t>1/19/16</a:t>
+              <a:t>1/21/16</a:t>
             </a:fld>
             <a:endParaRPr lang="en-US"/>
           </a:p>
@@ -4572,7 +4565,7 @@
             <a:fld id="{C6C6E2B6-F3D4-D144-ACE7-6D6459DD3AC5}" type="datetime1">
               <a:rPr lang="en-US"/>
               <a:pPr/>
-              <a:t>1/19/16</a:t>
+              <a:t>1/21/16</a:t>
             </a:fld>
             <a:endParaRPr lang="en-US"/>
           </a:p>
@@ -4693,7 +4686,7 @@
             <a:fld id="{0FA0E746-CEC3-6F4A-9C0F-4D2A6AC8D98E}" type="datetime1">
               <a:rPr lang="en-US"/>
               <a:pPr/>
-              <a:t>1/19/16</a:t>
+              <a:t>1/21/16</a:t>
             </a:fld>
             <a:endParaRPr lang="en-US"/>
           </a:p>
@@ -4996,7 +4989,7 @@
             <a:fld id="{6E02367B-46B7-7B48-857C-DEDDBA9181A6}" type="datetime1">
               <a:rPr lang="en-US"/>
               <a:pPr/>
-              <a:t>1/19/16</a:t>
+              <a:t>1/21/16</a:t>
             </a:fld>
             <a:endParaRPr lang="en-US"/>
           </a:p>
@@ -5276,7 +5269,7 @@
             <a:fld id="{E0828333-BAE6-4544-98C8-CBC3F3F8E9A1}" type="datetime1">
               <a:rPr lang="en-US"/>
               <a:pPr/>
-              <a:t>1/19/16</a:t>
+              <a:t>1/21/16</a:t>
             </a:fld>
             <a:endParaRPr lang="en-US"/>
           </a:p>
@@ -5575,7 +5568,7 @@
             <a:fld id="{C9C4AE64-BB97-5749-998F-C17E7581A6B4}" type="datetime1">
               <a:rPr lang="en-US"/>
               <a:pPr/>
-              <a:t>1/19/16</a:t>
+              <a:t>1/21/16</a:t>
             </a:fld>
             <a:endParaRPr lang="en-US"/>
           </a:p>
@@ -6642,7 +6635,7 @@
                 <a:latin typeface="Garamond" charset="0"/>
               </a:rPr>
               <a:pPr eaLnBrk="1" hangingPunct="1"/>
-              <a:t>1/19/16</a:t>
+              <a:t>1/21/16</a:t>
             </a:fld>
             <a:endParaRPr lang="en-US">
               <a:latin typeface="Garamond" charset="0"/>
@@ -7242,7 +7235,7 @@
                 <a:latin typeface="Garamond" charset="0"/>
               </a:rPr>
               <a:pPr eaLnBrk="1" hangingPunct="1"/>
-              <a:t>1/19/16</a:t>
+              <a:t>1/21/16</a:t>
             </a:fld>
             <a:endParaRPr lang="en-US">
               <a:latin typeface="Garamond" charset="0"/>
@@ -7854,7 +7847,7 @@
                 <a:latin typeface="Garamond" charset="0"/>
               </a:rPr>
               <a:pPr eaLnBrk="1" hangingPunct="1"/>
-              <a:t>1/19/16</a:t>
+              <a:t>1/21/16</a:t>
             </a:fld>
             <a:endParaRPr lang="en-US">
               <a:latin typeface="Garamond" charset="0"/>
@@ -8331,7 +8324,7 @@
                 <a:latin typeface="Garamond" charset="0"/>
               </a:rPr>
               <a:pPr eaLnBrk="1" hangingPunct="1"/>
-              <a:t>1/19/16</a:t>
+              <a:t>1/21/16</a:t>
             </a:fld>
             <a:endParaRPr lang="en-US">
               <a:latin typeface="Garamond" charset="0"/>
@@ -9035,7 +9028,7 @@
                 <a:latin typeface="Garamond" charset="0"/>
               </a:rPr>
               <a:pPr eaLnBrk="1" hangingPunct="1"/>
-              <a:t>1/19/16</a:t>
+              <a:t>1/21/16</a:t>
             </a:fld>
             <a:endParaRPr lang="en-US">
               <a:latin typeface="Garamond" charset="0"/>
@@ -9751,7 +9744,7 @@
                 <a:latin typeface="Garamond" charset="0"/>
               </a:rPr>
               <a:pPr eaLnBrk="1" hangingPunct="1"/>
-              <a:t>1/19/16</a:t>
+              <a:t>1/21/16</a:t>
             </a:fld>
             <a:endParaRPr lang="en-US">
               <a:latin typeface="Garamond" charset="0"/>
@@ -10641,7 +10634,7 @@
                 <a:latin typeface="Garamond" charset="0"/>
               </a:rPr>
               <a:pPr eaLnBrk="1" hangingPunct="1"/>
-              <a:t>1/19/16</a:t>
+              <a:t>1/21/16</a:t>
             </a:fld>
             <a:endParaRPr lang="en-US">
               <a:latin typeface="Garamond" charset="0"/>
@@ -11245,12 +11238,174 @@
       </p:grpSpPr>
       <p:sp>
         <p:nvSpPr>
-          <p:cNvPr id="4" name="Slide Number Placeholder 4"/>
+          <p:cNvPr id="25602" name="Title 1"/>
           <p:cNvSpPr>
             <a:spLocks noGrp="1"/>
           </p:cNvSpPr>
           <p:nvPr>
-            <p:ph type="sldNum" sz="quarter" idx="12"/>
+            <p:ph type="title"/>
+          </p:nvPr>
+        </p:nvSpPr>
+        <p:spPr/>
+        <p:txBody>
+          <a:bodyPr/>
+          <a:lstStyle/>
+          <a:p>
+            <a:r>
+              <a:rPr lang="en-US" smtClean="0"/>
+              <a:t>Final notes</a:t>
+            </a:r>
+            <a:endParaRPr lang="en-US"/>
+          </a:p>
+        </p:txBody>
+      </p:sp>
+      <p:sp>
+        <p:nvSpPr>
+          <p:cNvPr id="25603" name="Content Placeholder 2"/>
+          <p:cNvSpPr>
+            <a:spLocks noGrp="1"/>
+          </p:cNvSpPr>
+          <p:nvPr>
+            <p:ph idx="1"/>
+          </p:nvPr>
+        </p:nvSpPr>
+        <p:spPr/>
+        <p:txBody>
+          <a:bodyPr>
+            <a:normAutofit fontScale="92500"/>
+          </a:bodyPr>
+          <a:lstStyle/>
+          <a:p>
+            <a:r>
+              <a:rPr lang="en-US" dirty="0" smtClean="0"/>
+              <a:t>Next time:</a:t>
+            </a:r>
+          </a:p>
+          <a:p>
+            <a:pPr lvl="1"/>
+            <a:r>
+              <a:rPr lang="en-US" dirty="0" smtClean="0"/>
+              <a:t>Finish basic C program structure</a:t>
+            </a:r>
+          </a:p>
+          <a:p>
+            <a:pPr lvl="1"/>
+            <a:r>
+              <a:rPr lang="en-US" dirty="0" smtClean="0"/>
+              <a:t>Data in C</a:t>
+            </a:r>
+          </a:p>
+          <a:p>
+            <a:pPr lvl="2"/>
+            <a:r>
+              <a:rPr lang="en-US" dirty="0" smtClean="0"/>
+              <a:t>Data types</a:t>
+            </a:r>
+          </a:p>
+          <a:p>
+            <a:pPr lvl="2"/>
+            <a:r>
+              <a:rPr lang="en-US" dirty="0" smtClean="0"/>
+              <a:t>Constants</a:t>
+            </a:r>
+          </a:p>
+          <a:p>
+            <a:pPr lvl="2"/>
+            <a:r>
+              <a:rPr lang="en-US" dirty="0" smtClean="0"/>
+              <a:t>Variables</a:t>
+            </a:r>
+          </a:p>
+          <a:p>
+            <a:r>
+              <a:rPr lang="en-US" dirty="0" smtClean="0"/>
+              <a:t>Reminders:</a:t>
+            </a:r>
+          </a:p>
+          <a:p>
+            <a:pPr lvl="1"/>
+            <a:r>
+              <a:rPr lang="en-US" dirty="0" smtClean="0"/>
+              <a:t>Sign up for the course discussion group on Piazza!</a:t>
+            </a:r>
+          </a:p>
+          <a:p>
+            <a:pPr lvl="1"/>
+            <a:r>
+              <a:rPr lang="en-US" dirty="0" smtClean="0"/>
+              <a:t>Program 1 due Wednesday</a:t>
+            </a:r>
+            <a:r>
+              <a:rPr lang="en-US" smtClean="0"/>
+              <a:t>, 1/</a:t>
+            </a:r>
+            <a:r>
+              <a:rPr lang="en-US" smtClean="0"/>
+              <a:t>27</a:t>
+            </a:r>
+            <a:endParaRPr lang="en-US" dirty="0" smtClean="0"/>
+          </a:p>
+          <a:p>
+            <a:pPr lvl="2">
+              <a:lnSpc>
+                <a:spcPct val="80000"/>
+              </a:lnSpc>
+            </a:pPr>
+            <a:r>
+              <a:rPr lang="en-US" sz="2400" dirty="0">
+                <a:latin typeface="Arial" charset="0"/>
+              </a:rPr>
+              <a:t>10 points: e-mail Dr. Geiger for shared </a:t>
+            </a:r>
+            <a:r>
+              <a:rPr lang="en-US" sz="2400" dirty="0" err="1">
+                <a:latin typeface="Arial" charset="0"/>
+              </a:rPr>
+              <a:t>Dropbox</a:t>
+            </a:r>
+            <a:r>
+              <a:rPr lang="en-US" sz="2400" dirty="0">
+                <a:latin typeface="Arial" charset="0"/>
+              </a:rPr>
+              <a:t> folder</a:t>
+            </a:r>
+          </a:p>
+          <a:p>
+            <a:pPr lvl="2">
+              <a:lnSpc>
+                <a:spcPct val="80000"/>
+              </a:lnSpc>
+            </a:pPr>
+            <a:r>
+              <a:rPr lang="en-US" sz="2400" dirty="0">
+                <a:latin typeface="Arial" charset="0"/>
+              </a:rPr>
+              <a:t>10 points: introduce yourself to your instructor</a:t>
+            </a:r>
+          </a:p>
+          <a:p>
+            <a:pPr lvl="2">
+              <a:lnSpc>
+                <a:spcPct val="80000"/>
+              </a:lnSpc>
+            </a:pPr>
+            <a:r>
+              <a:rPr lang="en-US" sz="2400" dirty="0">
+                <a:latin typeface="Arial" charset="0"/>
+              </a:rPr>
+              <a:t>30 points: complete simple C program</a:t>
+            </a:r>
+          </a:p>
+        </p:txBody>
+      </p:sp>
+      <p:sp>
+        <p:nvSpPr>
+          <p:cNvPr id="4" name="Date Placeholder 3"/>
+          <p:cNvSpPr>
+            <a:spLocks noGrp="1"/>
+          </p:cNvSpPr>
+          <p:nvPr>
+            <p:ph type="dt" sz="half" idx="10"/>
           </p:nvPr>
         </p:nvSpPr>
         <p:spPr/>
@@ -11373,258 +11528,46 @@
             </a:lvl9pPr>
           </a:lstStyle>
           <a:p>
-            <a:pPr eaLnBrk="1" hangingPunct="1"/>
-            <a:fld id="{8719F275-6748-5A45-946A-0A1CD8F1DE35}" type="slidenum">
-              <a:rPr lang="en-US">
-                <a:latin typeface="Garamond" charset="0"/>
-              </a:rPr>
-              <a:pPr eaLnBrk="1" hangingPunct="1"/>
-              <a:t>17</a:t>
+            <a:fld id="{BC55047A-6447-C64E-9AF3-AFC6F57DAADB}" type="datetime1">
+              <a:rPr lang="en-US" smtClean="0"/>
+              <a:pPr/>
+              <a:t>1/21/16</a:t>
             </a:fld>
-            <a:endParaRPr lang="en-US">
-              <a:latin typeface="Garamond" charset="0"/>
-            </a:endParaRPr>
-          </a:p>
-        </p:txBody>
-      </p:sp>
-      <p:sp>
-        <p:nvSpPr>
-          <p:cNvPr id="18435" name="Rectangle 2"/>
-          <p:cNvSpPr>
-            <a:spLocks noGrp="1" noChangeArrowheads="1"/>
-          </p:cNvSpPr>
-          <p:nvPr>
-            <p:ph type="title"/>
-          </p:nvPr>
-        </p:nvSpPr>
-        <p:spPr>
-          <a:xfrm>
-            <a:off x="685800" y="304800"/>
-            <a:ext cx="7772400" cy="838200"/>
-          </a:xfrm>
-        </p:spPr>
+            <a:endParaRPr lang="en-US"/>
+          </a:p>
+        </p:txBody>
+      </p:sp>
+      <p:sp>
+        <p:nvSpPr>
+          <p:cNvPr id="5" name="Footer Placeholder 4"/>
+          <p:cNvSpPr>
+            <a:spLocks noGrp="1"/>
+          </p:cNvSpPr>
+          <p:nvPr>
+            <p:ph type="ftr" sz="quarter" idx="11"/>
+          </p:nvPr>
+        </p:nvSpPr>
+        <p:spPr/>
         <p:txBody>
           <a:bodyPr/>
           <a:lstStyle/>
           <a:p>
             <a:r>
-              <a:rPr lang="en-US">
-                <a:latin typeface="Garamond" charset="0"/>
-              </a:rPr>
-              <a:t>Our first C program</a:t>
-            </a:r>
-          </a:p>
-        </p:txBody>
-      </p:sp>
-      <p:sp>
-        <p:nvSpPr>
-          <p:cNvPr id="18436" name="Text Box 3"/>
-          <p:cNvSpPr txBox="1">
-            <a:spLocks noChangeArrowheads="1"/>
-          </p:cNvSpPr>
-          <p:nvPr/>
-        </p:nvSpPr>
-        <p:spPr bwMode="auto">
-          <a:xfrm>
-            <a:off x="685800" y="1295400"/>
-            <a:ext cx="7848600" cy="1754188"/>
-          </a:xfrm>
-          <a:prstGeom prst="rect">
-            <a:avLst/>
-          </a:prstGeom>
-          <a:noFill/>
-          <a:ln>
-            <a:noFill/>
-          </a:ln>
-          <a:extLst>
-            <a:ext uri="{909E8E84-426E-40dd-AFC4-6F175D3DCCD1}">
-              <a14:hiddenFill xmlns:a14="http://schemas.microsoft.com/office/drawing/2010/main">
-                <a:solidFill>
-                  <a:srgbClr val="FFFFFF"/>
-                </a:solidFill>
-              </a14:hiddenFill>
-            </a:ext>
-            <a:ext uri="{91240B29-F687-4f45-9708-019B960494DF}">
-              <a14:hiddenLine xmlns:a14="http://schemas.microsoft.com/office/drawing/2010/main" w="9525">
-                <a:solidFill>
-                  <a:srgbClr val="000000"/>
-                </a:solidFill>
-                <a:miter lim="800000"/>
-                <a:headEnd/>
-                <a:tailEnd/>
-              </a14:hiddenLine>
-            </a:ext>
-          </a:extLst>
-        </p:spPr>
-        <p:txBody>
-          <a:bodyPr>
-            <a:spAutoFit/>
-          </a:bodyPr>
-          <a:lstStyle>
-            <a:lvl1pPr>
-              <a:defRPr sz="3000">
-                <a:solidFill>
-                  <a:schemeClr val="tx1"/>
-                </a:solidFill>
-                <a:latin typeface="Arial" charset="0"/>
-                <a:ea typeface="ＭＳ Ｐゴシック" charset="0"/>
-              </a:defRPr>
-            </a:lvl1pPr>
-            <a:lvl2pPr marL="742950" indent="-285750">
-              <a:defRPr sz="2600">
-                <a:solidFill>
-                  <a:schemeClr val="tx1"/>
-                </a:solidFill>
-                <a:latin typeface="Arial" charset="0"/>
-                <a:ea typeface="ＭＳ Ｐゴシック" charset="0"/>
-              </a:defRPr>
-            </a:lvl2pPr>
-            <a:lvl3pPr marL="1143000" indent="-228600">
-              <a:defRPr sz="2200">
-                <a:solidFill>
-                  <a:schemeClr val="tx1"/>
-                </a:solidFill>
-                <a:latin typeface="Arial" charset="0"/>
-                <a:ea typeface="ＭＳ Ｐゴシック" charset="0"/>
-              </a:defRPr>
-            </a:lvl3pPr>
-            <a:lvl4pPr marL="1600200" indent="-228600">
-              <a:defRPr sz="2000">
-                <a:solidFill>
-                  <a:schemeClr val="tx1"/>
-                </a:solidFill>
-                <a:latin typeface="Arial" charset="0"/>
-                <a:ea typeface="ＭＳ Ｐゴシック" charset="0"/>
-              </a:defRPr>
-            </a:lvl4pPr>
-            <a:lvl5pPr marL="2057400" indent="-228600">
-              <a:defRPr sz="2000">
-                <a:solidFill>
-                  <a:schemeClr val="tx1"/>
-                </a:solidFill>
-                <a:latin typeface="Arial" charset="0"/>
-                <a:ea typeface="ＭＳ Ｐゴシック" charset="0"/>
-              </a:defRPr>
-            </a:lvl5pPr>
-            <a:lvl6pPr marL="2514600" indent="-228600" eaLnBrk="0" hangingPunct="0">
-              <a:buFont typeface="Wingdings" charset="0"/>
-              <a:defRPr sz="2000">
-                <a:solidFill>
-                  <a:schemeClr val="tx1"/>
-                </a:solidFill>
-                <a:latin typeface="Arial" charset="0"/>
-                <a:ea typeface="ＭＳ Ｐゴシック" charset="0"/>
-              </a:defRPr>
-            </a:lvl6pPr>
-            <a:lvl7pPr marL="2971800" indent="-228600" eaLnBrk="0" hangingPunct="0">
-              <a:buFont typeface="Wingdings" charset="0"/>
-              <a:defRPr sz="2000">
-                <a:solidFill>
-                  <a:schemeClr val="tx1"/>
-                </a:solidFill>
-                <a:latin typeface="Arial" charset="0"/>
-                <a:ea typeface="ＭＳ Ｐゴシック" charset="0"/>
-              </a:defRPr>
-            </a:lvl7pPr>
-            <a:lvl8pPr marL="3429000" indent="-228600" eaLnBrk="0" hangingPunct="0">
-              <a:buFont typeface="Wingdings" charset="0"/>
-              <a:defRPr sz="2000">
-                <a:solidFill>
-                  <a:schemeClr val="tx1"/>
-                </a:solidFill>
-                <a:latin typeface="Arial" charset="0"/>
-                <a:ea typeface="ＭＳ Ｐゴシック" charset="0"/>
-              </a:defRPr>
-            </a:lvl8pPr>
-            <a:lvl9pPr marL="3886200" indent="-228600" eaLnBrk="0" hangingPunct="0">
-              <a:buFont typeface="Wingdings" charset="0"/>
-              <a:defRPr sz="2000">
-                <a:solidFill>
-                  <a:schemeClr val="tx1"/>
-                </a:solidFill>
-                <a:latin typeface="Arial" charset="0"/>
-                <a:ea typeface="ＭＳ Ｐゴシック" charset="0"/>
-              </a:defRPr>
-            </a:lvl9pPr>
-          </a:lstStyle>
-          <a:p>
-            <a:pPr>
-              <a:spcBef>
-                <a:spcPct val="50000"/>
-              </a:spcBef>
-            </a:pPr>
-            <a:r>
-              <a:rPr lang="en-US" sz="1800">
-                <a:latin typeface="Courier New" charset="0"/>
-              </a:rPr>
-              <a:t>#include &lt;stdio.h&gt;</a:t>
-            </a:r>
-            <a:br>
-              <a:rPr lang="en-US" sz="1800">
-                <a:latin typeface="Courier New" charset="0"/>
-              </a:rPr>
-            </a:br>
-            <a:r>
-              <a:rPr lang="en-US" sz="1800">
-                <a:latin typeface="Courier New" charset="0"/>
-              </a:rPr>
-              <a:t>int main()</a:t>
-            </a:r>
-            <a:br>
-              <a:rPr lang="en-US" sz="1800">
-                <a:latin typeface="Courier New" charset="0"/>
-              </a:rPr>
-            </a:br>
-            <a:r>
-              <a:rPr lang="en-US" sz="1800">
-                <a:latin typeface="Courier New" charset="0"/>
-              </a:rPr>
-              <a:t>{</a:t>
-            </a:r>
-            <a:br>
-              <a:rPr lang="en-US" sz="1800">
-                <a:latin typeface="Courier New" charset="0"/>
-              </a:rPr>
-            </a:br>
-            <a:r>
-              <a:rPr lang="en-US" sz="1800">
-                <a:latin typeface="Courier New" charset="0"/>
-              </a:rPr>
-              <a:t>	printf("Hello World!\n");</a:t>
-            </a:r>
-            <a:br>
-              <a:rPr lang="en-US" sz="1800">
-                <a:latin typeface="Courier New" charset="0"/>
-              </a:rPr>
-            </a:br>
-            <a:r>
-              <a:rPr lang="en-US" sz="1800">
-                <a:latin typeface="Courier New" charset="0"/>
-              </a:rPr>
-              <a:t>	return 0;</a:t>
-            </a:r>
-            <a:br>
-              <a:rPr lang="en-US" sz="1800">
-                <a:latin typeface="Courier New" charset="0"/>
-              </a:rPr>
-            </a:br>
-            <a:r>
-              <a:rPr lang="en-US" sz="1800">
-                <a:latin typeface="Courier New" charset="0"/>
-              </a:rPr>
-              <a:t>}</a:t>
-            </a:r>
-          </a:p>
-        </p:txBody>
-      </p:sp>
-      <p:sp>
-        <p:nvSpPr>
-          <p:cNvPr id="5" name="Date Placeholder 4"/>
+              <a:rPr lang="en-US" altLang="en-US" smtClean="0"/>
+              <a:t>ECE Application Programming: Lecture 1</a:t>
+            </a:r>
+            <a:endParaRPr lang="en-US" altLang="en-US"/>
+          </a:p>
+        </p:txBody>
+      </p:sp>
+      <p:sp>
+        <p:nvSpPr>
+          <p:cNvPr id="6" name="Slide Number Placeholder 5"/>
           <p:cNvSpPr>
             <a:spLocks noGrp="1"/>
           </p:cNvSpPr>
           <p:nvPr>
-            <p:ph type="dt" sz="quarter" idx="10"/>
+            <p:ph type="sldNum" sz="quarter" idx="12"/>
           </p:nvPr>
         </p:nvSpPr>
         <p:spPr/>
@@ -11747,1482 +11690,12 @@
             </a:lvl9pPr>
           </a:lstStyle>
           <a:p>
-            <a:pPr eaLnBrk="1" hangingPunct="1"/>
-            <a:fld id="{4022ED98-5CEE-1744-AA2C-AE23CC77363B}" type="datetime1">
-              <a:rPr lang="en-US">
-                <a:latin typeface="Garamond" charset="0"/>
-              </a:rPr>
-              <a:pPr eaLnBrk="1" hangingPunct="1"/>
-              <a:t>1/19/16</a:t>
+            <a:fld id="{654581FB-8797-014C-8491-7A0C59EBED1B}" type="slidenum">
+              <a:rPr lang="en-US" smtClean="0"/>
+              <a:pPr/>
+              <a:t>17</a:t>
             </a:fld>
-            <a:endParaRPr lang="en-US">
-              <a:latin typeface="Garamond" charset="0"/>
-            </a:endParaRPr>
-          </a:p>
-        </p:txBody>
-      </p:sp>
-      <p:sp>
-        <p:nvSpPr>
-          <p:cNvPr id="6" name="Footer Placeholder 5"/>
-          <p:cNvSpPr>
-            <a:spLocks noGrp="1"/>
-          </p:cNvSpPr>
-          <p:nvPr>
-            <p:ph type="ftr" sz="quarter" idx="11"/>
-          </p:nvPr>
-        </p:nvSpPr>
-        <p:spPr/>
-        <p:txBody>
-          <a:bodyPr/>
-          <a:lstStyle/>
-          <a:p>
-            <a:pPr>
-              <a:defRPr/>
-            </a:pPr>
-            <a:r>
-              <a:rPr lang="en-US" altLang="en-US"/>
-              <a:t>ECE Application Programming: Lecture 1</a:t>
-            </a:r>
-          </a:p>
-        </p:txBody>
-      </p:sp>
-    </p:spTree>
-  </p:cSld>
-  <p:clrMapOvr>
-    <a:masterClrMapping/>
-  </p:clrMapOvr>
-  <p:timing>
-    <p:tnLst>
-      <p:par>
-        <p:cTn xmlns:p14="http://schemas.microsoft.com/office/powerpoint/2010/main" id="1" dur="indefinite" restart="never" nodeType="tmRoot"/>
-      </p:par>
-    </p:tnLst>
-  </p:timing>
-</p:sld>
-</file>
-
-<file path=ppt/slides/slide18.xml><?xml version="1.0" encoding="utf-8"?>
-<p:sld xmlns:a="http://schemas.openxmlformats.org/drawingml/2006/main" xmlns:r="http://schemas.openxmlformats.org/officeDocument/2006/relationships" xmlns:p="http://schemas.openxmlformats.org/presentationml/2006/main">
-  <p:cSld>
-    <p:spTree>
-      <p:nvGrpSpPr>
-        <p:cNvPr id="1" name=""/>
-        <p:cNvGrpSpPr/>
-        <p:nvPr/>
-      </p:nvGrpSpPr>
-      <p:grpSpPr>
-        <a:xfrm>
-          <a:off x="0" y="0"/>
-          <a:ext cx="0" cy="0"/>
-          <a:chOff x="0" y="0"/>
-          <a:chExt cx="0" cy="0"/>
-        </a:xfrm>
-      </p:grpSpPr>
-      <p:sp>
-        <p:nvSpPr>
-          <p:cNvPr id="7" name="Slide Number Placeholder 4"/>
-          <p:cNvSpPr>
-            <a:spLocks noGrp="1"/>
-          </p:cNvSpPr>
-          <p:nvPr>
-            <p:ph type="sldNum" sz="quarter" idx="12"/>
-          </p:nvPr>
-        </p:nvSpPr>
-        <p:spPr/>
-        <p:txBody>
-          <a:bodyPr/>
-          <a:lstStyle>
-            <a:lvl1pPr eaLnBrk="0" hangingPunct="0">
-              <a:defRPr>
-                <a:solidFill>
-                  <a:schemeClr val="tx1"/>
-                </a:solidFill>
-                <a:latin typeface="Arial" charset="0"/>
-                <a:ea typeface="ＭＳ Ｐゴシック" charset="0"/>
-                <a:cs typeface="Arial" charset="0"/>
-              </a:defRPr>
-            </a:lvl1pPr>
-            <a:lvl2pPr marL="742950" indent="-285750" eaLnBrk="0" hangingPunct="0">
-              <a:defRPr>
-                <a:solidFill>
-                  <a:schemeClr val="tx1"/>
-                </a:solidFill>
-                <a:latin typeface="Arial" charset="0"/>
-                <a:ea typeface="Arial" charset="0"/>
-                <a:cs typeface="Arial" charset="0"/>
-              </a:defRPr>
-            </a:lvl2pPr>
-            <a:lvl3pPr marL="1143000" indent="-228600" eaLnBrk="0" hangingPunct="0">
-              <a:defRPr>
-                <a:solidFill>
-                  <a:schemeClr val="tx1"/>
-                </a:solidFill>
-                <a:latin typeface="Arial" charset="0"/>
-                <a:ea typeface="Arial" charset="0"/>
-                <a:cs typeface="Arial" charset="0"/>
-              </a:defRPr>
-            </a:lvl3pPr>
-            <a:lvl4pPr marL="1600200" indent="-228600" eaLnBrk="0" hangingPunct="0">
-              <a:defRPr>
-                <a:solidFill>
-                  <a:schemeClr val="tx1"/>
-                </a:solidFill>
-                <a:latin typeface="Arial" charset="0"/>
-                <a:ea typeface="Arial" charset="0"/>
-                <a:cs typeface="Arial" charset="0"/>
-              </a:defRPr>
-            </a:lvl4pPr>
-            <a:lvl5pPr marL="2057400" indent="-228600" eaLnBrk="0" hangingPunct="0">
-              <a:defRPr>
-                <a:solidFill>
-                  <a:schemeClr val="tx1"/>
-                </a:solidFill>
-                <a:latin typeface="Arial" charset="0"/>
-                <a:ea typeface="Arial" charset="0"/>
-                <a:cs typeface="Arial" charset="0"/>
-              </a:defRPr>
-            </a:lvl5pPr>
-            <a:lvl6pPr marL="2514600" indent="-228600" eaLnBrk="0" fontAlgn="base" hangingPunct="0">
-              <a:spcBef>
-                <a:spcPct val="0"/>
-              </a:spcBef>
-              <a:spcAft>
-                <a:spcPct val="0"/>
-              </a:spcAft>
-              <a:defRPr>
-                <a:solidFill>
-                  <a:schemeClr val="tx1"/>
-                </a:solidFill>
-                <a:latin typeface="Arial" charset="0"/>
-                <a:ea typeface="Arial" charset="0"/>
-                <a:cs typeface="Arial" charset="0"/>
-              </a:defRPr>
-            </a:lvl6pPr>
-            <a:lvl7pPr marL="2971800" indent="-228600" eaLnBrk="0" fontAlgn="base" hangingPunct="0">
-              <a:spcBef>
-                <a:spcPct val="0"/>
-              </a:spcBef>
-              <a:spcAft>
-                <a:spcPct val="0"/>
-              </a:spcAft>
-              <a:defRPr>
-                <a:solidFill>
-                  <a:schemeClr val="tx1"/>
-                </a:solidFill>
-                <a:latin typeface="Arial" charset="0"/>
-                <a:ea typeface="Arial" charset="0"/>
-                <a:cs typeface="Arial" charset="0"/>
-              </a:defRPr>
-            </a:lvl7pPr>
-            <a:lvl8pPr marL="3429000" indent="-228600" eaLnBrk="0" fontAlgn="base" hangingPunct="0">
-              <a:spcBef>
-                <a:spcPct val="0"/>
-              </a:spcBef>
-              <a:spcAft>
-                <a:spcPct val="0"/>
-              </a:spcAft>
-              <a:defRPr>
-                <a:solidFill>
-                  <a:schemeClr val="tx1"/>
-                </a:solidFill>
-                <a:latin typeface="Arial" charset="0"/>
-                <a:ea typeface="Arial" charset="0"/>
-                <a:cs typeface="Arial" charset="0"/>
-              </a:defRPr>
-            </a:lvl8pPr>
-            <a:lvl9pPr marL="3886200" indent="-228600" eaLnBrk="0" fontAlgn="base" hangingPunct="0">
-              <a:spcBef>
-                <a:spcPct val="0"/>
-              </a:spcBef>
-              <a:spcAft>
-                <a:spcPct val="0"/>
-              </a:spcAft>
-              <a:defRPr>
-                <a:solidFill>
-                  <a:schemeClr val="tx1"/>
-                </a:solidFill>
-                <a:latin typeface="Arial" charset="0"/>
-                <a:ea typeface="Arial" charset="0"/>
-                <a:cs typeface="Arial" charset="0"/>
-              </a:defRPr>
-            </a:lvl9pPr>
-          </a:lstStyle>
-          <a:p>
-            <a:pPr eaLnBrk="1" hangingPunct="1"/>
-            <a:fld id="{97F5BDAC-616F-BD49-9BDA-9F5D548EF33C}" type="slidenum">
-              <a:rPr lang="en-US">
-                <a:latin typeface="Garamond" charset="0"/>
-              </a:rPr>
-              <a:pPr eaLnBrk="1" hangingPunct="1"/>
-              <a:t>18</a:t>
-            </a:fld>
-            <a:endParaRPr lang="en-US">
-              <a:latin typeface="Garamond" charset="0"/>
-            </a:endParaRPr>
-          </a:p>
-        </p:txBody>
-      </p:sp>
-      <p:sp>
-        <p:nvSpPr>
-          <p:cNvPr id="19459" name="Rectangle 2"/>
-          <p:cNvSpPr>
-            <a:spLocks noGrp="1" noChangeArrowheads="1"/>
-          </p:cNvSpPr>
-          <p:nvPr>
-            <p:ph type="title"/>
-          </p:nvPr>
-        </p:nvSpPr>
-        <p:spPr>
-          <a:xfrm>
-            <a:off x="685800" y="304800"/>
-            <a:ext cx="7772400" cy="838200"/>
-          </a:xfrm>
-        </p:spPr>
-        <p:txBody>
-          <a:bodyPr/>
-          <a:lstStyle/>
-          <a:p>
-            <a:r>
-              <a:rPr lang="en-US">
-                <a:latin typeface="Garamond" charset="0"/>
-              </a:rPr>
-              <a:t>Our first C program</a:t>
-            </a:r>
-          </a:p>
-        </p:txBody>
-      </p:sp>
-      <p:sp>
-        <p:nvSpPr>
-          <p:cNvPr id="19460" name="Text Box 3"/>
-          <p:cNvSpPr txBox="1">
-            <a:spLocks noChangeArrowheads="1"/>
-          </p:cNvSpPr>
-          <p:nvPr/>
-        </p:nvSpPr>
-        <p:spPr bwMode="auto">
-          <a:xfrm>
-            <a:off x="685800" y="4114800"/>
-            <a:ext cx="7848600" cy="2282825"/>
-          </a:xfrm>
-          <a:prstGeom prst="rect">
-            <a:avLst/>
-          </a:prstGeom>
-          <a:noFill/>
-          <a:ln>
-            <a:noFill/>
-          </a:ln>
-          <a:extLst>
-            <a:ext uri="{909E8E84-426E-40dd-AFC4-6F175D3DCCD1}">
-              <a14:hiddenFill xmlns:a14="http://schemas.microsoft.com/office/drawing/2010/main">
-                <a:solidFill>
-                  <a:srgbClr val="FFFFFF"/>
-                </a:solidFill>
-              </a14:hiddenFill>
-            </a:ext>
-            <a:ext uri="{91240B29-F687-4f45-9708-019B960494DF}">
-              <a14:hiddenLine xmlns:a14="http://schemas.microsoft.com/office/drawing/2010/main" w="9525">
-                <a:solidFill>
-                  <a:srgbClr val="000000"/>
-                </a:solidFill>
-                <a:miter lim="800000"/>
-                <a:headEnd/>
-                <a:tailEnd/>
-              </a14:hiddenLine>
-            </a:ext>
-          </a:extLst>
-        </p:spPr>
-        <p:txBody>
-          <a:bodyPr>
-            <a:spAutoFit/>
-          </a:bodyPr>
-          <a:lstStyle>
-            <a:lvl1pPr>
-              <a:defRPr sz="3000">
-                <a:solidFill>
-                  <a:schemeClr val="tx1"/>
-                </a:solidFill>
-                <a:latin typeface="Arial" charset="0"/>
-                <a:ea typeface="ＭＳ Ｐゴシック" charset="0"/>
-              </a:defRPr>
-            </a:lvl1pPr>
-            <a:lvl2pPr marL="742950" indent="-285750">
-              <a:defRPr sz="2600">
-                <a:solidFill>
-                  <a:schemeClr val="tx1"/>
-                </a:solidFill>
-                <a:latin typeface="Arial" charset="0"/>
-                <a:ea typeface="ＭＳ Ｐゴシック" charset="0"/>
-              </a:defRPr>
-            </a:lvl2pPr>
-            <a:lvl3pPr marL="1143000" indent="-228600">
-              <a:defRPr sz="2200">
-                <a:solidFill>
-                  <a:schemeClr val="tx1"/>
-                </a:solidFill>
-                <a:latin typeface="Arial" charset="0"/>
-                <a:ea typeface="ＭＳ Ｐゴシック" charset="0"/>
-              </a:defRPr>
-            </a:lvl3pPr>
-            <a:lvl4pPr marL="1600200" indent="-228600">
-              <a:defRPr sz="2000">
-                <a:solidFill>
-                  <a:schemeClr val="tx1"/>
-                </a:solidFill>
-                <a:latin typeface="Arial" charset="0"/>
-                <a:ea typeface="ＭＳ Ｐゴシック" charset="0"/>
-              </a:defRPr>
-            </a:lvl4pPr>
-            <a:lvl5pPr marL="2057400" indent="-228600">
-              <a:defRPr sz="2000">
-                <a:solidFill>
-                  <a:schemeClr val="tx1"/>
-                </a:solidFill>
-                <a:latin typeface="Arial" charset="0"/>
-                <a:ea typeface="ＭＳ Ｐゴシック" charset="0"/>
-              </a:defRPr>
-            </a:lvl5pPr>
-            <a:lvl6pPr marL="2514600" indent="-228600" eaLnBrk="0" hangingPunct="0">
-              <a:buFont typeface="Wingdings" charset="0"/>
-              <a:defRPr sz="2000">
-                <a:solidFill>
-                  <a:schemeClr val="tx1"/>
-                </a:solidFill>
-                <a:latin typeface="Arial" charset="0"/>
-                <a:ea typeface="ＭＳ Ｐゴシック" charset="0"/>
-              </a:defRPr>
-            </a:lvl6pPr>
-            <a:lvl7pPr marL="2971800" indent="-228600" eaLnBrk="0" hangingPunct="0">
-              <a:buFont typeface="Wingdings" charset="0"/>
-              <a:defRPr sz="2000">
-                <a:solidFill>
-                  <a:schemeClr val="tx1"/>
-                </a:solidFill>
-                <a:latin typeface="Arial" charset="0"/>
-                <a:ea typeface="ＭＳ Ｐゴシック" charset="0"/>
-              </a:defRPr>
-            </a:lvl7pPr>
-            <a:lvl8pPr marL="3429000" indent="-228600" eaLnBrk="0" hangingPunct="0">
-              <a:buFont typeface="Wingdings" charset="0"/>
-              <a:defRPr sz="2000">
-                <a:solidFill>
-                  <a:schemeClr val="tx1"/>
-                </a:solidFill>
-                <a:latin typeface="Arial" charset="0"/>
-                <a:ea typeface="ＭＳ Ｐゴシック" charset="0"/>
-              </a:defRPr>
-            </a:lvl8pPr>
-            <a:lvl9pPr marL="3886200" indent="-228600" eaLnBrk="0" hangingPunct="0">
-              <a:buFont typeface="Wingdings" charset="0"/>
-              <a:defRPr sz="2000">
-                <a:solidFill>
-                  <a:schemeClr val="tx1"/>
-                </a:solidFill>
-                <a:latin typeface="Arial" charset="0"/>
-                <a:ea typeface="ＭＳ Ｐゴシック" charset="0"/>
-              </a:defRPr>
-            </a:lvl9pPr>
-          </a:lstStyle>
-          <a:p>
-            <a:pPr>
-              <a:spcBef>
-                <a:spcPct val="50000"/>
-              </a:spcBef>
-            </a:pPr>
-            <a:r>
-              <a:rPr lang="en-US" sz="1800">
-                <a:latin typeface="Courier New" charset="0"/>
-              </a:rPr>
-              <a:t>#include &lt;stdio.h&gt;</a:t>
-            </a:r>
-            <a:br>
-              <a:rPr lang="en-US" sz="1800">
-                <a:latin typeface="Courier New" charset="0"/>
-              </a:rPr>
-            </a:br>
-            <a:r>
-              <a:rPr lang="en-US" sz="1800">
-                <a:latin typeface="Courier New" charset="0"/>
-              </a:rPr>
-              <a:t>int main()</a:t>
-            </a:r>
-            <a:br>
-              <a:rPr lang="en-US" sz="1800">
-                <a:latin typeface="Courier New" charset="0"/>
-              </a:rPr>
-            </a:br>
-            <a:r>
-              <a:rPr lang="en-US" sz="1800">
-                <a:latin typeface="Courier New" charset="0"/>
-              </a:rPr>
-              <a:t>{</a:t>
-            </a:r>
-            <a:br>
-              <a:rPr lang="en-US" sz="1800">
-                <a:latin typeface="Courier New" charset="0"/>
-              </a:rPr>
-            </a:br>
-            <a:r>
-              <a:rPr lang="en-US" sz="1800">
-                <a:latin typeface="Courier New" charset="0"/>
-              </a:rPr>
-              <a:t>	printf("Hello World!\n");</a:t>
-            </a:r>
-            <a:br>
-              <a:rPr lang="en-US" sz="1800">
-                <a:latin typeface="Courier New" charset="0"/>
-              </a:rPr>
-            </a:br>
-            <a:r>
-              <a:rPr lang="en-US" sz="1800">
-                <a:latin typeface="Courier New" charset="0"/>
-              </a:rPr>
-              <a:t>	return 0;</a:t>
-            </a:r>
-            <a:br>
-              <a:rPr lang="en-US" sz="1800">
-                <a:latin typeface="Courier New" charset="0"/>
-              </a:rPr>
-            </a:br>
-            <a:r>
-              <a:rPr lang="en-US" sz="1800">
-                <a:latin typeface="Courier New" charset="0"/>
-              </a:rPr>
-              <a:t>}</a:t>
-            </a:r>
-          </a:p>
-        </p:txBody>
-      </p:sp>
-      <p:sp>
-        <p:nvSpPr>
-          <p:cNvPr id="19461" name="AutoShape 4"/>
-          <p:cNvSpPr>
-            <a:spLocks/>
-          </p:cNvSpPr>
-          <p:nvPr/>
-        </p:nvSpPr>
-        <p:spPr bwMode="auto">
-          <a:xfrm>
-            <a:off x="1304925" y="1354138"/>
-            <a:ext cx="4867275" cy="398462"/>
-          </a:xfrm>
-          <a:prstGeom prst="borderCallout1">
-            <a:avLst>
-              <a:gd name="adj1" fmla="val 28685"/>
-              <a:gd name="adj2" fmla="val -1565"/>
-              <a:gd name="adj3" fmla="val 713148"/>
-              <a:gd name="adj4" fmla="val -8611"/>
-            </a:avLst>
-          </a:prstGeom>
-          <a:noFill/>
-          <a:ln w="9525">
-            <a:solidFill>
-              <a:schemeClr val="tx1"/>
-            </a:solidFill>
-            <a:miter lim="800000"/>
-            <a:headEnd/>
-            <a:tailEnd/>
-          </a:ln>
-          <a:extLst>
-            <a:ext uri="{909E8E84-426E-40dd-AFC4-6F175D3DCCD1}">
-              <a14:hiddenFill xmlns:a14="http://schemas.microsoft.com/office/drawing/2010/main">
-                <a:solidFill>
-                  <a:srgbClr val="FFFFFF"/>
-                </a:solidFill>
-              </a14:hiddenFill>
-            </a:ext>
-          </a:extLst>
-        </p:spPr>
-        <p:txBody>
-          <a:bodyPr anchor="ctr"/>
-          <a:lstStyle/>
-          <a:p>
-            <a:r>
-              <a:rPr lang="en-US"/>
-              <a:t># indicates pre-processor directive</a:t>
-            </a:r>
-          </a:p>
-        </p:txBody>
-      </p:sp>
-      <p:sp>
-        <p:nvSpPr>
-          <p:cNvPr id="19462" name="AutoShape 5"/>
-          <p:cNvSpPr>
-            <a:spLocks/>
-          </p:cNvSpPr>
-          <p:nvPr/>
-        </p:nvSpPr>
-        <p:spPr bwMode="auto">
-          <a:xfrm>
-            <a:off x="2057400" y="1905000"/>
-            <a:ext cx="4867275" cy="381000"/>
-          </a:xfrm>
-          <a:prstGeom prst="borderCallout1">
-            <a:avLst>
-              <a:gd name="adj1" fmla="val 30000"/>
-              <a:gd name="adj2" fmla="val -1565"/>
-              <a:gd name="adj3" fmla="val 587917"/>
-              <a:gd name="adj4" fmla="val -11185"/>
-            </a:avLst>
-          </a:prstGeom>
-          <a:noFill/>
-          <a:ln w="9525">
-            <a:solidFill>
-              <a:schemeClr val="tx1"/>
-            </a:solidFill>
-            <a:miter lim="800000"/>
-            <a:headEnd/>
-            <a:tailEnd/>
-          </a:ln>
-          <a:extLst>
-            <a:ext uri="{909E8E84-426E-40dd-AFC4-6F175D3DCCD1}">
-              <a14:hiddenFill xmlns:a14="http://schemas.microsoft.com/office/drawing/2010/main">
-                <a:solidFill>
-                  <a:srgbClr val="FFFFFF"/>
-                </a:solidFill>
-              </a14:hiddenFill>
-            </a:ext>
-          </a:extLst>
-        </p:spPr>
-        <p:txBody>
-          <a:bodyPr anchor="ctr"/>
-          <a:lstStyle/>
-          <a:p>
-            <a:r>
-              <a:rPr lang="en-US">
-                <a:latin typeface="Courier New" charset="0"/>
-              </a:rPr>
-              <a:t>include</a:t>
-            </a:r>
-            <a:r>
-              <a:rPr lang="en-US"/>
-              <a:t> is the directive</a:t>
-            </a:r>
-          </a:p>
-        </p:txBody>
-      </p:sp>
-      <p:sp>
-        <p:nvSpPr>
-          <p:cNvPr id="19463" name="AutoShape 6"/>
-          <p:cNvSpPr>
-            <a:spLocks/>
-          </p:cNvSpPr>
-          <p:nvPr/>
-        </p:nvSpPr>
-        <p:spPr bwMode="auto">
-          <a:xfrm>
-            <a:off x="3709988" y="2514600"/>
-            <a:ext cx="5129212" cy="1447800"/>
-          </a:xfrm>
-          <a:prstGeom prst="borderCallout1">
-            <a:avLst>
-              <a:gd name="adj1" fmla="val 7894"/>
-              <a:gd name="adj2" fmla="val -1486"/>
-              <a:gd name="adj3" fmla="val 111731"/>
-              <a:gd name="adj4" fmla="val -14699"/>
-            </a:avLst>
-          </a:prstGeom>
-          <a:noFill/>
-          <a:ln w="9525">
-            <a:solidFill>
-              <a:schemeClr val="tx1"/>
-            </a:solidFill>
-            <a:miter lim="800000"/>
-            <a:headEnd/>
-            <a:tailEnd/>
-          </a:ln>
-          <a:extLst>
-            <a:ext uri="{909E8E84-426E-40dd-AFC4-6F175D3DCCD1}">
-              <a14:hiddenFill xmlns:a14="http://schemas.microsoft.com/office/drawing/2010/main">
-                <a:solidFill>
-                  <a:srgbClr val="FFFFFF"/>
-                </a:solidFill>
-              </a14:hiddenFill>
-            </a:ext>
-          </a:extLst>
-        </p:spPr>
-        <p:txBody>
-          <a:bodyPr anchor="ctr"/>
-          <a:lstStyle/>
-          <a:p>
-            <a:r>
-              <a:rPr lang="en-US">
-                <a:latin typeface="Courier New" charset="0"/>
-              </a:rPr>
-              <a:t>stdio.h </a:t>
-            </a:r>
-            <a:r>
-              <a:rPr lang="en-US"/>
-              <a:t>is the name of the file to "insert" into our program.  The &lt;&gt; means it is part of the C development system</a:t>
-            </a:r>
-          </a:p>
-        </p:txBody>
-      </p:sp>
-      <p:sp>
-        <p:nvSpPr>
-          <p:cNvPr id="8" name="Date Placeholder 7"/>
-          <p:cNvSpPr>
-            <a:spLocks noGrp="1"/>
-          </p:cNvSpPr>
-          <p:nvPr>
-            <p:ph type="dt" sz="quarter" idx="10"/>
-          </p:nvPr>
-        </p:nvSpPr>
-        <p:spPr/>
-        <p:txBody>
-          <a:bodyPr/>
-          <a:lstStyle>
-            <a:lvl1pPr eaLnBrk="0" hangingPunct="0">
-              <a:defRPr>
-                <a:solidFill>
-                  <a:schemeClr val="tx1"/>
-                </a:solidFill>
-                <a:latin typeface="Arial" charset="0"/>
-                <a:ea typeface="ＭＳ Ｐゴシック" charset="0"/>
-                <a:cs typeface="Arial" charset="0"/>
-              </a:defRPr>
-            </a:lvl1pPr>
-            <a:lvl2pPr marL="742950" indent="-285750" eaLnBrk="0" hangingPunct="0">
-              <a:defRPr>
-                <a:solidFill>
-                  <a:schemeClr val="tx1"/>
-                </a:solidFill>
-                <a:latin typeface="Arial" charset="0"/>
-                <a:ea typeface="Arial" charset="0"/>
-                <a:cs typeface="Arial" charset="0"/>
-              </a:defRPr>
-            </a:lvl2pPr>
-            <a:lvl3pPr marL="1143000" indent="-228600" eaLnBrk="0" hangingPunct="0">
-              <a:defRPr>
-                <a:solidFill>
-                  <a:schemeClr val="tx1"/>
-                </a:solidFill>
-                <a:latin typeface="Arial" charset="0"/>
-                <a:ea typeface="Arial" charset="0"/>
-                <a:cs typeface="Arial" charset="0"/>
-              </a:defRPr>
-            </a:lvl3pPr>
-            <a:lvl4pPr marL="1600200" indent="-228600" eaLnBrk="0" hangingPunct="0">
-              <a:defRPr>
-                <a:solidFill>
-                  <a:schemeClr val="tx1"/>
-                </a:solidFill>
-                <a:latin typeface="Arial" charset="0"/>
-                <a:ea typeface="Arial" charset="0"/>
-                <a:cs typeface="Arial" charset="0"/>
-              </a:defRPr>
-            </a:lvl4pPr>
-            <a:lvl5pPr marL="2057400" indent="-228600" eaLnBrk="0" hangingPunct="0">
-              <a:defRPr>
-                <a:solidFill>
-                  <a:schemeClr val="tx1"/>
-                </a:solidFill>
-                <a:latin typeface="Arial" charset="0"/>
-                <a:ea typeface="Arial" charset="0"/>
-                <a:cs typeface="Arial" charset="0"/>
-              </a:defRPr>
-            </a:lvl5pPr>
-            <a:lvl6pPr marL="2514600" indent="-228600" eaLnBrk="0" fontAlgn="base" hangingPunct="0">
-              <a:spcBef>
-                <a:spcPct val="0"/>
-              </a:spcBef>
-              <a:spcAft>
-                <a:spcPct val="0"/>
-              </a:spcAft>
-              <a:defRPr>
-                <a:solidFill>
-                  <a:schemeClr val="tx1"/>
-                </a:solidFill>
-                <a:latin typeface="Arial" charset="0"/>
-                <a:ea typeface="Arial" charset="0"/>
-                <a:cs typeface="Arial" charset="0"/>
-              </a:defRPr>
-            </a:lvl6pPr>
-            <a:lvl7pPr marL="2971800" indent="-228600" eaLnBrk="0" fontAlgn="base" hangingPunct="0">
-              <a:spcBef>
-                <a:spcPct val="0"/>
-              </a:spcBef>
-              <a:spcAft>
-                <a:spcPct val="0"/>
-              </a:spcAft>
-              <a:defRPr>
-                <a:solidFill>
-                  <a:schemeClr val="tx1"/>
-                </a:solidFill>
-                <a:latin typeface="Arial" charset="0"/>
-                <a:ea typeface="Arial" charset="0"/>
-                <a:cs typeface="Arial" charset="0"/>
-              </a:defRPr>
-            </a:lvl7pPr>
-            <a:lvl8pPr marL="3429000" indent="-228600" eaLnBrk="0" fontAlgn="base" hangingPunct="0">
-              <a:spcBef>
-                <a:spcPct val="0"/>
-              </a:spcBef>
-              <a:spcAft>
-                <a:spcPct val="0"/>
-              </a:spcAft>
-              <a:defRPr>
-                <a:solidFill>
-                  <a:schemeClr val="tx1"/>
-                </a:solidFill>
-                <a:latin typeface="Arial" charset="0"/>
-                <a:ea typeface="Arial" charset="0"/>
-                <a:cs typeface="Arial" charset="0"/>
-              </a:defRPr>
-            </a:lvl8pPr>
-            <a:lvl9pPr marL="3886200" indent="-228600" eaLnBrk="0" fontAlgn="base" hangingPunct="0">
-              <a:spcBef>
-                <a:spcPct val="0"/>
-              </a:spcBef>
-              <a:spcAft>
-                <a:spcPct val="0"/>
-              </a:spcAft>
-              <a:defRPr>
-                <a:solidFill>
-                  <a:schemeClr val="tx1"/>
-                </a:solidFill>
-                <a:latin typeface="Arial" charset="0"/>
-                <a:ea typeface="Arial" charset="0"/>
-                <a:cs typeface="Arial" charset="0"/>
-              </a:defRPr>
-            </a:lvl9pPr>
-          </a:lstStyle>
-          <a:p>
-            <a:pPr eaLnBrk="1" hangingPunct="1"/>
-            <a:fld id="{DDC5C2B9-2C9C-6F42-9EA9-73679F25C5EB}" type="datetime1">
-              <a:rPr lang="en-US">
-                <a:latin typeface="Garamond" charset="0"/>
-              </a:rPr>
-              <a:pPr eaLnBrk="1" hangingPunct="1"/>
-              <a:t>1/19/16</a:t>
-            </a:fld>
-            <a:endParaRPr lang="en-US">
-              <a:latin typeface="Garamond" charset="0"/>
-            </a:endParaRPr>
-          </a:p>
-        </p:txBody>
-      </p:sp>
-      <p:sp>
-        <p:nvSpPr>
-          <p:cNvPr id="9" name="Footer Placeholder 8"/>
-          <p:cNvSpPr>
-            <a:spLocks noGrp="1"/>
-          </p:cNvSpPr>
-          <p:nvPr>
-            <p:ph type="ftr" sz="quarter" idx="11"/>
-          </p:nvPr>
-        </p:nvSpPr>
-        <p:spPr/>
-        <p:txBody>
-          <a:bodyPr/>
-          <a:lstStyle/>
-          <a:p>
-            <a:pPr>
-              <a:defRPr/>
-            </a:pPr>
-            <a:r>
-              <a:rPr lang="en-US" altLang="en-US"/>
-              <a:t>ECE Application Programming: Lecture 1</a:t>
-            </a:r>
-          </a:p>
-        </p:txBody>
-      </p:sp>
-    </p:spTree>
-  </p:cSld>
-  <p:clrMapOvr>
-    <a:masterClrMapping/>
-  </p:clrMapOvr>
-  <p:timing>
-    <p:tnLst>
-      <p:par>
-        <p:cTn xmlns:p14="http://schemas.microsoft.com/office/powerpoint/2010/main" id="1" dur="indefinite" restart="never" nodeType="tmRoot"/>
-      </p:par>
-    </p:tnLst>
-  </p:timing>
-</p:sld>
-</file>
-
-<file path=ppt/slides/slide19.xml><?xml version="1.0" encoding="utf-8"?>
-<p:sld xmlns:a="http://schemas.openxmlformats.org/drawingml/2006/main" xmlns:r="http://schemas.openxmlformats.org/officeDocument/2006/relationships" xmlns:p="http://schemas.openxmlformats.org/presentationml/2006/main">
-  <p:cSld>
-    <p:spTree>
-      <p:nvGrpSpPr>
-        <p:cNvPr id="1" name=""/>
-        <p:cNvGrpSpPr/>
-        <p:nvPr/>
-      </p:nvGrpSpPr>
-      <p:grpSpPr>
-        <a:xfrm>
-          <a:off x="0" y="0"/>
-          <a:ext cx="0" cy="0"/>
-          <a:chOff x="0" y="0"/>
-          <a:chExt cx="0" cy="0"/>
-        </a:xfrm>
-      </p:grpSpPr>
-      <p:sp>
-        <p:nvSpPr>
-          <p:cNvPr id="6" name="Slide Number Placeholder 4"/>
-          <p:cNvSpPr>
-            <a:spLocks noGrp="1"/>
-          </p:cNvSpPr>
-          <p:nvPr>
-            <p:ph type="sldNum" sz="quarter" idx="12"/>
-          </p:nvPr>
-        </p:nvSpPr>
-        <p:spPr/>
-        <p:txBody>
-          <a:bodyPr/>
-          <a:lstStyle>
-            <a:lvl1pPr eaLnBrk="0" hangingPunct="0">
-              <a:defRPr>
-                <a:solidFill>
-                  <a:schemeClr val="tx1"/>
-                </a:solidFill>
-                <a:latin typeface="Arial" charset="0"/>
-                <a:ea typeface="ＭＳ Ｐゴシック" charset="0"/>
-                <a:cs typeface="Arial" charset="0"/>
-              </a:defRPr>
-            </a:lvl1pPr>
-            <a:lvl2pPr marL="742950" indent="-285750" eaLnBrk="0" hangingPunct="0">
-              <a:defRPr>
-                <a:solidFill>
-                  <a:schemeClr val="tx1"/>
-                </a:solidFill>
-                <a:latin typeface="Arial" charset="0"/>
-                <a:ea typeface="Arial" charset="0"/>
-                <a:cs typeface="Arial" charset="0"/>
-              </a:defRPr>
-            </a:lvl2pPr>
-            <a:lvl3pPr marL="1143000" indent="-228600" eaLnBrk="0" hangingPunct="0">
-              <a:defRPr>
-                <a:solidFill>
-                  <a:schemeClr val="tx1"/>
-                </a:solidFill>
-                <a:latin typeface="Arial" charset="0"/>
-                <a:ea typeface="Arial" charset="0"/>
-                <a:cs typeface="Arial" charset="0"/>
-              </a:defRPr>
-            </a:lvl3pPr>
-            <a:lvl4pPr marL="1600200" indent="-228600" eaLnBrk="0" hangingPunct="0">
-              <a:defRPr>
-                <a:solidFill>
-                  <a:schemeClr val="tx1"/>
-                </a:solidFill>
-                <a:latin typeface="Arial" charset="0"/>
-                <a:ea typeface="Arial" charset="0"/>
-                <a:cs typeface="Arial" charset="0"/>
-              </a:defRPr>
-            </a:lvl4pPr>
-            <a:lvl5pPr marL="2057400" indent="-228600" eaLnBrk="0" hangingPunct="0">
-              <a:defRPr>
-                <a:solidFill>
-                  <a:schemeClr val="tx1"/>
-                </a:solidFill>
-                <a:latin typeface="Arial" charset="0"/>
-                <a:ea typeface="Arial" charset="0"/>
-                <a:cs typeface="Arial" charset="0"/>
-              </a:defRPr>
-            </a:lvl5pPr>
-            <a:lvl6pPr marL="2514600" indent="-228600" eaLnBrk="0" fontAlgn="base" hangingPunct="0">
-              <a:spcBef>
-                <a:spcPct val="0"/>
-              </a:spcBef>
-              <a:spcAft>
-                <a:spcPct val="0"/>
-              </a:spcAft>
-              <a:defRPr>
-                <a:solidFill>
-                  <a:schemeClr val="tx1"/>
-                </a:solidFill>
-                <a:latin typeface="Arial" charset="0"/>
-                <a:ea typeface="Arial" charset="0"/>
-                <a:cs typeface="Arial" charset="0"/>
-              </a:defRPr>
-            </a:lvl6pPr>
-            <a:lvl7pPr marL="2971800" indent="-228600" eaLnBrk="0" fontAlgn="base" hangingPunct="0">
-              <a:spcBef>
-                <a:spcPct val="0"/>
-              </a:spcBef>
-              <a:spcAft>
-                <a:spcPct val="0"/>
-              </a:spcAft>
-              <a:defRPr>
-                <a:solidFill>
-                  <a:schemeClr val="tx1"/>
-                </a:solidFill>
-                <a:latin typeface="Arial" charset="0"/>
-                <a:ea typeface="Arial" charset="0"/>
-                <a:cs typeface="Arial" charset="0"/>
-              </a:defRPr>
-            </a:lvl7pPr>
-            <a:lvl8pPr marL="3429000" indent="-228600" eaLnBrk="0" fontAlgn="base" hangingPunct="0">
-              <a:spcBef>
-                <a:spcPct val="0"/>
-              </a:spcBef>
-              <a:spcAft>
-                <a:spcPct val="0"/>
-              </a:spcAft>
-              <a:defRPr>
-                <a:solidFill>
-                  <a:schemeClr val="tx1"/>
-                </a:solidFill>
-                <a:latin typeface="Arial" charset="0"/>
-                <a:ea typeface="Arial" charset="0"/>
-                <a:cs typeface="Arial" charset="0"/>
-              </a:defRPr>
-            </a:lvl8pPr>
-            <a:lvl9pPr marL="3886200" indent="-228600" eaLnBrk="0" fontAlgn="base" hangingPunct="0">
-              <a:spcBef>
-                <a:spcPct val="0"/>
-              </a:spcBef>
-              <a:spcAft>
-                <a:spcPct val="0"/>
-              </a:spcAft>
-              <a:defRPr>
-                <a:solidFill>
-                  <a:schemeClr val="tx1"/>
-                </a:solidFill>
-                <a:latin typeface="Arial" charset="0"/>
-                <a:ea typeface="Arial" charset="0"/>
-                <a:cs typeface="Arial" charset="0"/>
-              </a:defRPr>
-            </a:lvl9pPr>
-          </a:lstStyle>
-          <a:p>
-            <a:pPr eaLnBrk="1" hangingPunct="1"/>
-            <a:fld id="{93199018-4114-1F46-B972-6692C047B535}" type="slidenum">
-              <a:rPr lang="en-US">
-                <a:latin typeface="Garamond" charset="0"/>
-              </a:rPr>
-              <a:pPr eaLnBrk="1" hangingPunct="1"/>
-              <a:t>19</a:t>
-            </a:fld>
-            <a:endParaRPr lang="en-US">
-              <a:latin typeface="Garamond" charset="0"/>
-            </a:endParaRPr>
-          </a:p>
-        </p:txBody>
-      </p:sp>
-      <p:sp>
-        <p:nvSpPr>
-          <p:cNvPr id="20483" name="Rectangle 2"/>
-          <p:cNvSpPr>
-            <a:spLocks noGrp="1" noChangeArrowheads="1"/>
-          </p:cNvSpPr>
-          <p:nvPr>
-            <p:ph type="title"/>
-          </p:nvPr>
-        </p:nvSpPr>
-        <p:spPr>
-          <a:xfrm>
-            <a:off x="685800" y="228600"/>
-            <a:ext cx="7772400" cy="838200"/>
-          </a:xfrm>
-        </p:spPr>
-        <p:txBody>
-          <a:bodyPr/>
-          <a:lstStyle/>
-          <a:p>
-            <a:r>
-              <a:rPr lang="en-US">
-                <a:latin typeface="Garamond" charset="0"/>
-              </a:rPr>
-              <a:t>Our first C program</a:t>
-            </a:r>
-          </a:p>
-        </p:txBody>
-      </p:sp>
-      <p:sp>
-        <p:nvSpPr>
-          <p:cNvPr id="20484" name="Text Box 3"/>
-          <p:cNvSpPr txBox="1">
-            <a:spLocks noChangeArrowheads="1"/>
-          </p:cNvSpPr>
-          <p:nvPr/>
-        </p:nvSpPr>
-        <p:spPr bwMode="auto">
-          <a:xfrm>
-            <a:off x="762000" y="3733800"/>
-            <a:ext cx="7848600" cy="2282825"/>
-          </a:xfrm>
-          <a:prstGeom prst="rect">
-            <a:avLst/>
-          </a:prstGeom>
-          <a:noFill/>
-          <a:ln>
-            <a:noFill/>
-          </a:ln>
-          <a:extLst>
-            <a:ext uri="{909E8E84-426E-40dd-AFC4-6F175D3DCCD1}">
-              <a14:hiddenFill xmlns:a14="http://schemas.microsoft.com/office/drawing/2010/main">
-                <a:solidFill>
-                  <a:srgbClr val="FFFFFF"/>
-                </a:solidFill>
-              </a14:hiddenFill>
-            </a:ext>
-            <a:ext uri="{91240B29-F687-4f45-9708-019B960494DF}">
-              <a14:hiddenLine xmlns:a14="http://schemas.microsoft.com/office/drawing/2010/main" w="9525">
-                <a:solidFill>
-                  <a:srgbClr val="000000"/>
-                </a:solidFill>
-                <a:miter lim="800000"/>
-                <a:headEnd/>
-                <a:tailEnd/>
-              </a14:hiddenLine>
-            </a:ext>
-          </a:extLst>
-        </p:spPr>
-        <p:txBody>
-          <a:bodyPr>
-            <a:spAutoFit/>
-          </a:bodyPr>
-          <a:lstStyle>
-            <a:lvl1pPr>
-              <a:defRPr sz="3000">
-                <a:solidFill>
-                  <a:schemeClr val="tx1"/>
-                </a:solidFill>
-                <a:latin typeface="Arial" charset="0"/>
-                <a:ea typeface="ＭＳ Ｐゴシック" charset="0"/>
-              </a:defRPr>
-            </a:lvl1pPr>
-            <a:lvl2pPr marL="742950" indent="-285750">
-              <a:defRPr sz="2600">
-                <a:solidFill>
-                  <a:schemeClr val="tx1"/>
-                </a:solidFill>
-                <a:latin typeface="Arial" charset="0"/>
-                <a:ea typeface="ＭＳ Ｐゴシック" charset="0"/>
-              </a:defRPr>
-            </a:lvl2pPr>
-            <a:lvl3pPr marL="1143000" indent="-228600">
-              <a:defRPr sz="2200">
-                <a:solidFill>
-                  <a:schemeClr val="tx1"/>
-                </a:solidFill>
-                <a:latin typeface="Arial" charset="0"/>
-                <a:ea typeface="ＭＳ Ｐゴシック" charset="0"/>
-              </a:defRPr>
-            </a:lvl3pPr>
-            <a:lvl4pPr marL="1600200" indent="-228600">
-              <a:defRPr sz="2000">
-                <a:solidFill>
-                  <a:schemeClr val="tx1"/>
-                </a:solidFill>
-                <a:latin typeface="Arial" charset="0"/>
-                <a:ea typeface="ＭＳ Ｐゴシック" charset="0"/>
-              </a:defRPr>
-            </a:lvl4pPr>
-            <a:lvl5pPr marL="2057400" indent="-228600">
-              <a:defRPr sz="2000">
-                <a:solidFill>
-                  <a:schemeClr val="tx1"/>
-                </a:solidFill>
-                <a:latin typeface="Arial" charset="0"/>
-                <a:ea typeface="ＭＳ Ｐゴシック" charset="0"/>
-              </a:defRPr>
-            </a:lvl5pPr>
-            <a:lvl6pPr marL="2514600" indent="-228600" eaLnBrk="0" hangingPunct="0">
-              <a:buFont typeface="Wingdings" charset="0"/>
-              <a:defRPr sz="2000">
-                <a:solidFill>
-                  <a:schemeClr val="tx1"/>
-                </a:solidFill>
-                <a:latin typeface="Arial" charset="0"/>
-                <a:ea typeface="ＭＳ Ｐゴシック" charset="0"/>
-              </a:defRPr>
-            </a:lvl6pPr>
-            <a:lvl7pPr marL="2971800" indent="-228600" eaLnBrk="0" hangingPunct="0">
-              <a:buFont typeface="Wingdings" charset="0"/>
-              <a:defRPr sz="2000">
-                <a:solidFill>
-                  <a:schemeClr val="tx1"/>
-                </a:solidFill>
-                <a:latin typeface="Arial" charset="0"/>
-                <a:ea typeface="ＭＳ Ｐゴシック" charset="0"/>
-              </a:defRPr>
-            </a:lvl7pPr>
-            <a:lvl8pPr marL="3429000" indent="-228600" eaLnBrk="0" hangingPunct="0">
-              <a:buFont typeface="Wingdings" charset="0"/>
-              <a:defRPr sz="2000">
-                <a:solidFill>
-                  <a:schemeClr val="tx1"/>
-                </a:solidFill>
-                <a:latin typeface="Arial" charset="0"/>
-                <a:ea typeface="ＭＳ Ｐゴシック" charset="0"/>
-              </a:defRPr>
-            </a:lvl8pPr>
-            <a:lvl9pPr marL="3886200" indent="-228600" eaLnBrk="0" hangingPunct="0">
-              <a:buFont typeface="Wingdings" charset="0"/>
-              <a:defRPr sz="2000">
-                <a:solidFill>
-                  <a:schemeClr val="tx1"/>
-                </a:solidFill>
-                <a:latin typeface="Arial" charset="0"/>
-                <a:ea typeface="ＭＳ Ｐゴシック" charset="0"/>
-              </a:defRPr>
-            </a:lvl9pPr>
-          </a:lstStyle>
-          <a:p>
-            <a:pPr>
-              <a:spcBef>
-                <a:spcPct val="50000"/>
-              </a:spcBef>
-            </a:pPr>
-            <a:r>
-              <a:rPr lang="en-US" sz="1800">
-                <a:latin typeface="Courier New" charset="0"/>
-              </a:rPr>
-              <a:t>#include &lt;stdio.h&gt;</a:t>
-            </a:r>
-            <a:br>
-              <a:rPr lang="en-US" sz="1800">
-                <a:latin typeface="Courier New" charset="0"/>
-              </a:rPr>
-            </a:br>
-            <a:r>
-              <a:rPr lang="en-US" sz="1800">
-                <a:latin typeface="Courier New" charset="0"/>
-              </a:rPr>
-              <a:t>int main()</a:t>
-            </a:r>
-            <a:br>
-              <a:rPr lang="en-US" sz="1800">
-                <a:latin typeface="Courier New" charset="0"/>
-              </a:rPr>
-            </a:br>
-            <a:r>
-              <a:rPr lang="en-US" sz="1800">
-                <a:latin typeface="Courier New" charset="0"/>
-              </a:rPr>
-              <a:t>{</a:t>
-            </a:r>
-            <a:br>
-              <a:rPr lang="en-US" sz="1800">
-                <a:latin typeface="Courier New" charset="0"/>
-              </a:rPr>
-            </a:br>
-            <a:r>
-              <a:rPr lang="en-US" sz="1800">
-                <a:latin typeface="Courier New" charset="0"/>
-              </a:rPr>
-              <a:t>	printf("Hello World!\n");</a:t>
-            </a:r>
-            <a:br>
-              <a:rPr lang="en-US" sz="1800">
-                <a:latin typeface="Courier New" charset="0"/>
-              </a:rPr>
-            </a:br>
-            <a:r>
-              <a:rPr lang="en-US" sz="1800">
-                <a:latin typeface="Courier New" charset="0"/>
-              </a:rPr>
-              <a:t>	return 0;</a:t>
-            </a:r>
-            <a:br>
-              <a:rPr lang="en-US" sz="1800">
-                <a:latin typeface="Courier New" charset="0"/>
-              </a:rPr>
-            </a:br>
-            <a:r>
-              <a:rPr lang="en-US" sz="1800">
-                <a:latin typeface="Courier New" charset="0"/>
-              </a:rPr>
-              <a:t>}</a:t>
-            </a:r>
-          </a:p>
-        </p:txBody>
-      </p:sp>
-      <p:sp>
-        <p:nvSpPr>
-          <p:cNvPr id="20485" name="AutoShape 7"/>
-          <p:cNvSpPr>
-            <a:spLocks/>
-          </p:cNvSpPr>
-          <p:nvPr/>
-        </p:nvSpPr>
-        <p:spPr bwMode="auto">
-          <a:xfrm>
-            <a:off x="2362200" y="1219200"/>
-            <a:ext cx="6172200" cy="1371600"/>
-          </a:xfrm>
-          <a:prstGeom prst="borderCallout1">
-            <a:avLst>
-              <a:gd name="adj1" fmla="val 9407"/>
-              <a:gd name="adj2" fmla="val -42"/>
-              <a:gd name="adj3" fmla="val 209259"/>
-              <a:gd name="adj4" fmla="val -11523"/>
-            </a:avLst>
-          </a:prstGeom>
-          <a:noFill/>
-          <a:ln w="9525">
-            <a:solidFill>
-              <a:schemeClr val="tx1"/>
-            </a:solidFill>
-            <a:miter lim="800000"/>
-            <a:headEnd/>
-            <a:tailEnd/>
-          </a:ln>
-          <a:extLst>
-            <a:ext uri="{909E8E84-426E-40dd-AFC4-6F175D3DCCD1}">
-              <a14:hiddenFill xmlns:a14="http://schemas.microsoft.com/office/drawing/2010/main">
-                <a:solidFill>
-                  <a:srgbClr val="FFFFFF"/>
-                </a:solidFill>
-              </a14:hiddenFill>
-            </a:ext>
-          </a:extLst>
-        </p:spPr>
-        <p:txBody>
-          <a:bodyPr anchor="ctr"/>
-          <a:lstStyle/>
-          <a:p>
-            <a:r>
-              <a:rPr lang="en-US">
-                <a:latin typeface="Courier New" charset="0"/>
-              </a:rPr>
-              <a:t>main</a:t>
-            </a:r>
-            <a:r>
-              <a:rPr lang="en-US"/>
-              <a:t> is the name of the primary (or main) procedure.  All ANSI C programs must have a main routine named </a:t>
-            </a:r>
-            <a:r>
-              <a:rPr lang="en-US">
-                <a:latin typeface="Courier New" charset="0"/>
-              </a:rPr>
-              <a:t>main</a:t>
-            </a:r>
-          </a:p>
-        </p:txBody>
-      </p:sp>
-      <p:sp>
-        <p:nvSpPr>
-          <p:cNvPr id="20486" name="AutoShape 8"/>
-          <p:cNvSpPr>
-            <a:spLocks/>
-          </p:cNvSpPr>
-          <p:nvPr/>
-        </p:nvSpPr>
-        <p:spPr bwMode="auto">
-          <a:xfrm>
-            <a:off x="2971800" y="2678113"/>
-            <a:ext cx="5810250" cy="1131887"/>
-          </a:xfrm>
-          <a:prstGeom prst="borderCallout1">
-            <a:avLst>
-              <a:gd name="adj1" fmla="val 10097"/>
-              <a:gd name="adj2" fmla="val -296"/>
-              <a:gd name="adj3" fmla="val 131120"/>
-              <a:gd name="adj4" fmla="val -12676"/>
-            </a:avLst>
-          </a:prstGeom>
-          <a:noFill/>
-          <a:ln w="9525">
-            <a:solidFill>
-              <a:schemeClr val="tx1"/>
-            </a:solidFill>
-            <a:miter lim="800000"/>
-            <a:headEnd/>
-            <a:tailEnd/>
-          </a:ln>
-          <a:extLst>
-            <a:ext uri="{909E8E84-426E-40dd-AFC4-6F175D3DCCD1}">
-              <a14:hiddenFill xmlns:a14="http://schemas.microsoft.com/office/drawing/2010/main">
-                <a:solidFill>
-                  <a:srgbClr val="FFFFFF"/>
-                </a:solidFill>
-              </a14:hiddenFill>
-            </a:ext>
-          </a:extLst>
-        </p:spPr>
-        <p:txBody>
-          <a:bodyPr anchor="ctr"/>
-          <a:lstStyle/>
-          <a:p>
-            <a:r>
-              <a:rPr lang="en-US"/>
-              <a:t>The () indicates that </a:t>
-            </a:r>
-            <a:r>
-              <a:rPr lang="en-US">
-                <a:latin typeface="Courier New" charset="0"/>
-                <a:cs typeface="Courier New" charset="0"/>
-              </a:rPr>
-              <a:t>main</a:t>
-            </a:r>
-            <a:r>
-              <a:rPr lang="en-US"/>
-              <a:t> is the name of a procedure.  All procedure references must be followed with ()</a:t>
-            </a:r>
-          </a:p>
-        </p:txBody>
-      </p:sp>
-      <p:sp>
-        <p:nvSpPr>
-          <p:cNvPr id="7" name="Date Placeholder 6"/>
-          <p:cNvSpPr>
-            <a:spLocks noGrp="1"/>
-          </p:cNvSpPr>
-          <p:nvPr>
-            <p:ph type="dt" sz="quarter" idx="10"/>
-          </p:nvPr>
-        </p:nvSpPr>
-        <p:spPr/>
-        <p:txBody>
-          <a:bodyPr/>
-          <a:lstStyle>
-            <a:lvl1pPr eaLnBrk="0" hangingPunct="0">
-              <a:defRPr>
-                <a:solidFill>
-                  <a:schemeClr val="tx1"/>
-                </a:solidFill>
-                <a:latin typeface="Arial" charset="0"/>
-                <a:ea typeface="ＭＳ Ｐゴシック" charset="0"/>
-                <a:cs typeface="Arial" charset="0"/>
-              </a:defRPr>
-            </a:lvl1pPr>
-            <a:lvl2pPr marL="742950" indent="-285750" eaLnBrk="0" hangingPunct="0">
-              <a:defRPr>
-                <a:solidFill>
-                  <a:schemeClr val="tx1"/>
-                </a:solidFill>
-                <a:latin typeface="Arial" charset="0"/>
-                <a:ea typeface="Arial" charset="0"/>
-                <a:cs typeface="Arial" charset="0"/>
-              </a:defRPr>
-            </a:lvl2pPr>
-            <a:lvl3pPr marL="1143000" indent="-228600" eaLnBrk="0" hangingPunct="0">
-              <a:defRPr>
-                <a:solidFill>
-                  <a:schemeClr val="tx1"/>
-                </a:solidFill>
-                <a:latin typeface="Arial" charset="0"/>
-                <a:ea typeface="Arial" charset="0"/>
-                <a:cs typeface="Arial" charset="0"/>
-              </a:defRPr>
-            </a:lvl3pPr>
-            <a:lvl4pPr marL="1600200" indent="-228600" eaLnBrk="0" hangingPunct="0">
-              <a:defRPr>
-                <a:solidFill>
-                  <a:schemeClr val="tx1"/>
-                </a:solidFill>
-                <a:latin typeface="Arial" charset="0"/>
-                <a:ea typeface="Arial" charset="0"/>
-                <a:cs typeface="Arial" charset="0"/>
-              </a:defRPr>
-            </a:lvl4pPr>
-            <a:lvl5pPr marL="2057400" indent="-228600" eaLnBrk="0" hangingPunct="0">
-              <a:defRPr>
-                <a:solidFill>
-                  <a:schemeClr val="tx1"/>
-                </a:solidFill>
-                <a:latin typeface="Arial" charset="0"/>
-                <a:ea typeface="Arial" charset="0"/>
-                <a:cs typeface="Arial" charset="0"/>
-              </a:defRPr>
-            </a:lvl5pPr>
-            <a:lvl6pPr marL="2514600" indent="-228600" eaLnBrk="0" fontAlgn="base" hangingPunct="0">
-              <a:spcBef>
-                <a:spcPct val="0"/>
-              </a:spcBef>
-              <a:spcAft>
-                <a:spcPct val="0"/>
-              </a:spcAft>
-              <a:defRPr>
-                <a:solidFill>
-                  <a:schemeClr val="tx1"/>
-                </a:solidFill>
-                <a:latin typeface="Arial" charset="0"/>
-                <a:ea typeface="Arial" charset="0"/>
-                <a:cs typeface="Arial" charset="0"/>
-              </a:defRPr>
-            </a:lvl6pPr>
-            <a:lvl7pPr marL="2971800" indent="-228600" eaLnBrk="0" fontAlgn="base" hangingPunct="0">
-              <a:spcBef>
-                <a:spcPct val="0"/>
-              </a:spcBef>
-              <a:spcAft>
-                <a:spcPct val="0"/>
-              </a:spcAft>
-              <a:defRPr>
-                <a:solidFill>
-                  <a:schemeClr val="tx1"/>
-                </a:solidFill>
-                <a:latin typeface="Arial" charset="0"/>
-                <a:ea typeface="Arial" charset="0"/>
-                <a:cs typeface="Arial" charset="0"/>
-              </a:defRPr>
-            </a:lvl7pPr>
-            <a:lvl8pPr marL="3429000" indent="-228600" eaLnBrk="0" fontAlgn="base" hangingPunct="0">
-              <a:spcBef>
-                <a:spcPct val="0"/>
-              </a:spcBef>
-              <a:spcAft>
-                <a:spcPct val="0"/>
-              </a:spcAft>
-              <a:defRPr>
-                <a:solidFill>
-                  <a:schemeClr val="tx1"/>
-                </a:solidFill>
-                <a:latin typeface="Arial" charset="0"/>
-                <a:ea typeface="Arial" charset="0"/>
-                <a:cs typeface="Arial" charset="0"/>
-              </a:defRPr>
-            </a:lvl8pPr>
-            <a:lvl9pPr marL="3886200" indent="-228600" eaLnBrk="0" fontAlgn="base" hangingPunct="0">
-              <a:spcBef>
-                <a:spcPct val="0"/>
-              </a:spcBef>
-              <a:spcAft>
-                <a:spcPct val="0"/>
-              </a:spcAft>
-              <a:defRPr>
-                <a:solidFill>
-                  <a:schemeClr val="tx1"/>
-                </a:solidFill>
-                <a:latin typeface="Arial" charset="0"/>
-                <a:ea typeface="Arial" charset="0"/>
-                <a:cs typeface="Arial" charset="0"/>
-              </a:defRPr>
-            </a:lvl9pPr>
-          </a:lstStyle>
-          <a:p>
-            <a:pPr eaLnBrk="1" hangingPunct="1"/>
-            <a:fld id="{23929533-C185-F74B-AAF0-EE6C473290B6}" type="datetime1">
-              <a:rPr lang="en-US">
-                <a:latin typeface="Garamond" charset="0"/>
-              </a:rPr>
-              <a:pPr eaLnBrk="1" hangingPunct="1"/>
-              <a:t>1/19/16</a:t>
-            </a:fld>
-            <a:endParaRPr lang="en-US">
-              <a:latin typeface="Garamond" charset="0"/>
-            </a:endParaRPr>
-          </a:p>
-        </p:txBody>
-      </p:sp>
-      <p:sp>
-        <p:nvSpPr>
-          <p:cNvPr id="8" name="Footer Placeholder 7"/>
-          <p:cNvSpPr>
-            <a:spLocks noGrp="1"/>
-          </p:cNvSpPr>
-          <p:nvPr>
-            <p:ph type="ftr" sz="quarter" idx="11"/>
-          </p:nvPr>
-        </p:nvSpPr>
-        <p:spPr/>
-        <p:txBody>
-          <a:bodyPr/>
-          <a:lstStyle/>
-          <a:p>
-            <a:pPr>
-              <a:defRPr/>
-            </a:pPr>
-            <a:r>
-              <a:rPr lang="en-US" altLang="en-US"/>
-              <a:t>ECE Application Programming: Lecture 1</a:t>
-            </a:r>
+            <a:endParaRPr lang="en-US"/>
           </a:p>
         </p:txBody>
       </p:sp>
@@ -13332,13 +11805,7 @@
               <a:rPr lang="en-US" sz="2400" dirty="0" smtClean="0">
                 <a:latin typeface="Arial" charset="0"/>
               </a:rPr>
-              <a:t>Wednesday, </a:t>
-            </a:r>
-            <a:r>
-              <a:rPr lang="en-US" sz="2400" dirty="0" smtClean="0">
-                <a:latin typeface="Arial" charset="0"/>
-              </a:rPr>
-              <a:t>1/27</a:t>
+              <a:t>Wednesday, 1/27</a:t>
             </a:r>
             <a:endParaRPr lang="en-US" sz="2400" dirty="0">
               <a:latin typeface="Arial" charset="0"/>
@@ -13391,13 +11858,7 @@
               <a:rPr lang="en-US" sz="2000" dirty="0" smtClean="0">
                 <a:latin typeface="Arial" charset="0"/>
               </a:rPr>
-              <a:t>to your </a:t>
-            </a:r>
-            <a:r>
-              <a:rPr lang="en-US" sz="2000" dirty="0" smtClean="0">
-                <a:latin typeface="Arial" charset="0"/>
-              </a:rPr>
-              <a:t>instructor</a:t>
+              <a:t>to your instructor</a:t>
             </a:r>
           </a:p>
           <a:p>
@@ -13700,7 +12161,7 @@
                 <a:latin typeface="Garamond" charset="0"/>
               </a:rPr>
               <a:pPr eaLnBrk="1" hangingPunct="1"/>
-              <a:t>1/19/16</a:t>
+              <a:t>1/21/16</a:t>
             </a:fld>
             <a:endParaRPr lang="en-US">
               <a:latin typeface="Garamond" charset="0"/>
@@ -13875,3223 +12336,6 @@
             <a:endParaRPr lang="en-US">
               <a:latin typeface="Garamond" charset="0"/>
             </a:endParaRPr>
-          </a:p>
-        </p:txBody>
-      </p:sp>
-    </p:spTree>
-  </p:cSld>
-  <p:clrMapOvr>
-    <a:masterClrMapping/>
-  </p:clrMapOvr>
-  <p:timing>
-    <p:tnLst>
-      <p:par>
-        <p:cTn xmlns:p14="http://schemas.microsoft.com/office/powerpoint/2010/main" id="1" dur="indefinite" restart="never" nodeType="tmRoot"/>
-      </p:par>
-    </p:tnLst>
-  </p:timing>
-</p:sld>
-</file>
-
-<file path=ppt/slides/slide20.xml><?xml version="1.0" encoding="utf-8"?>
-<p:sld xmlns:a="http://schemas.openxmlformats.org/drawingml/2006/main" xmlns:r="http://schemas.openxmlformats.org/officeDocument/2006/relationships" xmlns:p="http://schemas.openxmlformats.org/presentationml/2006/main">
-  <p:cSld>
-    <p:spTree>
-      <p:nvGrpSpPr>
-        <p:cNvPr id="1" name=""/>
-        <p:cNvGrpSpPr/>
-        <p:nvPr/>
-      </p:nvGrpSpPr>
-      <p:grpSpPr>
-        <a:xfrm>
-          <a:off x="0" y="0"/>
-          <a:ext cx="0" cy="0"/>
-          <a:chOff x="0" y="0"/>
-          <a:chExt cx="0" cy="0"/>
-        </a:xfrm>
-      </p:grpSpPr>
-      <p:sp>
-        <p:nvSpPr>
-          <p:cNvPr id="5" name="Slide Number Placeholder 4"/>
-          <p:cNvSpPr>
-            <a:spLocks noGrp="1"/>
-          </p:cNvSpPr>
-          <p:nvPr>
-            <p:ph type="sldNum" sz="quarter" idx="12"/>
-          </p:nvPr>
-        </p:nvSpPr>
-        <p:spPr/>
-        <p:txBody>
-          <a:bodyPr/>
-          <a:lstStyle>
-            <a:lvl1pPr eaLnBrk="0" hangingPunct="0">
-              <a:defRPr>
-                <a:solidFill>
-                  <a:schemeClr val="tx1"/>
-                </a:solidFill>
-                <a:latin typeface="Arial" charset="0"/>
-                <a:ea typeface="ＭＳ Ｐゴシック" charset="0"/>
-                <a:cs typeface="Arial" charset="0"/>
-              </a:defRPr>
-            </a:lvl1pPr>
-            <a:lvl2pPr marL="742950" indent="-285750" eaLnBrk="0" hangingPunct="0">
-              <a:defRPr>
-                <a:solidFill>
-                  <a:schemeClr val="tx1"/>
-                </a:solidFill>
-                <a:latin typeface="Arial" charset="0"/>
-                <a:ea typeface="Arial" charset="0"/>
-                <a:cs typeface="Arial" charset="0"/>
-              </a:defRPr>
-            </a:lvl2pPr>
-            <a:lvl3pPr marL="1143000" indent="-228600" eaLnBrk="0" hangingPunct="0">
-              <a:defRPr>
-                <a:solidFill>
-                  <a:schemeClr val="tx1"/>
-                </a:solidFill>
-                <a:latin typeface="Arial" charset="0"/>
-                <a:ea typeface="Arial" charset="0"/>
-                <a:cs typeface="Arial" charset="0"/>
-              </a:defRPr>
-            </a:lvl3pPr>
-            <a:lvl4pPr marL="1600200" indent="-228600" eaLnBrk="0" hangingPunct="0">
-              <a:defRPr>
-                <a:solidFill>
-                  <a:schemeClr val="tx1"/>
-                </a:solidFill>
-                <a:latin typeface="Arial" charset="0"/>
-                <a:ea typeface="Arial" charset="0"/>
-                <a:cs typeface="Arial" charset="0"/>
-              </a:defRPr>
-            </a:lvl4pPr>
-            <a:lvl5pPr marL="2057400" indent="-228600" eaLnBrk="0" hangingPunct="0">
-              <a:defRPr>
-                <a:solidFill>
-                  <a:schemeClr val="tx1"/>
-                </a:solidFill>
-                <a:latin typeface="Arial" charset="0"/>
-                <a:ea typeface="Arial" charset="0"/>
-                <a:cs typeface="Arial" charset="0"/>
-              </a:defRPr>
-            </a:lvl5pPr>
-            <a:lvl6pPr marL="2514600" indent="-228600" eaLnBrk="0" fontAlgn="base" hangingPunct="0">
-              <a:spcBef>
-                <a:spcPct val="0"/>
-              </a:spcBef>
-              <a:spcAft>
-                <a:spcPct val="0"/>
-              </a:spcAft>
-              <a:defRPr>
-                <a:solidFill>
-                  <a:schemeClr val="tx1"/>
-                </a:solidFill>
-                <a:latin typeface="Arial" charset="0"/>
-                <a:ea typeface="Arial" charset="0"/>
-                <a:cs typeface="Arial" charset="0"/>
-              </a:defRPr>
-            </a:lvl6pPr>
-            <a:lvl7pPr marL="2971800" indent="-228600" eaLnBrk="0" fontAlgn="base" hangingPunct="0">
-              <a:spcBef>
-                <a:spcPct val="0"/>
-              </a:spcBef>
-              <a:spcAft>
-                <a:spcPct val="0"/>
-              </a:spcAft>
-              <a:defRPr>
-                <a:solidFill>
-                  <a:schemeClr val="tx1"/>
-                </a:solidFill>
-                <a:latin typeface="Arial" charset="0"/>
-                <a:ea typeface="Arial" charset="0"/>
-                <a:cs typeface="Arial" charset="0"/>
-              </a:defRPr>
-            </a:lvl7pPr>
-            <a:lvl8pPr marL="3429000" indent="-228600" eaLnBrk="0" fontAlgn="base" hangingPunct="0">
-              <a:spcBef>
-                <a:spcPct val="0"/>
-              </a:spcBef>
-              <a:spcAft>
-                <a:spcPct val="0"/>
-              </a:spcAft>
-              <a:defRPr>
-                <a:solidFill>
-                  <a:schemeClr val="tx1"/>
-                </a:solidFill>
-                <a:latin typeface="Arial" charset="0"/>
-                <a:ea typeface="Arial" charset="0"/>
-                <a:cs typeface="Arial" charset="0"/>
-              </a:defRPr>
-            </a:lvl8pPr>
-            <a:lvl9pPr marL="3886200" indent="-228600" eaLnBrk="0" fontAlgn="base" hangingPunct="0">
-              <a:spcBef>
-                <a:spcPct val="0"/>
-              </a:spcBef>
-              <a:spcAft>
-                <a:spcPct val="0"/>
-              </a:spcAft>
-              <a:defRPr>
-                <a:solidFill>
-                  <a:schemeClr val="tx1"/>
-                </a:solidFill>
-                <a:latin typeface="Arial" charset="0"/>
-                <a:ea typeface="Arial" charset="0"/>
-                <a:cs typeface="Arial" charset="0"/>
-              </a:defRPr>
-            </a:lvl9pPr>
-          </a:lstStyle>
-          <a:p>
-            <a:pPr eaLnBrk="1" hangingPunct="1"/>
-            <a:fld id="{8F91EB9D-3B5C-DA46-9506-34921D1ECA70}" type="slidenum">
-              <a:rPr lang="en-US">
-                <a:latin typeface="Garamond" charset="0"/>
-              </a:rPr>
-              <a:pPr eaLnBrk="1" hangingPunct="1"/>
-              <a:t>20</a:t>
-            </a:fld>
-            <a:endParaRPr lang="en-US">
-              <a:latin typeface="Garamond" charset="0"/>
-            </a:endParaRPr>
-          </a:p>
-        </p:txBody>
-      </p:sp>
-      <p:sp>
-        <p:nvSpPr>
-          <p:cNvPr id="21507" name="Rectangle 2"/>
-          <p:cNvSpPr>
-            <a:spLocks noGrp="1" noChangeArrowheads="1"/>
-          </p:cNvSpPr>
-          <p:nvPr>
-            <p:ph type="title"/>
-          </p:nvPr>
-        </p:nvSpPr>
-        <p:spPr>
-          <a:xfrm>
-            <a:off x="685800" y="304800"/>
-            <a:ext cx="7772400" cy="838200"/>
-          </a:xfrm>
-        </p:spPr>
-        <p:txBody>
-          <a:bodyPr/>
-          <a:lstStyle/>
-          <a:p>
-            <a:r>
-              <a:rPr lang="en-US">
-                <a:latin typeface="Garamond" charset="0"/>
-              </a:rPr>
-              <a:t>Our first C program</a:t>
-            </a:r>
-          </a:p>
-        </p:txBody>
-      </p:sp>
-      <p:sp>
-        <p:nvSpPr>
-          <p:cNvPr id="21508" name="Text Box 3"/>
-          <p:cNvSpPr txBox="1">
-            <a:spLocks noChangeArrowheads="1"/>
-          </p:cNvSpPr>
-          <p:nvPr/>
-        </p:nvSpPr>
-        <p:spPr bwMode="auto">
-          <a:xfrm>
-            <a:off x="762000" y="3733800"/>
-            <a:ext cx="7848600" cy="2282825"/>
-          </a:xfrm>
-          <a:prstGeom prst="rect">
-            <a:avLst/>
-          </a:prstGeom>
-          <a:noFill/>
-          <a:ln>
-            <a:noFill/>
-          </a:ln>
-          <a:extLst>
-            <a:ext uri="{909E8E84-426E-40dd-AFC4-6F175D3DCCD1}">
-              <a14:hiddenFill xmlns:a14="http://schemas.microsoft.com/office/drawing/2010/main">
-                <a:solidFill>
-                  <a:srgbClr val="FFFFFF"/>
-                </a:solidFill>
-              </a14:hiddenFill>
-            </a:ext>
-            <a:ext uri="{91240B29-F687-4f45-9708-019B960494DF}">
-              <a14:hiddenLine xmlns:a14="http://schemas.microsoft.com/office/drawing/2010/main" w="9525">
-                <a:solidFill>
-                  <a:srgbClr val="000000"/>
-                </a:solidFill>
-                <a:miter lim="800000"/>
-                <a:headEnd/>
-                <a:tailEnd/>
-              </a14:hiddenLine>
-            </a:ext>
-          </a:extLst>
-        </p:spPr>
-        <p:txBody>
-          <a:bodyPr>
-            <a:spAutoFit/>
-          </a:bodyPr>
-          <a:lstStyle>
-            <a:lvl1pPr>
-              <a:defRPr sz="3000">
-                <a:solidFill>
-                  <a:schemeClr val="tx1"/>
-                </a:solidFill>
-                <a:latin typeface="Arial" charset="0"/>
-                <a:ea typeface="ＭＳ Ｐゴシック" charset="0"/>
-              </a:defRPr>
-            </a:lvl1pPr>
-            <a:lvl2pPr marL="742950" indent="-285750">
-              <a:defRPr sz="2600">
-                <a:solidFill>
-                  <a:schemeClr val="tx1"/>
-                </a:solidFill>
-                <a:latin typeface="Arial" charset="0"/>
-                <a:ea typeface="ＭＳ Ｐゴシック" charset="0"/>
-              </a:defRPr>
-            </a:lvl2pPr>
-            <a:lvl3pPr marL="1143000" indent="-228600">
-              <a:defRPr sz="2200">
-                <a:solidFill>
-                  <a:schemeClr val="tx1"/>
-                </a:solidFill>
-                <a:latin typeface="Arial" charset="0"/>
-                <a:ea typeface="ＭＳ Ｐゴシック" charset="0"/>
-              </a:defRPr>
-            </a:lvl3pPr>
-            <a:lvl4pPr marL="1600200" indent="-228600">
-              <a:defRPr sz="2000">
-                <a:solidFill>
-                  <a:schemeClr val="tx1"/>
-                </a:solidFill>
-                <a:latin typeface="Arial" charset="0"/>
-                <a:ea typeface="ＭＳ Ｐゴシック" charset="0"/>
-              </a:defRPr>
-            </a:lvl4pPr>
-            <a:lvl5pPr marL="2057400" indent="-228600">
-              <a:defRPr sz="2000">
-                <a:solidFill>
-                  <a:schemeClr val="tx1"/>
-                </a:solidFill>
-                <a:latin typeface="Arial" charset="0"/>
-                <a:ea typeface="ＭＳ Ｐゴシック" charset="0"/>
-              </a:defRPr>
-            </a:lvl5pPr>
-            <a:lvl6pPr marL="2514600" indent="-228600" eaLnBrk="0" hangingPunct="0">
-              <a:buFont typeface="Wingdings" charset="0"/>
-              <a:defRPr sz="2000">
-                <a:solidFill>
-                  <a:schemeClr val="tx1"/>
-                </a:solidFill>
-                <a:latin typeface="Arial" charset="0"/>
-                <a:ea typeface="ＭＳ Ｐゴシック" charset="0"/>
-              </a:defRPr>
-            </a:lvl6pPr>
-            <a:lvl7pPr marL="2971800" indent="-228600" eaLnBrk="0" hangingPunct="0">
-              <a:buFont typeface="Wingdings" charset="0"/>
-              <a:defRPr sz="2000">
-                <a:solidFill>
-                  <a:schemeClr val="tx1"/>
-                </a:solidFill>
-                <a:latin typeface="Arial" charset="0"/>
-                <a:ea typeface="ＭＳ Ｐゴシック" charset="0"/>
-              </a:defRPr>
-            </a:lvl7pPr>
-            <a:lvl8pPr marL="3429000" indent="-228600" eaLnBrk="0" hangingPunct="0">
-              <a:buFont typeface="Wingdings" charset="0"/>
-              <a:defRPr sz="2000">
-                <a:solidFill>
-                  <a:schemeClr val="tx1"/>
-                </a:solidFill>
-                <a:latin typeface="Arial" charset="0"/>
-                <a:ea typeface="ＭＳ Ｐゴシック" charset="0"/>
-              </a:defRPr>
-            </a:lvl8pPr>
-            <a:lvl9pPr marL="3886200" indent="-228600" eaLnBrk="0" hangingPunct="0">
-              <a:buFont typeface="Wingdings" charset="0"/>
-              <a:defRPr sz="2000">
-                <a:solidFill>
-                  <a:schemeClr val="tx1"/>
-                </a:solidFill>
-                <a:latin typeface="Arial" charset="0"/>
-                <a:ea typeface="ＭＳ Ｐゴシック" charset="0"/>
-              </a:defRPr>
-            </a:lvl9pPr>
-          </a:lstStyle>
-          <a:p>
-            <a:pPr>
-              <a:spcBef>
-                <a:spcPct val="50000"/>
-              </a:spcBef>
-            </a:pPr>
-            <a:r>
-              <a:rPr lang="en-US" sz="1800">
-                <a:latin typeface="Courier New" charset="0"/>
-              </a:rPr>
-              <a:t>#include &lt;stdio.h&gt;</a:t>
-            </a:r>
-            <a:br>
-              <a:rPr lang="en-US" sz="1800">
-                <a:latin typeface="Courier New" charset="0"/>
-              </a:rPr>
-            </a:br>
-            <a:r>
-              <a:rPr lang="en-US" sz="1800">
-                <a:latin typeface="Courier New" charset="0"/>
-              </a:rPr>
-              <a:t>int main()</a:t>
-            </a:r>
-            <a:br>
-              <a:rPr lang="en-US" sz="1800">
-                <a:latin typeface="Courier New" charset="0"/>
-              </a:rPr>
-            </a:br>
-            <a:r>
-              <a:rPr lang="en-US" sz="1800">
-                <a:latin typeface="Courier New" charset="0"/>
-              </a:rPr>
-              <a:t>{</a:t>
-            </a:r>
-            <a:br>
-              <a:rPr lang="en-US" sz="1800">
-                <a:latin typeface="Courier New" charset="0"/>
-              </a:rPr>
-            </a:br>
-            <a:r>
-              <a:rPr lang="en-US" sz="1800">
-                <a:latin typeface="Courier New" charset="0"/>
-              </a:rPr>
-              <a:t>	printf("Hello World!\n");</a:t>
-            </a:r>
-            <a:br>
-              <a:rPr lang="en-US" sz="1800">
-                <a:latin typeface="Courier New" charset="0"/>
-              </a:rPr>
-            </a:br>
-            <a:r>
-              <a:rPr lang="en-US" sz="1800">
-                <a:latin typeface="Courier New" charset="0"/>
-              </a:rPr>
-              <a:t>	return 0;</a:t>
-            </a:r>
-            <a:br>
-              <a:rPr lang="en-US" sz="1800">
-                <a:latin typeface="Courier New" charset="0"/>
-              </a:rPr>
-            </a:br>
-            <a:r>
-              <a:rPr lang="en-US" sz="1800">
-                <a:latin typeface="Courier New" charset="0"/>
-              </a:rPr>
-              <a:t>}</a:t>
-            </a:r>
-          </a:p>
-        </p:txBody>
-      </p:sp>
-      <p:sp>
-        <p:nvSpPr>
-          <p:cNvPr id="21509" name="AutoShape 4"/>
-          <p:cNvSpPr>
-            <a:spLocks/>
-          </p:cNvSpPr>
-          <p:nvPr/>
-        </p:nvSpPr>
-        <p:spPr bwMode="auto">
-          <a:xfrm>
-            <a:off x="1828800" y="1524000"/>
-            <a:ext cx="6477000" cy="1524000"/>
-          </a:xfrm>
-          <a:prstGeom prst="borderCallout1">
-            <a:avLst>
-              <a:gd name="adj1" fmla="val 10000"/>
-              <a:gd name="adj2" fmla="val -1176"/>
-              <a:gd name="adj3" fmla="val 219722"/>
-              <a:gd name="adj4" fmla="val -13389"/>
-            </a:avLst>
-          </a:prstGeom>
-          <a:noFill/>
-          <a:ln w="9525">
-            <a:solidFill>
-              <a:schemeClr val="tx1"/>
-            </a:solidFill>
-            <a:miter lim="800000"/>
-            <a:headEnd/>
-            <a:tailEnd/>
-          </a:ln>
-          <a:extLst>
-            <a:ext uri="{909E8E84-426E-40dd-AFC4-6F175D3DCCD1}">
-              <a14:hiddenFill xmlns:a14="http://schemas.microsoft.com/office/drawing/2010/main">
-                <a:solidFill>
-                  <a:srgbClr val="FFFFFF"/>
-                </a:solidFill>
-              </a14:hiddenFill>
-            </a:ext>
-          </a:extLst>
-        </p:spPr>
-        <p:txBody>
-          <a:bodyPr anchor="ctr"/>
-          <a:lstStyle/>
-          <a:p>
-            <a:r>
-              <a:rPr lang="en-US">
-                <a:latin typeface="Courier New" charset="0"/>
-              </a:rPr>
-              <a:t>{ } </a:t>
-            </a:r>
-            <a:r>
-              <a:rPr lang="en-US"/>
-              <a:t>enclose a "block".  A block is zero or more C statements. Note that code inside a block is typically indented for readability—knowing what code is inside the current block is quite useful.</a:t>
-            </a:r>
-          </a:p>
-        </p:txBody>
-      </p:sp>
-      <p:sp>
-        <p:nvSpPr>
-          <p:cNvPr id="6" name="Date Placeholder 5"/>
-          <p:cNvSpPr>
-            <a:spLocks noGrp="1"/>
-          </p:cNvSpPr>
-          <p:nvPr>
-            <p:ph type="dt" sz="quarter" idx="10"/>
-          </p:nvPr>
-        </p:nvSpPr>
-        <p:spPr/>
-        <p:txBody>
-          <a:bodyPr/>
-          <a:lstStyle>
-            <a:lvl1pPr eaLnBrk="0" hangingPunct="0">
-              <a:defRPr>
-                <a:solidFill>
-                  <a:schemeClr val="tx1"/>
-                </a:solidFill>
-                <a:latin typeface="Arial" charset="0"/>
-                <a:ea typeface="ＭＳ Ｐゴシック" charset="0"/>
-                <a:cs typeface="Arial" charset="0"/>
-              </a:defRPr>
-            </a:lvl1pPr>
-            <a:lvl2pPr marL="742950" indent="-285750" eaLnBrk="0" hangingPunct="0">
-              <a:defRPr>
-                <a:solidFill>
-                  <a:schemeClr val="tx1"/>
-                </a:solidFill>
-                <a:latin typeface="Arial" charset="0"/>
-                <a:ea typeface="Arial" charset="0"/>
-                <a:cs typeface="Arial" charset="0"/>
-              </a:defRPr>
-            </a:lvl2pPr>
-            <a:lvl3pPr marL="1143000" indent="-228600" eaLnBrk="0" hangingPunct="0">
-              <a:defRPr>
-                <a:solidFill>
-                  <a:schemeClr val="tx1"/>
-                </a:solidFill>
-                <a:latin typeface="Arial" charset="0"/>
-                <a:ea typeface="Arial" charset="0"/>
-                <a:cs typeface="Arial" charset="0"/>
-              </a:defRPr>
-            </a:lvl3pPr>
-            <a:lvl4pPr marL="1600200" indent="-228600" eaLnBrk="0" hangingPunct="0">
-              <a:defRPr>
-                <a:solidFill>
-                  <a:schemeClr val="tx1"/>
-                </a:solidFill>
-                <a:latin typeface="Arial" charset="0"/>
-                <a:ea typeface="Arial" charset="0"/>
-                <a:cs typeface="Arial" charset="0"/>
-              </a:defRPr>
-            </a:lvl4pPr>
-            <a:lvl5pPr marL="2057400" indent="-228600" eaLnBrk="0" hangingPunct="0">
-              <a:defRPr>
-                <a:solidFill>
-                  <a:schemeClr val="tx1"/>
-                </a:solidFill>
-                <a:latin typeface="Arial" charset="0"/>
-                <a:ea typeface="Arial" charset="0"/>
-                <a:cs typeface="Arial" charset="0"/>
-              </a:defRPr>
-            </a:lvl5pPr>
-            <a:lvl6pPr marL="2514600" indent="-228600" eaLnBrk="0" fontAlgn="base" hangingPunct="0">
-              <a:spcBef>
-                <a:spcPct val="0"/>
-              </a:spcBef>
-              <a:spcAft>
-                <a:spcPct val="0"/>
-              </a:spcAft>
-              <a:defRPr>
-                <a:solidFill>
-                  <a:schemeClr val="tx1"/>
-                </a:solidFill>
-                <a:latin typeface="Arial" charset="0"/>
-                <a:ea typeface="Arial" charset="0"/>
-                <a:cs typeface="Arial" charset="0"/>
-              </a:defRPr>
-            </a:lvl6pPr>
-            <a:lvl7pPr marL="2971800" indent="-228600" eaLnBrk="0" fontAlgn="base" hangingPunct="0">
-              <a:spcBef>
-                <a:spcPct val="0"/>
-              </a:spcBef>
-              <a:spcAft>
-                <a:spcPct val="0"/>
-              </a:spcAft>
-              <a:defRPr>
-                <a:solidFill>
-                  <a:schemeClr val="tx1"/>
-                </a:solidFill>
-                <a:latin typeface="Arial" charset="0"/>
-                <a:ea typeface="Arial" charset="0"/>
-                <a:cs typeface="Arial" charset="0"/>
-              </a:defRPr>
-            </a:lvl7pPr>
-            <a:lvl8pPr marL="3429000" indent="-228600" eaLnBrk="0" fontAlgn="base" hangingPunct="0">
-              <a:spcBef>
-                <a:spcPct val="0"/>
-              </a:spcBef>
-              <a:spcAft>
-                <a:spcPct val="0"/>
-              </a:spcAft>
-              <a:defRPr>
-                <a:solidFill>
-                  <a:schemeClr val="tx1"/>
-                </a:solidFill>
-                <a:latin typeface="Arial" charset="0"/>
-                <a:ea typeface="Arial" charset="0"/>
-                <a:cs typeface="Arial" charset="0"/>
-              </a:defRPr>
-            </a:lvl8pPr>
-            <a:lvl9pPr marL="3886200" indent="-228600" eaLnBrk="0" fontAlgn="base" hangingPunct="0">
-              <a:spcBef>
-                <a:spcPct val="0"/>
-              </a:spcBef>
-              <a:spcAft>
-                <a:spcPct val="0"/>
-              </a:spcAft>
-              <a:defRPr>
-                <a:solidFill>
-                  <a:schemeClr val="tx1"/>
-                </a:solidFill>
-                <a:latin typeface="Arial" charset="0"/>
-                <a:ea typeface="Arial" charset="0"/>
-                <a:cs typeface="Arial" charset="0"/>
-              </a:defRPr>
-            </a:lvl9pPr>
-          </a:lstStyle>
-          <a:p>
-            <a:pPr eaLnBrk="1" hangingPunct="1"/>
-            <a:fld id="{9F4F4783-CDC9-2446-84DE-943BC8AC4DC6}" type="datetime1">
-              <a:rPr lang="en-US">
-                <a:latin typeface="Garamond" charset="0"/>
-              </a:rPr>
-              <a:pPr eaLnBrk="1" hangingPunct="1"/>
-              <a:t>1/19/16</a:t>
-            </a:fld>
-            <a:endParaRPr lang="en-US">
-              <a:latin typeface="Garamond" charset="0"/>
-            </a:endParaRPr>
-          </a:p>
-        </p:txBody>
-      </p:sp>
-      <p:sp>
-        <p:nvSpPr>
-          <p:cNvPr id="7" name="Footer Placeholder 6"/>
-          <p:cNvSpPr>
-            <a:spLocks noGrp="1"/>
-          </p:cNvSpPr>
-          <p:nvPr>
-            <p:ph type="ftr" sz="quarter" idx="11"/>
-          </p:nvPr>
-        </p:nvSpPr>
-        <p:spPr/>
-        <p:txBody>
-          <a:bodyPr/>
-          <a:lstStyle/>
-          <a:p>
-            <a:pPr>
-              <a:defRPr/>
-            </a:pPr>
-            <a:r>
-              <a:rPr lang="en-US" altLang="en-US"/>
-              <a:t>ECE Application Programming: Lecture 1</a:t>
-            </a:r>
-          </a:p>
-        </p:txBody>
-      </p:sp>
-    </p:spTree>
-  </p:cSld>
-  <p:clrMapOvr>
-    <a:masterClrMapping/>
-  </p:clrMapOvr>
-  <p:timing>
-    <p:tnLst>
-      <p:par>
-        <p:cTn xmlns:p14="http://schemas.microsoft.com/office/powerpoint/2010/main" id="1" dur="indefinite" restart="never" nodeType="tmRoot"/>
-      </p:par>
-    </p:tnLst>
-  </p:timing>
-</p:sld>
-</file>
-
-<file path=ppt/slides/slide21.xml><?xml version="1.0" encoding="utf-8"?>
-<p:sld xmlns:a="http://schemas.openxmlformats.org/drawingml/2006/main" xmlns:r="http://schemas.openxmlformats.org/officeDocument/2006/relationships" xmlns:p="http://schemas.openxmlformats.org/presentationml/2006/main">
-  <p:cSld>
-    <p:spTree>
-      <p:nvGrpSpPr>
-        <p:cNvPr id="1" name=""/>
-        <p:cNvGrpSpPr/>
-        <p:nvPr/>
-      </p:nvGrpSpPr>
-      <p:grpSpPr>
-        <a:xfrm>
-          <a:off x="0" y="0"/>
-          <a:ext cx="0" cy="0"/>
-          <a:chOff x="0" y="0"/>
-          <a:chExt cx="0" cy="0"/>
-        </a:xfrm>
-      </p:grpSpPr>
-      <p:sp>
-        <p:nvSpPr>
-          <p:cNvPr id="7" name="Slide Number Placeholder 4"/>
-          <p:cNvSpPr>
-            <a:spLocks noGrp="1"/>
-          </p:cNvSpPr>
-          <p:nvPr>
-            <p:ph type="sldNum" sz="quarter" idx="12"/>
-          </p:nvPr>
-        </p:nvSpPr>
-        <p:spPr/>
-        <p:txBody>
-          <a:bodyPr/>
-          <a:lstStyle>
-            <a:lvl1pPr eaLnBrk="0" hangingPunct="0">
-              <a:defRPr>
-                <a:solidFill>
-                  <a:schemeClr val="tx1"/>
-                </a:solidFill>
-                <a:latin typeface="Arial" charset="0"/>
-                <a:ea typeface="ＭＳ Ｐゴシック" charset="0"/>
-                <a:cs typeface="Arial" charset="0"/>
-              </a:defRPr>
-            </a:lvl1pPr>
-            <a:lvl2pPr marL="742950" indent="-285750" eaLnBrk="0" hangingPunct="0">
-              <a:defRPr>
-                <a:solidFill>
-                  <a:schemeClr val="tx1"/>
-                </a:solidFill>
-                <a:latin typeface="Arial" charset="0"/>
-                <a:ea typeface="Arial" charset="0"/>
-                <a:cs typeface="Arial" charset="0"/>
-              </a:defRPr>
-            </a:lvl2pPr>
-            <a:lvl3pPr marL="1143000" indent="-228600" eaLnBrk="0" hangingPunct="0">
-              <a:defRPr>
-                <a:solidFill>
-                  <a:schemeClr val="tx1"/>
-                </a:solidFill>
-                <a:latin typeface="Arial" charset="0"/>
-                <a:ea typeface="Arial" charset="0"/>
-                <a:cs typeface="Arial" charset="0"/>
-              </a:defRPr>
-            </a:lvl3pPr>
-            <a:lvl4pPr marL="1600200" indent="-228600" eaLnBrk="0" hangingPunct="0">
-              <a:defRPr>
-                <a:solidFill>
-                  <a:schemeClr val="tx1"/>
-                </a:solidFill>
-                <a:latin typeface="Arial" charset="0"/>
-                <a:ea typeface="Arial" charset="0"/>
-                <a:cs typeface="Arial" charset="0"/>
-              </a:defRPr>
-            </a:lvl4pPr>
-            <a:lvl5pPr marL="2057400" indent="-228600" eaLnBrk="0" hangingPunct="0">
-              <a:defRPr>
-                <a:solidFill>
-                  <a:schemeClr val="tx1"/>
-                </a:solidFill>
-                <a:latin typeface="Arial" charset="0"/>
-                <a:ea typeface="Arial" charset="0"/>
-                <a:cs typeface="Arial" charset="0"/>
-              </a:defRPr>
-            </a:lvl5pPr>
-            <a:lvl6pPr marL="2514600" indent="-228600" eaLnBrk="0" fontAlgn="base" hangingPunct="0">
-              <a:spcBef>
-                <a:spcPct val="0"/>
-              </a:spcBef>
-              <a:spcAft>
-                <a:spcPct val="0"/>
-              </a:spcAft>
-              <a:defRPr>
-                <a:solidFill>
-                  <a:schemeClr val="tx1"/>
-                </a:solidFill>
-                <a:latin typeface="Arial" charset="0"/>
-                <a:ea typeface="Arial" charset="0"/>
-                <a:cs typeface="Arial" charset="0"/>
-              </a:defRPr>
-            </a:lvl6pPr>
-            <a:lvl7pPr marL="2971800" indent="-228600" eaLnBrk="0" fontAlgn="base" hangingPunct="0">
-              <a:spcBef>
-                <a:spcPct val="0"/>
-              </a:spcBef>
-              <a:spcAft>
-                <a:spcPct val="0"/>
-              </a:spcAft>
-              <a:defRPr>
-                <a:solidFill>
-                  <a:schemeClr val="tx1"/>
-                </a:solidFill>
-                <a:latin typeface="Arial" charset="0"/>
-                <a:ea typeface="Arial" charset="0"/>
-                <a:cs typeface="Arial" charset="0"/>
-              </a:defRPr>
-            </a:lvl7pPr>
-            <a:lvl8pPr marL="3429000" indent="-228600" eaLnBrk="0" fontAlgn="base" hangingPunct="0">
-              <a:spcBef>
-                <a:spcPct val="0"/>
-              </a:spcBef>
-              <a:spcAft>
-                <a:spcPct val="0"/>
-              </a:spcAft>
-              <a:defRPr>
-                <a:solidFill>
-                  <a:schemeClr val="tx1"/>
-                </a:solidFill>
-                <a:latin typeface="Arial" charset="0"/>
-                <a:ea typeface="Arial" charset="0"/>
-                <a:cs typeface="Arial" charset="0"/>
-              </a:defRPr>
-            </a:lvl8pPr>
-            <a:lvl9pPr marL="3886200" indent="-228600" eaLnBrk="0" fontAlgn="base" hangingPunct="0">
-              <a:spcBef>
-                <a:spcPct val="0"/>
-              </a:spcBef>
-              <a:spcAft>
-                <a:spcPct val="0"/>
-              </a:spcAft>
-              <a:defRPr>
-                <a:solidFill>
-                  <a:schemeClr val="tx1"/>
-                </a:solidFill>
-                <a:latin typeface="Arial" charset="0"/>
-                <a:ea typeface="Arial" charset="0"/>
-                <a:cs typeface="Arial" charset="0"/>
-              </a:defRPr>
-            </a:lvl9pPr>
-          </a:lstStyle>
-          <a:p>
-            <a:pPr eaLnBrk="1" hangingPunct="1"/>
-            <a:fld id="{BE2B2A2C-DDA5-6E48-B781-B701FCAE3948}" type="slidenum">
-              <a:rPr lang="en-US">
-                <a:latin typeface="Garamond" charset="0"/>
-              </a:rPr>
-              <a:pPr eaLnBrk="1" hangingPunct="1"/>
-              <a:t>21</a:t>
-            </a:fld>
-            <a:endParaRPr lang="en-US">
-              <a:latin typeface="Garamond" charset="0"/>
-            </a:endParaRPr>
-          </a:p>
-        </p:txBody>
-      </p:sp>
-      <p:sp>
-        <p:nvSpPr>
-          <p:cNvPr id="22531" name="Rectangle 2"/>
-          <p:cNvSpPr>
-            <a:spLocks noGrp="1" noChangeArrowheads="1"/>
-          </p:cNvSpPr>
-          <p:nvPr>
-            <p:ph type="title"/>
-          </p:nvPr>
-        </p:nvSpPr>
-        <p:spPr>
-          <a:xfrm>
-            <a:off x="685800" y="304800"/>
-            <a:ext cx="7772400" cy="838200"/>
-          </a:xfrm>
-        </p:spPr>
-        <p:txBody>
-          <a:bodyPr/>
-          <a:lstStyle/>
-          <a:p>
-            <a:r>
-              <a:rPr lang="en-US">
-                <a:latin typeface="Garamond" charset="0"/>
-              </a:rPr>
-              <a:t>Our first C program</a:t>
-            </a:r>
-          </a:p>
-        </p:txBody>
-      </p:sp>
-      <p:sp>
-        <p:nvSpPr>
-          <p:cNvPr id="22532" name="Text Box 3"/>
-          <p:cNvSpPr txBox="1">
-            <a:spLocks noChangeArrowheads="1"/>
-          </p:cNvSpPr>
-          <p:nvPr/>
-        </p:nvSpPr>
-        <p:spPr bwMode="auto">
-          <a:xfrm>
-            <a:off x="762000" y="3733800"/>
-            <a:ext cx="7848600" cy="2282825"/>
-          </a:xfrm>
-          <a:prstGeom prst="rect">
-            <a:avLst/>
-          </a:prstGeom>
-          <a:noFill/>
-          <a:ln>
-            <a:noFill/>
-          </a:ln>
-          <a:extLst>
-            <a:ext uri="{909E8E84-426E-40dd-AFC4-6F175D3DCCD1}">
-              <a14:hiddenFill xmlns:a14="http://schemas.microsoft.com/office/drawing/2010/main">
-                <a:solidFill>
-                  <a:srgbClr val="FFFFFF"/>
-                </a:solidFill>
-              </a14:hiddenFill>
-            </a:ext>
-            <a:ext uri="{91240B29-F687-4f45-9708-019B960494DF}">
-              <a14:hiddenLine xmlns:a14="http://schemas.microsoft.com/office/drawing/2010/main" w="9525">
-                <a:solidFill>
-                  <a:srgbClr val="000000"/>
-                </a:solidFill>
-                <a:miter lim="800000"/>
-                <a:headEnd/>
-                <a:tailEnd/>
-              </a14:hiddenLine>
-            </a:ext>
-          </a:extLst>
-        </p:spPr>
-        <p:txBody>
-          <a:bodyPr>
-            <a:spAutoFit/>
-          </a:bodyPr>
-          <a:lstStyle>
-            <a:lvl1pPr>
-              <a:defRPr sz="3000">
-                <a:solidFill>
-                  <a:schemeClr val="tx1"/>
-                </a:solidFill>
-                <a:latin typeface="Arial" charset="0"/>
-                <a:ea typeface="ＭＳ Ｐゴシック" charset="0"/>
-              </a:defRPr>
-            </a:lvl1pPr>
-            <a:lvl2pPr marL="742950" indent="-285750">
-              <a:defRPr sz="2600">
-                <a:solidFill>
-                  <a:schemeClr val="tx1"/>
-                </a:solidFill>
-                <a:latin typeface="Arial" charset="0"/>
-                <a:ea typeface="ＭＳ Ｐゴシック" charset="0"/>
-              </a:defRPr>
-            </a:lvl2pPr>
-            <a:lvl3pPr marL="1143000" indent="-228600">
-              <a:defRPr sz="2200">
-                <a:solidFill>
-                  <a:schemeClr val="tx1"/>
-                </a:solidFill>
-                <a:latin typeface="Arial" charset="0"/>
-                <a:ea typeface="ＭＳ Ｐゴシック" charset="0"/>
-              </a:defRPr>
-            </a:lvl3pPr>
-            <a:lvl4pPr marL="1600200" indent="-228600">
-              <a:defRPr sz="2000">
-                <a:solidFill>
-                  <a:schemeClr val="tx1"/>
-                </a:solidFill>
-                <a:latin typeface="Arial" charset="0"/>
-                <a:ea typeface="ＭＳ Ｐゴシック" charset="0"/>
-              </a:defRPr>
-            </a:lvl4pPr>
-            <a:lvl5pPr marL="2057400" indent="-228600">
-              <a:defRPr sz="2000">
-                <a:solidFill>
-                  <a:schemeClr val="tx1"/>
-                </a:solidFill>
-                <a:latin typeface="Arial" charset="0"/>
-                <a:ea typeface="ＭＳ Ｐゴシック" charset="0"/>
-              </a:defRPr>
-            </a:lvl5pPr>
-            <a:lvl6pPr marL="2514600" indent="-228600" eaLnBrk="0" hangingPunct="0">
-              <a:buFont typeface="Wingdings" charset="0"/>
-              <a:defRPr sz="2000">
-                <a:solidFill>
-                  <a:schemeClr val="tx1"/>
-                </a:solidFill>
-                <a:latin typeface="Arial" charset="0"/>
-                <a:ea typeface="ＭＳ Ｐゴシック" charset="0"/>
-              </a:defRPr>
-            </a:lvl6pPr>
-            <a:lvl7pPr marL="2971800" indent="-228600" eaLnBrk="0" hangingPunct="0">
-              <a:buFont typeface="Wingdings" charset="0"/>
-              <a:defRPr sz="2000">
-                <a:solidFill>
-                  <a:schemeClr val="tx1"/>
-                </a:solidFill>
-                <a:latin typeface="Arial" charset="0"/>
-                <a:ea typeface="ＭＳ Ｐゴシック" charset="0"/>
-              </a:defRPr>
-            </a:lvl7pPr>
-            <a:lvl8pPr marL="3429000" indent="-228600" eaLnBrk="0" hangingPunct="0">
-              <a:buFont typeface="Wingdings" charset="0"/>
-              <a:defRPr sz="2000">
-                <a:solidFill>
-                  <a:schemeClr val="tx1"/>
-                </a:solidFill>
-                <a:latin typeface="Arial" charset="0"/>
-                <a:ea typeface="ＭＳ Ｐゴシック" charset="0"/>
-              </a:defRPr>
-            </a:lvl8pPr>
-            <a:lvl9pPr marL="3886200" indent="-228600" eaLnBrk="0" hangingPunct="0">
-              <a:buFont typeface="Wingdings" charset="0"/>
-              <a:defRPr sz="2000">
-                <a:solidFill>
-                  <a:schemeClr val="tx1"/>
-                </a:solidFill>
-                <a:latin typeface="Arial" charset="0"/>
-                <a:ea typeface="ＭＳ Ｐゴシック" charset="0"/>
-              </a:defRPr>
-            </a:lvl9pPr>
-          </a:lstStyle>
-          <a:p>
-            <a:pPr>
-              <a:spcBef>
-                <a:spcPct val="50000"/>
-              </a:spcBef>
-            </a:pPr>
-            <a:r>
-              <a:rPr lang="en-US" sz="1800">
-                <a:latin typeface="Courier New" charset="0"/>
-              </a:rPr>
-              <a:t>#include &lt;stdio.h&gt;</a:t>
-            </a:r>
-            <a:br>
-              <a:rPr lang="en-US" sz="1800">
-                <a:latin typeface="Courier New" charset="0"/>
-              </a:rPr>
-            </a:br>
-            <a:r>
-              <a:rPr lang="en-US" sz="1800">
-                <a:latin typeface="Courier New" charset="0"/>
-              </a:rPr>
-              <a:t>int main()</a:t>
-            </a:r>
-            <a:br>
-              <a:rPr lang="en-US" sz="1800">
-                <a:latin typeface="Courier New" charset="0"/>
-              </a:rPr>
-            </a:br>
-            <a:r>
-              <a:rPr lang="en-US" sz="1800">
-                <a:latin typeface="Courier New" charset="0"/>
-              </a:rPr>
-              <a:t>{</a:t>
-            </a:r>
-            <a:br>
-              <a:rPr lang="en-US" sz="1800">
-                <a:latin typeface="Courier New" charset="0"/>
-              </a:rPr>
-            </a:br>
-            <a:r>
-              <a:rPr lang="en-US" sz="1800">
-                <a:latin typeface="Courier New" charset="0"/>
-              </a:rPr>
-              <a:t>	printf("Hello World!\n");</a:t>
-            </a:r>
-            <a:br>
-              <a:rPr lang="en-US" sz="1800">
-                <a:latin typeface="Courier New" charset="0"/>
-              </a:rPr>
-            </a:br>
-            <a:r>
-              <a:rPr lang="en-US" sz="1800">
-                <a:latin typeface="Courier New" charset="0"/>
-              </a:rPr>
-              <a:t>	return 0;</a:t>
-            </a:r>
-            <a:br>
-              <a:rPr lang="en-US" sz="1800">
-                <a:latin typeface="Courier New" charset="0"/>
-              </a:rPr>
-            </a:br>
-            <a:r>
-              <a:rPr lang="en-US" sz="1800">
-                <a:latin typeface="Courier New" charset="0"/>
-              </a:rPr>
-              <a:t>}</a:t>
-            </a:r>
-          </a:p>
-        </p:txBody>
-      </p:sp>
-      <p:sp>
-        <p:nvSpPr>
-          <p:cNvPr id="22533" name="AutoShape 4"/>
-          <p:cNvSpPr>
-            <a:spLocks/>
-          </p:cNvSpPr>
-          <p:nvPr/>
-        </p:nvSpPr>
-        <p:spPr bwMode="auto">
-          <a:xfrm>
-            <a:off x="2413000" y="1219200"/>
-            <a:ext cx="6477000" cy="1143000"/>
-          </a:xfrm>
-          <a:prstGeom prst="borderCallout1">
-            <a:avLst>
-              <a:gd name="adj1" fmla="val 10000"/>
-              <a:gd name="adj2" fmla="val -1176"/>
-              <a:gd name="adj3" fmla="val 294028"/>
-              <a:gd name="adj4" fmla="val -7380"/>
-            </a:avLst>
-          </a:prstGeom>
-          <a:noFill/>
-          <a:ln w="9525">
-            <a:solidFill>
-              <a:schemeClr val="tx1"/>
-            </a:solidFill>
-            <a:miter lim="800000"/>
-            <a:headEnd/>
-            <a:tailEnd/>
-          </a:ln>
-          <a:extLst>
-            <a:ext uri="{909E8E84-426E-40dd-AFC4-6F175D3DCCD1}">
-              <a14:hiddenFill xmlns:a14="http://schemas.microsoft.com/office/drawing/2010/main">
-                <a:solidFill>
-                  <a:srgbClr val="FFFFFF"/>
-                </a:solidFill>
-              </a14:hiddenFill>
-            </a:ext>
-          </a:extLst>
-        </p:spPr>
-        <p:txBody>
-          <a:bodyPr anchor="ctr"/>
-          <a:lstStyle/>
-          <a:p>
-            <a:r>
-              <a:rPr lang="en-US">
-                <a:latin typeface="Courier New" charset="0"/>
-              </a:rPr>
-              <a:t>printf() </a:t>
-            </a:r>
-            <a:r>
-              <a:rPr lang="en-US"/>
-              <a:t>is a "built-in" function (which is actually defined in</a:t>
-            </a:r>
-            <a:r>
-              <a:rPr lang="en-US">
-                <a:latin typeface="Courier New" charset="0"/>
-              </a:rPr>
-              <a:t> stdio.h</a:t>
-            </a:r>
-            <a:r>
-              <a:rPr lang="en-US"/>
-              <a:t>).</a:t>
-            </a:r>
-            <a:r>
-              <a:rPr lang="en-US">
-                <a:latin typeface="Courier New" charset="0"/>
-              </a:rPr>
-              <a:t>  </a:t>
-            </a:r>
-            <a:endParaRPr lang="en-US"/>
-          </a:p>
-        </p:txBody>
-      </p:sp>
-      <p:sp>
-        <p:nvSpPr>
-          <p:cNvPr id="22534" name="AutoShape 5"/>
-          <p:cNvSpPr>
-            <a:spLocks/>
-          </p:cNvSpPr>
-          <p:nvPr/>
-        </p:nvSpPr>
-        <p:spPr bwMode="auto">
-          <a:xfrm>
-            <a:off x="4903788" y="2590800"/>
-            <a:ext cx="3478212" cy="1916113"/>
-          </a:xfrm>
-          <a:prstGeom prst="borderCallout1">
-            <a:avLst>
-              <a:gd name="adj1" fmla="val 5963"/>
-              <a:gd name="adj2" fmla="val -2190"/>
-              <a:gd name="adj3" fmla="val 103727"/>
-              <a:gd name="adj4" fmla="val -23324"/>
-            </a:avLst>
-          </a:prstGeom>
-          <a:noFill/>
-          <a:ln w="9525">
-            <a:solidFill>
-              <a:schemeClr val="tx1"/>
-            </a:solidFill>
-            <a:miter lim="800000"/>
-            <a:headEnd/>
-            <a:tailEnd/>
-          </a:ln>
-          <a:extLst>
-            <a:ext uri="{909E8E84-426E-40dd-AFC4-6F175D3DCCD1}">
-              <a14:hiddenFill xmlns:a14="http://schemas.microsoft.com/office/drawing/2010/main">
-                <a:solidFill>
-                  <a:srgbClr val="FFFFFF"/>
-                </a:solidFill>
-              </a14:hiddenFill>
-            </a:ext>
-          </a:extLst>
-        </p:spPr>
-        <p:txBody>
-          <a:bodyPr anchor="ctr"/>
-          <a:lstStyle/>
-          <a:p>
-            <a:r>
-              <a:rPr lang="en-US"/>
-              <a:t>"</a:t>
-            </a:r>
-            <a:r>
-              <a:rPr lang="en-US">
-                <a:latin typeface="Courier New" charset="0"/>
-              </a:rPr>
-              <a:t>Hello World!</a:t>
-            </a:r>
-            <a:r>
-              <a:rPr lang="en-US"/>
-              <a:t>" is the string to print.</a:t>
-            </a:r>
-            <a:br>
-              <a:rPr lang="en-US"/>
-            </a:br>
-            <a:r>
-              <a:rPr lang="en-US"/>
-              <a:t> More formally, this is called the control string or control specifier.</a:t>
-            </a:r>
-          </a:p>
-        </p:txBody>
-      </p:sp>
-      <p:sp>
-        <p:nvSpPr>
-          <p:cNvPr id="22535" name="AutoShape 7"/>
-          <p:cNvSpPr>
-            <a:spLocks/>
-          </p:cNvSpPr>
-          <p:nvPr/>
-        </p:nvSpPr>
-        <p:spPr bwMode="auto">
-          <a:xfrm>
-            <a:off x="1524000" y="5181600"/>
-            <a:ext cx="6324600" cy="838200"/>
-          </a:xfrm>
-          <a:prstGeom prst="borderCallout3">
-            <a:avLst>
-              <a:gd name="adj1" fmla="val 10000"/>
-              <a:gd name="adj2" fmla="val 101204"/>
-              <a:gd name="adj3" fmla="val 10000"/>
-              <a:gd name="adj4" fmla="val 106880"/>
-              <a:gd name="adj5" fmla="val -11389"/>
-              <a:gd name="adj6" fmla="val 106880"/>
-              <a:gd name="adj7" fmla="val -51824"/>
-              <a:gd name="adj8" fmla="val 57912"/>
-            </a:avLst>
-          </a:prstGeom>
-          <a:noFill/>
-          <a:ln w="9525">
-            <a:solidFill>
-              <a:schemeClr val="tx1"/>
-            </a:solidFill>
-            <a:miter lim="800000"/>
-            <a:headEnd/>
-            <a:tailEnd/>
-          </a:ln>
-          <a:extLst>
-            <a:ext uri="{909E8E84-426E-40dd-AFC4-6F175D3DCCD1}">
-              <a14:hiddenFill xmlns:a14="http://schemas.microsoft.com/office/drawing/2010/main">
-                <a:solidFill>
-                  <a:srgbClr val="FFFFFF"/>
-                </a:solidFill>
-              </a14:hiddenFill>
-            </a:ext>
-          </a:extLst>
-        </p:spPr>
-        <p:txBody>
-          <a:bodyPr anchor="ctr"/>
-          <a:lstStyle/>
-          <a:p>
-            <a:r>
-              <a:rPr lang="en-US"/>
-              <a:t>Every statement must end with a ";". Preprocessing directives do not end with a ";" (but must end with a return).</a:t>
-            </a:r>
-          </a:p>
-        </p:txBody>
-      </p:sp>
-      <p:sp>
-        <p:nvSpPr>
-          <p:cNvPr id="8" name="Date Placeholder 7"/>
-          <p:cNvSpPr>
-            <a:spLocks noGrp="1"/>
-          </p:cNvSpPr>
-          <p:nvPr>
-            <p:ph type="dt" sz="quarter" idx="10"/>
-          </p:nvPr>
-        </p:nvSpPr>
-        <p:spPr/>
-        <p:txBody>
-          <a:bodyPr/>
-          <a:lstStyle>
-            <a:lvl1pPr eaLnBrk="0" hangingPunct="0">
-              <a:defRPr>
-                <a:solidFill>
-                  <a:schemeClr val="tx1"/>
-                </a:solidFill>
-                <a:latin typeface="Arial" charset="0"/>
-                <a:ea typeface="ＭＳ Ｐゴシック" charset="0"/>
-                <a:cs typeface="Arial" charset="0"/>
-              </a:defRPr>
-            </a:lvl1pPr>
-            <a:lvl2pPr marL="742950" indent="-285750" eaLnBrk="0" hangingPunct="0">
-              <a:defRPr>
-                <a:solidFill>
-                  <a:schemeClr val="tx1"/>
-                </a:solidFill>
-                <a:latin typeface="Arial" charset="0"/>
-                <a:ea typeface="Arial" charset="0"/>
-                <a:cs typeface="Arial" charset="0"/>
-              </a:defRPr>
-            </a:lvl2pPr>
-            <a:lvl3pPr marL="1143000" indent="-228600" eaLnBrk="0" hangingPunct="0">
-              <a:defRPr>
-                <a:solidFill>
-                  <a:schemeClr val="tx1"/>
-                </a:solidFill>
-                <a:latin typeface="Arial" charset="0"/>
-                <a:ea typeface="Arial" charset="0"/>
-                <a:cs typeface="Arial" charset="0"/>
-              </a:defRPr>
-            </a:lvl3pPr>
-            <a:lvl4pPr marL="1600200" indent="-228600" eaLnBrk="0" hangingPunct="0">
-              <a:defRPr>
-                <a:solidFill>
-                  <a:schemeClr val="tx1"/>
-                </a:solidFill>
-                <a:latin typeface="Arial" charset="0"/>
-                <a:ea typeface="Arial" charset="0"/>
-                <a:cs typeface="Arial" charset="0"/>
-              </a:defRPr>
-            </a:lvl4pPr>
-            <a:lvl5pPr marL="2057400" indent="-228600" eaLnBrk="0" hangingPunct="0">
-              <a:defRPr>
-                <a:solidFill>
-                  <a:schemeClr val="tx1"/>
-                </a:solidFill>
-                <a:latin typeface="Arial" charset="0"/>
-                <a:ea typeface="Arial" charset="0"/>
-                <a:cs typeface="Arial" charset="0"/>
-              </a:defRPr>
-            </a:lvl5pPr>
-            <a:lvl6pPr marL="2514600" indent="-228600" eaLnBrk="0" fontAlgn="base" hangingPunct="0">
-              <a:spcBef>
-                <a:spcPct val="0"/>
-              </a:spcBef>
-              <a:spcAft>
-                <a:spcPct val="0"/>
-              </a:spcAft>
-              <a:defRPr>
-                <a:solidFill>
-                  <a:schemeClr val="tx1"/>
-                </a:solidFill>
-                <a:latin typeface="Arial" charset="0"/>
-                <a:ea typeface="Arial" charset="0"/>
-                <a:cs typeface="Arial" charset="0"/>
-              </a:defRPr>
-            </a:lvl6pPr>
-            <a:lvl7pPr marL="2971800" indent="-228600" eaLnBrk="0" fontAlgn="base" hangingPunct="0">
-              <a:spcBef>
-                <a:spcPct val="0"/>
-              </a:spcBef>
-              <a:spcAft>
-                <a:spcPct val="0"/>
-              </a:spcAft>
-              <a:defRPr>
-                <a:solidFill>
-                  <a:schemeClr val="tx1"/>
-                </a:solidFill>
-                <a:latin typeface="Arial" charset="0"/>
-                <a:ea typeface="Arial" charset="0"/>
-                <a:cs typeface="Arial" charset="0"/>
-              </a:defRPr>
-            </a:lvl7pPr>
-            <a:lvl8pPr marL="3429000" indent="-228600" eaLnBrk="0" fontAlgn="base" hangingPunct="0">
-              <a:spcBef>
-                <a:spcPct val="0"/>
-              </a:spcBef>
-              <a:spcAft>
-                <a:spcPct val="0"/>
-              </a:spcAft>
-              <a:defRPr>
-                <a:solidFill>
-                  <a:schemeClr val="tx1"/>
-                </a:solidFill>
-                <a:latin typeface="Arial" charset="0"/>
-                <a:ea typeface="Arial" charset="0"/>
-                <a:cs typeface="Arial" charset="0"/>
-              </a:defRPr>
-            </a:lvl8pPr>
-            <a:lvl9pPr marL="3886200" indent="-228600" eaLnBrk="0" fontAlgn="base" hangingPunct="0">
-              <a:spcBef>
-                <a:spcPct val="0"/>
-              </a:spcBef>
-              <a:spcAft>
-                <a:spcPct val="0"/>
-              </a:spcAft>
-              <a:defRPr>
-                <a:solidFill>
-                  <a:schemeClr val="tx1"/>
-                </a:solidFill>
-                <a:latin typeface="Arial" charset="0"/>
-                <a:ea typeface="Arial" charset="0"/>
-                <a:cs typeface="Arial" charset="0"/>
-              </a:defRPr>
-            </a:lvl9pPr>
-          </a:lstStyle>
-          <a:p>
-            <a:pPr eaLnBrk="1" hangingPunct="1"/>
-            <a:fld id="{4F517C83-35D6-BD4E-AB1F-EAA3BC0707AE}" type="datetime1">
-              <a:rPr lang="en-US">
-                <a:latin typeface="Garamond" charset="0"/>
-              </a:rPr>
-              <a:pPr eaLnBrk="1" hangingPunct="1"/>
-              <a:t>1/19/16</a:t>
-            </a:fld>
-            <a:endParaRPr lang="en-US">
-              <a:latin typeface="Garamond" charset="0"/>
-            </a:endParaRPr>
-          </a:p>
-        </p:txBody>
-      </p:sp>
-      <p:sp>
-        <p:nvSpPr>
-          <p:cNvPr id="9" name="Footer Placeholder 8"/>
-          <p:cNvSpPr>
-            <a:spLocks noGrp="1"/>
-          </p:cNvSpPr>
-          <p:nvPr>
-            <p:ph type="ftr" sz="quarter" idx="11"/>
-          </p:nvPr>
-        </p:nvSpPr>
-        <p:spPr/>
-        <p:txBody>
-          <a:bodyPr/>
-          <a:lstStyle/>
-          <a:p>
-            <a:pPr>
-              <a:defRPr/>
-            </a:pPr>
-            <a:r>
-              <a:rPr lang="en-US" altLang="en-US"/>
-              <a:t>ECE Application Programming: Lecture 1</a:t>
-            </a:r>
-          </a:p>
-        </p:txBody>
-      </p:sp>
-    </p:spTree>
-  </p:cSld>
-  <p:clrMapOvr>
-    <a:masterClrMapping/>
-  </p:clrMapOvr>
-  <p:timing>
-    <p:tnLst>
-      <p:par>
-        <p:cTn xmlns:p14="http://schemas.microsoft.com/office/powerpoint/2010/main" id="1" dur="indefinite" restart="never" nodeType="tmRoot"/>
-      </p:par>
-    </p:tnLst>
-  </p:timing>
-</p:sld>
-</file>
-
-<file path=ppt/slides/slide22.xml><?xml version="1.0" encoding="utf-8"?>
-<p:sld xmlns:a="http://schemas.openxmlformats.org/drawingml/2006/main" xmlns:r="http://schemas.openxmlformats.org/officeDocument/2006/relationships" xmlns:p="http://schemas.openxmlformats.org/presentationml/2006/main">
-  <p:cSld>
-    <p:spTree>
-      <p:nvGrpSpPr>
-        <p:cNvPr id="1" name=""/>
-        <p:cNvGrpSpPr/>
-        <p:nvPr/>
-      </p:nvGrpSpPr>
-      <p:grpSpPr>
-        <a:xfrm>
-          <a:off x="0" y="0"/>
-          <a:ext cx="0" cy="0"/>
-          <a:chOff x="0" y="0"/>
-          <a:chExt cx="0" cy="0"/>
-        </a:xfrm>
-      </p:grpSpPr>
-      <p:sp>
-        <p:nvSpPr>
-          <p:cNvPr id="5" name="Slide Number Placeholder 4"/>
-          <p:cNvSpPr>
-            <a:spLocks noGrp="1"/>
-          </p:cNvSpPr>
-          <p:nvPr>
-            <p:ph type="sldNum" sz="quarter" idx="12"/>
-          </p:nvPr>
-        </p:nvSpPr>
-        <p:spPr/>
-        <p:txBody>
-          <a:bodyPr/>
-          <a:lstStyle>
-            <a:lvl1pPr eaLnBrk="0" hangingPunct="0">
-              <a:defRPr>
-                <a:solidFill>
-                  <a:schemeClr val="tx1"/>
-                </a:solidFill>
-                <a:latin typeface="Arial" charset="0"/>
-                <a:ea typeface="ＭＳ Ｐゴシック" charset="0"/>
-                <a:cs typeface="Arial" charset="0"/>
-              </a:defRPr>
-            </a:lvl1pPr>
-            <a:lvl2pPr marL="742950" indent="-285750" eaLnBrk="0" hangingPunct="0">
-              <a:defRPr>
-                <a:solidFill>
-                  <a:schemeClr val="tx1"/>
-                </a:solidFill>
-                <a:latin typeface="Arial" charset="0"/>
-                <a:ea typeface="Arial" charset="0"/>
-                <a:cs typeface="Arial" charset="0"/>
-              </a:defRPr>
-            </a:lvl2pPr>
-            <a:lvl3pPr marL="1143000" indent="-228600" eaLnBrk="0" hangingPunct="0">
-              <a:defRPr>
-                <a:solidFill>
-                  <a:schemeClr val="tx1"/>
-                </a:solidFill>
-                <a:latin typeface="Arial" charset="0"/>
-                <a:ea typeface="Arial" charset="0"/>
-                <a:cs typeface="Arial" charset="0"/>
-              </a:defRPr>
-            </a:lvl3pPr>
-            <a:lvl4pPr marL="1600200" indent="-228600" eaLnBrk="0" hangingPunct="0">
-              <a:defRPr>
-                <a:solidFill>
-                  <a:schemeClr val="tx1"/>
-                </a:solidFill>
-                <a:latin typeface="Arial" charset="0"/>
-                <a:ea typeface="Arial" charset="0"/>
-                <a:cs typeface="Arial" charset="0"/>
-              </a:defRPr>
-            </a:lvl4pPr>
-            <a:lvl5pPr marL="2057400" indent="-228600" eaLnBrk="0" hangingPunct="0">
-              <a:defRPr>
-                <a:solidFill>
-                  <a:schemeClr val="tx1"/>
-                </a:solidFill>
-                <a:latin typeface="Arial" charset="0"/>
-                <a:ea typeface="Arial" charset="0"/>
-                <a:cs typeface="Arial" charset="0"/>
-              </a:defRPr>
-            </a:lvl5pPr>
-            <a:lvl6pPr marL="2514600" indent="-228600" eaLnBrk="0" fontAlgn="base" hangingPunct="0">
-              <a:spcBef>
-                <a:spcPct val="0"/>
-              </a:spcBef>
-              <a:spcAft>
-                <a:spcPct val="0"/>
-              </a:spcAft>
-              <a:defRPr>
-                <a:solidFill>
-                  <a:schemeClr val="tx1"/>
-                </a:solidFill>
-                <a:latin typeface="Arial" charset="0"/>
-                <a:ea typeface="Arial" charset="0"/>
-                <a:cs typeface="Arial" charset="0"/>
-              </a:defRPr>
-            </a:lvl6pPr>
-            <a:lvl7pPr marL="2971800" indent="-228600" eaLnBrk="0" fontAlgn="base" hangingPunct="0">
-              <a:spcBef>
-                <a:spcPct val="0"/>
-              </a:spcBef>
-              <a:spcAft>
-                <a:spcPct val="0"/>
-              </a:spcAft>
-              <a:defRPr>
-                <a:solidFill>
-                  <a:schemeClr val="tx1"/>
-                </a:solidFill>
-                <a:latin typeface="Arial" charset="0"/>
-                <a:ea typeface="Arial" charset="0"/>
-                <a:cs typeface="Arial" charset="0"/>
-              </a:defRPr>
-            </a:lvl7pPr>
-            <a:lvl8pPr marL="3429000" indent="-228600" eaLnBrk="0" fontAlgn="base" hangingPunct="0">
-              <a:spcBef>
-                <a:spcPct val="0"/>
-              </a:spcBef>
-              <a:spcAft>
-                <a:spcPct val="0"/>
-              </a:spcAft>
-              <a:defRPr>
-                <a:solidFill>
-                  <a:schemeClr val="tx1"/>
-                </a:solidFill>
-                <a:latin typeface="Arial" charset="0"/>
-                <a:ea typeface="Arial" charset="0"/>
-                <a:cs typeface="Arial" charset="0"/>
-              </a:defRPr>
-            </a:lvl8pPr>
-            <a:lvl9pPr marL="3886200" indent="-228600" eaLnBrk="0" fontAlgn="base" hangingPunct="0">
-              <a:spcBef>
-                <a:spcPct val="0"/>
-              </a:spcBef>
-              <a:spcAft>
-                <a:spcPct val="0"/>
-              </a:spcAft>
-              <a:defRPr>
-                <a:solidFill>
-                  <a:schemeClr val="tx1"/>
-                </a:solidFill>
-                <a:latin typeface="Arial" charset="0"/>
-                <a:ea typeface="Arial" charset="0"/>
-                <a:cs typeface="Arial" charset="0"/>
-              </a:defRPr>
-            </a:lvl9pPr>
-          </a:lstStyle>
-          <a:p>
-            <a:pPr eaLnBrk="1" hangingPunct="1"/>
-            <a:fld id="{45BEE150-BC3F-AC40-AD2D-879DA72FE603}" type="slidenum">
-              <a:rPr lang="en-US">
-                <a:latin typeface="Garamond" charset="0"/>
-              </a:rPr>
-              <a:pPr eaLnBrk="1" hangingPunct="1"/>
-              <a:t>22</a:t>
-            </a:fld>
-            <a:endParaRPr lang="en-US">
-              <a:latin typeface="Garamond" charset="0"/>
-            </a:endParaRPr>
-          </a:p>
-        </p:txBody>
-      </p:sp>
-      <p:sp>
-        <p:nvSpPr>
-          <p:cNvPr id="23555" name="Rectangle 2"/>
-          <p:cNvSpPr>
-            <a:spLocks noGrp="1" noChangeArrowheads="1"/>
-          </p:cNvSpPr>
-          <p:nvPr>
-            <p:ph type="title"/>
-          </p:nvPr>
-        </p:nvSpPr>
-        <p:spPr>
-          <a:xfrm>
-            <a:off x="685800" y="304800"/>
-            <a:ext cx="7772400" cy="838200"/>
-          </a:xfrm>
-        </p:spPr>
-        <p:txBody>
-          <a:bodyPr/>
-          <a:lstStyle/>
-          <a:p>
-            <a:r>
-              <a:rPr lang="en-US">
-                <a:latin typeface="Garamond" charset="0"/>
-              </a:rPr>
-              <a:t>Our first C program</a:t>
-            </a:r>
-          </a:p>
-        </p:txBody>
-      </p:sp>
-      <p:sp>
-        <p:nvSpPr>
-          <p:cNvPr id="23556" name="Text Box 3"/>
-          <p:cNvSpPr txBox="1">
-            <a:spLocks noChangeArrowheads="1"/>
-          </p:cNvSpPr>
-          <p:nvPr/>
-        </p:nvSpPr>
-        <p:spPr bwMode="auto">
-          <a:xfrm>
-            <a:off x="762000" y="3733800"/>
-            <a:ext cx="7848600" cy="2282825"/>
-          </a:xfrm>
-          <a:prstGeom prst="rect">
-            <a:avLst/>
-          </a:prstGeom>
-          <a:noFill/>
-          <a:ln>
-            <a:noFill/>
-          </a:ln>
-          <a:extLst>
-            <a:ext uri="{909E8E84-426E-40dd-AFC4-6F175D3DCCD1}">
-              <a14:hiddenFill xmlns:a14="http://schemas.microsoft.com/office/drawing/2010/main">
-                <a:solidFill>
-                  <a:srgbClr val="FFFFFF"/>
-                </a:solidFill>
-              </a14:hiddenFill>
-            </a:ext>
-            <a:ext uri="{91240B29-F687-4f45-9708-019B960494DF}">
-              <a14:hiddenLine xmlns:a14="http://schemas.microsoft.com/office/drawing/2010/main" w="9525">
-                <a:solidFill>
-                  <a:srgbClr val="000000"/>
-                </a:solidFill>
-                <a:miter lim="800000"/>
-                <a:headEnd/>
-                <a:tailEnd/>
-              </a14:hiddenLine>
-            </a:ext>
-          </a:extLst>
-        </p:spPr>
-        <p:txBody>
-          <a:bodyPr>
-            <a:spAutoFit/>
-          </a:bodyPr>
-          <a:lstStyle>
-            <a:lvl1pPr>
-              <a:defRPr sz="3000">
-                <a:solidFill>
-                  <a:schemeClr val="tx1"/>
-                </a:solidFill>
-                <a:latin typeface="Arial" charset="0"/>
-                <a:ea typeface="ＭＳ Ｐゴシック" charset="0"/>
-              </a:defRPr>
-            </a:lvl1pPr>
-            <a:lvl2pPr marL="742950" indent="-285750">
-              <a:defRPr sz="2600">
-                <a:solidFill>
-                  <a:schemeClr val="tx1"/>
-                </a:solidFill>
-                <a:latin typeface="Arial" charset="0"/>
-                <a:ea typeface="ＭＳ Ｐゴシック" charset="0"/>
-              </a:defRPr>
-            </a:lvl2pPr>
-            <a:lvl3pPr marL="1143000" indent="-228600">
-              <a:defRPr sz="2200">
-                <a:solidFill>
-                  <a:schemeClr val="tx1"/>
-                </a:solidFill>
-                <a:latin typeface="Arial" charset="0"/>
-                <a:ea typeface="ＭＳ Ｐゴシック" charset="0"/>
-              </a:defRPr>
-            </a:lvl3pPr>
-            <a:lvl4pPr marL="1600200" indent="-228600">
-              <a:defRPr sz="2000">
-                <a:solidFill>
-                  <a:schemeClr val="tx1"/>
-                </a:solidFill>
-                <a:latin typeface="Arial" charset="0"/>
-                <a:ea typeface="ＭＳ Ｐゴシック" charset="0"/>
-              </a:defRPr>
-            </a:lvl4pPr>
-            <a:lvl5pPr marL="2057400" indent="-228600">
-              <a:defRPr sz="2000">
-                <a:solidFill>
-                  <a:schemeClr val="tx1"/>
-                </a:solidFill>
-                <a:latin typeface="Arial" charset="0"/>
-                <a:ea typeface="ＭＳ Ｐゴシック" charset="0"/>
-              </a:defRPr>
-            </a:lvl5pPr>
-            <a:lvl6pPr marL="2514600" indent="-228600" eaLnBrk="0" hangingPunct="0">
-              <a:buFont typeface="Wingdings" charset="0"/>
-              <a:defRPr sz="2000">
-                <a:solidFill>
-                  <a:schemeClr val="tx1"/>
-                </a:solidFill>
-                <a:latin typeface="Arial" charset="0"/>
-                <a:ea typeface="ＭＳ Ｐゴシック" charset="0"/>
-              </a:defRPr>
-            </a:lvl6pPr>
-            <a:lvl7pPr marL="2971800" indent="-228600" eaLnBrk="0" hangingPunct="0">
-              <a:buFont typeface="Wingdings" charset="0"/>
-              <a:defRPr sz="2000">
-                <a:solidFill>
-                  <a:schemeClr val="tx1"/>
-                </a:solidFill>
-                <a:latin typeface="Arial" charset="0"/>
-                <a:ea typeface="ＭＳ Ｐゴシック" charset="0"/>
-              </a:defRPr>
-            </a:lvl7pPr>
-            <a:lvl8pPr marL="3429000" indent="-228600" eaLnBrk="0" hangingPunct="0">
-              <a:buFont typeface="Wingdings" charset="0"/>
-              <a:defRPr sz="2000">
-                <a:solidFill>
-                  <a:schemeClr val="tx1"/>
-                </a:solidFill>
-                <a:latin typeface="Arial" charset="0"/>
-                <a:ea typeface="ＭＳ Ｐゴシック" charset="0"/>
-              </a:defRPr>
-            </a:lvl8pPr>
-            <a:lvl9pPr marL="3886200" indent="-228600" eaLnBrk="0" hangingPunct="0">
-              <a:buFont typeface="Wingdings" charset="0"/>
-              <a:defRPr sz="2000">
-                <a:solidFill>
-                  <a:schemeClr val="tx1"/>
-                </a:solidFill>
-                <a:latin typeface="Arial" charset="0"/>
-                <a:ea typeface="ＭＳ Ｐゴシック" charset="0"/>
-              </a:defRPr>
-            </a:lvl9pPr>
-          </a:lstStyle>
-          <a:p>
-            <a:pPr>
-              <a:spcBef>
-                <a:spcPct val="50000"/>
-              </a:spcBef>
-            </a:pPr>
-            <a:r>
-              <a:rPr lang="en-US" sz="1800">
-                <a:latin typeface="Courier New" charset="0"/>
-              </a:rPr>
-              <a:t>#include &lt;stdio.h&gt;</a:t>
-            </a:r>
-            <a:br>
-              <a:rPr lang="en-US" sz="1800">
-                <a:latin typeface="Courier New" charset="0"/>
-              </a:rPr>
-            </a:br>
-            <a:r>
-              <a:rPr lang="en-US" sz="1800">
-                <a:latin typeface="Courier New" charset="0"/>
-              </a:rPr>
-              <a:t>int main()</a:t>
-            </a:r>
-            <a:br>
-              <a:rPr lang="en-US" sz="1800">
-                <a:latin typeface="Courier New" charset="0"/>
-              </a:rPr>
-            </a:br>
-            <a:r>
-              <a:rPr lang="en-US" sz="1800">
-                <a:latin typeface="Courier New" charset="0"/>
-              </a:rPr>
-              <a:t>{</a:t>
-            </a:r>
-            <a:br>
-              <a:rPr lang="en-US" sz="1800">
-                <a:latin typeface="Courier New" charset="0"/>
-              </a:rPr>
-            </a:br>
-            <a:r>
-              <a:rPr lang="en-US" sz="1800">
-                <a:latin typeface="Courier New" charset="0"/>
-              </a:rPr>
-              <a:t>	printf("Hello World!\n");</a:t>
-            </a:r>
-            <a:br>
-              <a:rPr lang="en-US" sz="1800">
-                <a:latin typeface="Courier New" charset="0"/>
-              </a:rPr>
-            </a:br>
-            <a:r>
-              <a:rPr lang="en-US" sz="1800">
-                <a:latin typeface="Courier New" charset="0"/>
-              </a:rPr>
-              <a:t>	return 0;</a:t>
-            </a:r>
-            <a:br>
-              <a:rPr lang="en-US" sz="1800">
-                <a:latin typeface="Courier New" charset="0"/>
-              </a:rPr>
-            </a:br>
-            <a:r>
-              <a:rPr lang="en-US" sz="1800">
-                <a:latin typeface="Courier New" charset="0"/>
-              </a:rPr>
-              <a:t>}</a:t>
-            </a:r>
-          </a:p>
-        </p:txBody>
-      </p:sp>
-      <p:sp>
-        <p:nvSpPr>
-          <p:cNvPr id="23557" name="AutoShape 6"/>
-          <p:cNvSpPr>
-            <a:spLocks/>
-          </p:cNvSpPr>
-          <p:nvPr/>
-        </p:nvSpPr>
-        <p:spPr bwMode="auto">
-          <a:xfrm>
-            <a:off x="762000" y="1295400"/>
-            <a:ext cx="6324600" cy="1143000"/>
-          </a:xfrm>
-          <a:prstGeom prst="borderCallout3">
-            <a:avLst>
-              <a:gd name="adj1" fmla="val 10000"/>
-              <a:gd name="adj2" fmla="val 101204"/>
-              <a:gd name="adj3" fmla="val 10000"/>
-              <a:gd name="adj4" fmla="val 112903"/>
-              <a:gd name="adj5" fmla="val 130556"/>
-              <a:gd name="adj6" fmla="val 112903"/>
-              <a:gd name="adj7" fmla="val 292542"/>
-              <a:gd name="adj8" fmla="val 62213"/>
-            </a:avLst>
-          </a:prstGeom>
-          <a:noFill/>
-          <a:ln w="9525">
-            <a:solidFill>
-              <a:schemeClr val="tx1"/>
-            </a:solidFill>
-            <a:miter lim="800000"/>
-            <a:headEnd/>
-            <a:tailEnd/>
-          </a:ln>
-          <a:extLst>
-            <a:ext uri="{909E8E84-426E-40dd-AFC4-6F175D3DCCD1}">
-              <a14:hiddenFill xmlns:a14="http://schemas.microsoft.com/office/drawing/2010/main">
-                <a:solidFill>
-                  <a:srgbClr val="FFFFFF"/>
-                </a:solidFill>
-              </a14:hiddenFill>
-            </a:ext>
-          </a:extLst>
-        </p:spPr>
-        <p:txBody>
-          <a:bodyPr anchor="ctr"/>
-          <a:lstStyle/>
-          <a:p>
-            <a:r>
-              <a:rPr lang="en-US"/>
-              <a:t>The </a:t>
-            </a:r>
-            <a:r>
-              <a:rPr lang="en-US">
-                <a:latin typeface="Courier New" charset="0"/>
-              </a:rPr>
-              <a:t>\n</a:t>
-            </a:r>
-            <a:r>
-              <a:rPr lang="en-US"/>
-              <a:t> is an escape character used by the </a:t>
-            </a:r>
-            <a:r>
-              <a:rPr lang="en-US">
-                <a:latin typeface="Courier New" charset="0"/>
-                <a:cs typeface="Courier New" charset="0"/>
-              </a:rPr>
-              <a:t>printf</a:t>
-            </a:r>
-            <a:r>
-              <a:rPr lang="en-US"/>
-              <a:t> function; inserting this character in the control string causes a “newline” to be printed—it’s as if you hit the “Enter” key </a:t>
-            </a:r>
-          </a:p>
-        </p:txBody>
-      </p:sp>
-      <p:sp>
-        <p:nvSpPr>
-          <p:cNvPr id="6" name="Date Placeholder 5"/>
-          <p:cNvSpPr>
-            <a:spLocks noGrp="1"/>
-          </p:cNvSpPr>
-          <p:nvPr>
-            <p:ph type="dt" sz="quarter" idx="10"/>
-          </p:nvPr>
-        </p:nvSpPr>
-        <p:spPr/>
-        <p:txBody>
-          <a:bodyPr/>
-          <a:lstStyle>
-            <a:lvl1pPr eaLnBrk="0" hangingPunct="0">
-              <a:defRPr>
-                <a:solidFill>
-                  <a:schemeClr val="tx1"/>
-                </a:solidFill>
-                <a:latin typeface="Arial" charset="0"/>
-                <a:ea typeface="ＭＳ Ｐゴシック" charset="0"/>
-                <a:cs typeface="Arial" charset="0"/>
-              </a:defRPr>
-            </a:lvl1pPr>
-            <a:lvl2pPr marL="742950" indent="-285750" eaLnBrk="0" hangingPunct="0">
-              <a:defRPr>
-                <a:solidFill>
-                  <a:schemeClr val="tx1"/>
-                </a:solidFill>
-                <a:latin typeface="Arial" charset="0"/>
-                <a:ea typeface="Arial" charset="0"/>
-                <a:cs typeface="Arial" charset="0"/>
-              </a:defRPr>
-            </a:lvl2pPr>
-            <a:lvl3pPr marL="1143000" indent="-228600" eaLnBrk="0" hangingPunct="0">
-              <a:defRPr>
-                <a:solidFill>
-                  <a:schemeClr val="tx1"/>
-                </a:solidFill>
-                <a:latin typeface="Arial" charset="0"/>
-                <a:ea typeface="Arial" charset="0"/>
-                <a:cs typeface="Arial" charset="0"/>
-              </a:defRPr>
-            </a:lvl3pPr>
-            <a:lvl4pPr marL="1600200" indent="-228600" eaLnBrk="0" hangingPunct="0">
-              <a:defRPr>
-                <a:solidFill>
-                  <a:schemeClr val="tx1"/>
-                </a:solidFill>
-                <a:latin typeface="Arial" charset="0"/>
-                <a:ea typeface="Arial" charset="0"/>
-                <a:cs typeface="Arial" charset="0"/>
-              </a:defRPr>
-            </a:lvl4pPr>
-            <a:lvl5pPr marL="2057400" indent="-228600" eaLnBrk="0" hangingPunct="0">
-              <a:defRPr>
-                <a:solidFill>
-                  <a:schemeClr val="tx1"/>
-                </a:solidFill>
-                <a:latin typeface="Arial" charset="0"/>
-                <a:ea typeface="Arial" charset="0"/>
-                <a:cs typeface="Arial" charset="0"/>
-              </a:defRPr>
-            </a:lvl5pPr>
-            <a:lvl6pPr marL="2514600" indent="-228600" eaLnBrk="0" fontAlgn="base" hangingPunct="0">
-              <a:spcBef>
-                <a:spcPct val="0"/>
-              </a:spcBef>
-              <a:spcAft>
-                <a:spcPct val="0"/>
-              </a:spcAft>
-              <a:defRPr>
-                <a:solidFill>
-                  <a:schemeClr val="tx1"/>
-                </a:solidFill>
-                <a:latin typeface="Arial" charset="0"/>
-                <a:ea typeface="Arial" charset="0"/>
-                <a:cs typeface="Arial" charset="0"/>
-              </a:defRPr>
-            </a:lvl6pPr>
-            <a:lvl7pPr marL="2971800" indent="-228600" eaLnBrk="0" fontAlgn="base" hangingPunct="0">
-              <a:spcBef>
-                <a:spcPct val="0"/>
-              </a:spcBef>
-              <a:spcAft>
-                <a:spcPct val="0"/>
-              </a:spcAft>
-              <a:defRPr>
-                <a:solidFill>
-                  <a:schemeClr val="tx1"/>
-                </a:solidFill>
-                <a:latin typeface="Arial" charset="0"/>
-                <a:ea typeface="Arial" charset="0"/>
-                <a:cs typeface="Arial" charset="0"/>
-              </a:defRPr>
-            </a:lvl7pPr>
-            <a:lvl8pPr marL="3429000" indent="-228600" eaLnBrk="0" fontAlgn="base" hangingPunct="0">
-              <a:spcBef>
-                <a:spcPct val="0"/>
-              </a:spcBef>
-              <a:spcAft>
-                <a:spcPct val="0"/>
-              </a:spcAft>
-              <a:defRPr>
-                <a:solidFill>
-                  <a:schemeClr val="tx1"/>
-                </a:solidFill>
-                <a:latin typeface="Arial" charset="0"/>
-                <a:ea typeface="Arial" charset="0"/>
-                <a:cs typeface="Arial" charset="0"/>
-              </a:defRPr>
-            </a:lvl8pPr>
-            <a:lvl9pPr marL="3886200" indent="-228600" eaLnBrk="0" fontAlgn="base" hangingPunct="0">
-              <a:spcBef>
-                <a:spcPct val="0"/>
-              </a:spcBef>
-              <a:spcAft>
-                <a:spcPct val="0"/>
-              </a:spcAft>
-              <a:defRPr>
-                <a:solidFill>
-                  <a:schemeClr val="tx1"/>
-                </a:solidFill>
-                <a:latin typeface="Arial" charset="0"/>
-                <a:ea typeface="Arial" charset="0"/>
-                <a:cs typeface="Arial" charset="0"/>
-              </a:defRPr>
-            </a:lvl9pPr>
-          </a:lstStyle>
-          <a:p>
-            <a:pPr eaLnBrk="1" hangingPunct="1"/>
-            <a:fld id="{2A541264-85E8-7540-910F-ACF75B071363}" type="datetime1">
-              <a:rPr lang="en-US">
-                <a:latin typeface="Garamond" charset="0"/>
-              </a:rPr>
-              <a:pPr eaLnBrk="1" hangingPunct="1"/>
-              <a:t>1/19/16</a:t>
-            </a:fld>
-            <a:endParaRPr lang="en-US">
-              <a:latin typeface="Garamond" charset="0"/>
-            </a:endParaRPr>
-          </a:p>
-        </p:txBody>
-      </p:sp>
-      <p:sp>
-        <p:nvSpPr>
-          <p:cNvPr id="7" name="Footer Placeholder 6"/>
-          <p:cNvSpPr>
-            <a:spLocks noGrp="1"/>
-          </p:cNvSpPr>
-          <p:nvPr>
-            <p:ph type="ftr" sz="quarter" idx="11"/>
-          </p:nvPr>
-        </p:nvSpPr>
-        <p:spPr/>
-        <p:txBody>
-          <a:bodyPr/>
-          <a:lstStyle/>
-          <a:p>
-            <a:pPr>
-              <a:defRPr/>
-            </a:pPr>
-            <a:r>
-              <a:rPr lang="en-US" altLang="en-US"/>
-              <a:t>ECE Application Programming: Lecture 1</a:t>
-            </a:r>
-          </a:p>
-        </p:txBody>
-      </p:sp>
-    </p:spTree>
-  </p:cSld>
-  <p:clrMapOvr>
-    <a:masterClrMapping/>
-  </p:clrMapOvr>
-  <p:timing>
-    <p:tnLst>
-      <p:par>
-        <p:cTn xmlns:p14="http://schemas.microsoft.com/office/powerpoint/2010/main" id="1" dur="indefinite" restart="never" nodeType="tmRoot"/>
-      </p:par>
-    </p:tnLst>
-  </p:timing>
-</p:sld>
-</file>
-
-<file path=ppt/slides/slide23.xml><?xml version="1.0" encoding="utf-8"?>
-<p:sld xmlns:a="http://schemas.openxmlformats.org/drawingml/2006/main" xmlns:r="http://schemas.openxmlformats.org/officeDocument/2006/relationships" xmlns:p="http://schemas.openxmlformats.org/presentationml/2006/main">
-  <p:cSld>
-    <p:spTree>
-      <p:nvGrpSpPr>
-        <p:cNvPr id="1" name=""/>
-        <p:cNvGrpSpPr/>
-        <p:nvPr/>
-      </p:nvGrpSpPr>
-      <p:grpSpPr>
-        <a:xfrm>
-          <a:off x="0" y="0"/>
-          <a:ext cx="0" cy="0"/>
-          <a:chOff x="0" y="0"/>
-          <a:chExt cx="0" cy="0"/>
-        </a:xfrm>
-      </p:grpSpPr>
-      <p:sp>
-        <p:nvSpPr>
-          <p:cNvPr id="5" name="Slide Number Placeholder 4"/>
-          <p:cNvSpPr>
-            <a:spLocks noGrp="1"/>
-          </p:cNvSpPr>
-          <p:nvPr>
-            <p:ph type="sldNum" sz="quarter" idx="12"/>
-          </p:nvPr>
-        </p:nvSpPr>
-        <p:spPr/>
-        <p:txBody>
-          <a:bodyPr/>
-          <a:lstStyle>
-            <a:lvl1pPr eaLnBrk="0" hangingPunct="0">
-              <a:defRPr>
-                <a:solidFill>
-                  <a:schemeClr val="tx1"/>
-                </a:solidFill>
-                <a:latin typeface="Arial" charset="0"/>
-                <a:ea typeface="ＭＳ Ｐゴシック" charset="0"/>
-                <a:cs typeface="Arial" charset="0"/>
-              </a:defRPr>
-            </a:lvl1pPr>
-            <a:lvl2pPr marL="742950" indent="-285750" eaLnBrk="0" hangingPunct="0">
-              <a:defRPr>
-                <a:solidFill>
-                  <a:schemeClr val="tx1"/>
-                </a:solidFill>
-                <a:latin typeface="Arial" charset="0"/>
-                <a:ea typeface="Arial" charset="0"/>
-                <a:cs typeface="Arial" charset="0"/>
-              </a:defRPr>
-            </a:lvl2pPr>
-            <a:lvl3pPr marL="1143000" indent="-228600" eaLnBrk="0" hangingPunct="0">
-              <a:defRPr>
-                <a:solidFill>
-                  <a:schemeClr val="tx1"/>
-                </a:solidFill>
-                <a:latin typeface="Arial" charset="0"/>
-                <a:ea typeface="Arial" charset="0"/>
-                <a:cs typeface="Arial" charset="0"/>
-              </a:defRPr>
-            </a:lvl3pPr>
-            <a:lvl4pPr marL="1600200" indent="-228600" eaLnBrk="0" hangingPunct="0">
-              <a:defRPr>
-                <a:solidFill>
-                  <a:schemeClr val="tx1"/>
-                </a:solidFill>
-                <a:latin typeface="Arial" charset="0"/>
-                <a:ea typeface="Arial" charset="0"/>
-                <a:cs typeface="Arial" charset="0"/>
-              </a:defRPr>
-            </a:lvl4pPr>
-            <a:lvl5pPr marL="2057400" indent="-228600" eaLnBrk="0" hangingPunct="0">
-              <a:defRPr>
-                <a:solidFill>
-                  <a:schemeClr val="tx1"/>
-                </a:solidFill>
-                <a:latin typeface="Arial" charset="0"/>
-                <a:ea typeface="Arial" charset="0"/>
-                <a:cs typeface="Arial" charset="0"/>
-              </a:defRPr>
-            </a:lvl5pPr>
-            <a:lvl6pPr marL="2514600" indent="-228600" eaLnBrk="0" fontAlgn="base" hangingPunct="0">
-              <a:spcBef>
-                <a:spcPct val="0"/>
-              </a:spcBef>
-              <a:spcAft>
-                <a:spcPct val="0"/>
-              </a:spcAft>
-              <a:defRPr>
-                <a:solidFill>
-                  <a:schemeClr val="tx1"/>
-                </a:solidFill>
-                <a:latin typeface="Arial" charset="0"/>
-                <a:ea typeface="Arial" charset="0"/>
-                <a:cs typeface="Arial" charset="0"/>
-              </a:defRPr>
-            </a:lvl6pPr>
-            <a:lvl7pPr marL="2971800" indent="-228600" eaLnBrk="0" fontAlgn="base" hangingPunct="0">
-              <a:spcBef>
-                <a:spcPct val="0"/>
-              </a:spcBef>
-              <a:spcAft>
-                <a:spcPct val="0"/>
-              </a:spcAft>
-              <a:defRPr>
-                <a:solidFill>
-                  <a:schemeClr val="tx1"/>
-                </a:solidFill>
-                <a:latin typeface="Arial" charset="0"/>
-                <a:ea typeface="Arial" charset="0"/>
-                <a:cs typeface="Arial" charset="0"/>
-              </a:defRPr>
-            </a:lvl7pPr>
-            <a:lvl8pPr marL="3429000" indent="-228600" eaLnBrk="0" fontAlgn="base" hangingPunct="0">
-              <a:spcBef>
-                <a:spcPct val="0"/>
-              </a:spcBef>
-              <a:spcAft>
-                <a:spcPct val="0"/>
-              </a:spcAft>
-              <a:defRPr>
-                <a:solidFill>
-                  <a:schemeClr val="tx1"/>
-                </a:solidFill>
-                <a:latin typeface="Arial" charset="0"/>
-                <a:ea typeface="Arial" charset="0"/>
-                <a:cs typeface="Arial" charset="0"/>
-              </a:defRPr>
-            </a:lvl8pPr>
-            <a:lvl9pPr marL="3886200" indent="-228600" eaLnBrk="0" fontAlgn="base" hangingPunct="0">
-              <a:spcBef>
-                <a:spcPct val="0"/>
-              </a:spcBef>
-              <a:spcAft>
-                <a:spcPct val="0"/>
-              </a:spcAft>
-              <a:defRPr>
-                <a:solidFill>
-                  <a:schemeClr val="tx1"/>
-                </a:solidFill>
-                <a:latin typeface="Arial" charset="0"/>
-                <a:ea typeface="Arial" charset="0"/>
-                <a:cs typeface="Arial" charset="0"/>
-              </a:defRPr>
-            </a:lvl9pPr>
-          </a:lstStyle>
-          <a:p>
-            <a:pPr eaLnBrk="1" hangingPunct="1"/>
-            <a:fld id="{D40E609C-C86C-D749-82C4-80CE83126C90}" type="slidenum">
-              <a:rPr lang="en-US">
-                <a:latin typeface="Garamond" charset="0"/>
-              </a:rPr>
-              <a:pPr eaLnBrk="1" hangingPunct="1"/>
-              <a:t>23</a:t>
-            </a:fld>
-            <a:endParaRPr lang="en-US">
-              <a:latin typeface="Garamond" charset="0"/>
-            </a:endParaRPr>
-          </a:p>
-        </p:txBody>
-      </p:sp>
-      <p:sp>
-        <p:nvSpPr>
-          <p:cNvPr id="24579" name="Rectangle 2"/>
-          <p:cNvSpPr>
-            <a:spLocks noGrp="1" noChangeArrowheads="1"/>
-          </p:cNvSpPr>
-          <p:nvPr>
-            <p:ph type="title"/>
-          </p:nvPr>
-        </p:nvSpPr>
-        <p:spPr>
-          <a:xfrm>
-            <a:off x="685800" y="304800"/>
-            <a:ext cx="7772400" cy="838200"/>
-          </a:xfrm>
-        </p:spPr>
-        <p:txBody>
-          <a:bodyPr/>
-          <a:lstStyle/>
-          <a:p>
-            <a:r>
-              <a:rPr lang="en-US">
-                <a:latin typeface="Garamond" charset="0"/>
-              </a:rPr>
-              <a:t>Our first C program</a:t>
-            </a:r>
-          </a:p>
-        </p:txBody>
-      </p:sp>
-      <p:sp>
-        <p:nvSpPr>
-          <p:cNvPr id="24580" name="Text Box 3"/>
-          <p:cNvSpPr txBox="1">
-            <a:spLocks noChangeArrowheads="1"/>
-          </p:cNvSpPr>
-          <p:nvPr/>
-        </p:nvSpPr>
-        <p:spPr bwMode="auto">
-          <a:xfrm>
-            <a:off x="762000" y="3733800"/>
-            <a:ext cx="7848600" cy="2282825"/>
-          </a:xfrm>
-          <a:prstGeom prst="rect">
-            <a:avLst/>
-          </a:prstGeom>
-          <a:noFill/>
-          <a:ln>
-            <a:noFill/>
-          </a:ln>
-          <a:extLst>
-            <a:ext uri="{909E8E84-426E-40dd-AFC4-6F175D3DCCD1}">
-              <a14:hiddenFill xmlns:a14="http://schemas.microsoft.com/office/drawing/2010/main">
-                <a:solidFill>
-                  <a:srgbClr val="FFFFFF"/>
-                </a:solidFill>
-              </a14:hiddenFill>
-            </a:ext>
-            <a:ext uri="{91240B29-F687-4f45-9708-019B960494DF}">
-              <a14:hiddenLine xmlns:a14="http://schemas.microsoft.com/office/drawing/2010/main" w="9525">
-                <a:solidFill>
-                  <a:srgbClr val="000000"/>
-                </a:solidFill>
-                <a:miter lim="800000"/>
-                <a:headEnd/>
-                <a:tailEnd/>
-              </a14:hiddenLine>
-            </a:ext>
-          </a:extLst>
-        </p:spPr>
-        <p:txBody>
-          <a:bodyPr>
-            <a:spAutoFit/>
-          </a:bodyPr>
-          <a:lstStyle>
-            <a:lvl1pPr>
-              <a:defRPr sz="3000">
-                <a:solidFill>
-                  <a:schemeClr val="tx1"/>
-                </a:solidFill>
-                <a:latin typeface="Arial" charset="0"/>
-                <a:ea typeface="ＭＳ Ｐゴシック" charset="0"/>
-              </a:defRPr>
-            </a:lvl1pPr>
-            <a:lvl2pPr marL="742950" indent="-285750">
-              <a:defRPr sz="2600">
-                <a:solidFill>
-                  <a:schemeClr val="tx1"/>
-                </a:solidFill>
-                <a:latin typeface="Arial" charset="0"/>
-                <a:ea typeface="ＭＳ Ｐゴシック" charset="0"/>
-              </a:defRPr>
-            </a:lvl2pPr>
-            <a:lvl3pPr marL="1143000" indent="-228600">
-              <a:defRPr sz="2200">
-                <a:solidFill>
-                  <a:schemeClr val="tx1"/>
-                </a:solidFill>
-                <a:latin typeface="Arial" charset="0"/>
-                <a:ea typeface="ＭＳ Ｐゴシック" charset="0"/>
-              </a:defRPr>
-            </a:lvl3pPr>
-            <a:lvl4pPr marL="1600200" indent="-228600">
-              <a:defRPr sz="2000">
-                <a:solidFill>
-                  <a:schemeClr val="tx1"/>
-                </a:solidFill>
-                <a:latin typeface="Arial" charset="0"/>
-                <a:ea typeface="ＭＳ Ｐゴシック" charset="0"/>
-              </a:defRPr>
-            </a:lvl4pPr>
-            <a:lvl5pPr marL="2057400" indent="-228600">
-              <a:defRPr sz="2000">
-                <a:solidFill>
-                  <a:schemeClr val="tx1"/>
-                </a:solidFill>
-                <a:latin typeface="Arial" charset="0"/>
-                <a:ea typeface="ＭＳ Ｐゴシック" charset="0"/>
-              </a:defRPr>
-            </a:lvl5pPr>
-            <a:lvl6pPr marL="2514600" indent="-228600" eaLnBrk="0" hangingPunct="0">
-              <a:buFont typeface="Wingdings" charset="0"/>
-              <a:defRPr sz="2000">
-                <a:solidFill>
-                  <a:schemeClr val="tx1"/>
-                </a:solidFill>
-                <a:latin typeface="Arial" charset="0"/>
-                <a:ea typeface="ＭＳ Ｐゴシック" charset="0"/>
-              </a:defRPr>
-            </a:lvl6pPr>
-            <a:lvl7pPr marL="2971800" indent="-228600" eaLnBrk="0" hangingPunct="0">
-              <a:buFont typeface="Wingdings" charset="0"/>
-              <a:defRPr sz="2000">
-                <a:solidFill>
-                  <a:schemeClr val="tx1"/>
-                </a:solidFill>
-                <a:latin typeface="Arial" charset="0"/>
-                <a:ea typeface="ＭＳ Ｐゴシック" charset="0"/>
-              </a:defRPr>
-            </a:lvl7pPr>
-            <a:lvl8pPr marL="3429000" indent="-228600" eaLnBrk="0" hangingPunct="0">
-              <a:buFont typeface="Wingdings" charset="0"/>
-              <a:defRPr sz="2000">
-                <a:solidFill>
-                  <a:schemeClr val="tx1"/>
-                </a:solidFill>
-                <a:latin typeface="Arial" charset="0"/>
-                <a:ea typeface="ＭＳ Ｐゴシック" charset="0"/>
-              </a:defRPr>
-            </a:lvl8pPr>
-            <a:lvl9pPr marL="3886200" indent="-228600" eaLnBrk="0" hangingPunct="0">
-              <a:buFont typeface="Wingdings" charset="0"/>
-              <a:defRPr sz="2000">
-                <a:solidFill>
-                  <a:schemeClr val="tx1"/>
-                </a:solidFill>
-                <a:latin typeface="Arial" charset="0"/>
-                <a:ea typeface="ＭＳ Ｐゴシック" charset="0"/>
-              </a:defRPr>
-            </a:lvl9pPr>
-          </a:lstStyle>
-          <a:p>
-            <a:pPr>
-              <a:spcBef>
-                <a:spcPct val="50000"/>
-              </a:spcBef>
-            </a:pPr>
-            <a:r>
-              <a:rPr lang="en-US" sz="1800">
-                <a:latin typeface="Courier New" charset="0"/>
-              </a:rPr>
-              <a:t>#include &lt;stdio.h&gt;</a:t>
-            </a:r>
-            <a:br>
-              <a:rPr lang="en-US" sz="1800">
-                <a:latin typeface="Courier New" charset="0"/>
-              </a:rPr>
-            </a:br>
-            <a:r>
-              <a:rPr lang="en-US" sz="1800">
-                <a:latin typeface="Courier New" charset="0"/>
-              </a:rPr>
-              <a:t>int main()</a:t>
-            </a:r>
-            <a:br>
-              <a:rPr lang="en-US" sz="1800">
-                <a:latin typeface="Courier New" charset="0"/>
-              </a:rPr>
-            </a:br>
-            <a:r>
-              <a:rPr lang="en-US" sz="1800">
-                <a:latin typeface="Courier New" charset="0"/>
-              </a:rPr>
-              <a:t>{</a:t>
-            </a:r>
-            <a:br>
-              <a:rPr lang="en-US" sz="1800">
-                <a:latin typeface="Courier New" charset="0"/>
-              </a:rPr>
-            </a:br>
-            <a:r>
-              <a:rPr lang="en-US" sz="1800">
-                <a:latin typeface="Courier New" charset="0"/>
-              </a:rPr>
-              <a:t>	printf("Hello World!\n");</a:t>
-            </a:r>
-            <a:br>
-              <a:rPr lang="en-US" sz="1800">
-                <a:latin typeface="Courier New" charset="0"/>
-              </a:rPr>
-            </a:br>
-            <a:r>
-              <a:rPr lang="en-US" sz="1800">
-                <a:latin typeface="Courier New" charset="0"/>
-              </a:rPr>
-              <a:t>	return 0;</a:t>
-            </a:r>
-            <a:br>
-              <a:rPr lang="en-US" sz="1800">
-                <a:latin typeface="Courier New" charset="0"/>
-              </a:rPr>
-            </a:br>
-            <a:r>
-              <a:rPr lang="en-US" sz="1800">
-                <a:latin typeface="Courier New" charset="0"/>
-              </a:rPr>
-              <a:t>}</a:t>
-            </a:r>
-          </a:p>
-        </p:txBody>
-      </p:sp>
-      <p:sp>
-        <p:nvSpPr>
-          <p:cNvPr id="24581" name="AutoShape 6"/>
-          <p:cNvSpPr>
-            <a:spLocks/>
-          </p:cNvSpPr>
-          <p:nvPr/>
-        </p:nvSpPr>
-        <p:spPr bwMode="auto">
-          <a:xfrm>
-            <a:off x="762000" y="1219200"/>
-            <a:ext cx="6324600" cy="1143000"/>
-          </a:xfrm>
-          <a:prstGeom prst="borderCallout3">
-            <a:avLst>
-              <a:gd name="adj1" fmla="val 10000"/>
-              <a:gd name="adj2" fmla="val 101204"/>
-              <a:gd name="adj3" fmla="val 10000"/>
-              <a:gd name="adj4" fmla="val 112903"/>
-              <a:gd name="adj5" fmla="val 130556"/>
-              <a:gd name="adj6" fmla="val 112903"/>
-              <a:gd name="adj7" fmla="val 251250"/>
-              <a:gd name="adj8" fmla="val 5546"/>
-            </a:avLst>
-          </a:prstGeom>
-          <a:noFill/>
-          <a:ln w="9525">
-            <a:solidFill>
-              <a:schemeClr val="tx1"/>
-            </a:solidFill>
-            <a:miter lim="800000"/>
-            <a:headEnd/>
-            <a:tailEnd/>
-          </a:ln>
-          <a:extLst>
-            <a:ext uri="{909E8E84-426E-40dd-AFC4-6F175D3DCCD1}">
-              <a14:hiddenFill xmlns:a14="http://schemas.microsoft.com/office/drawing/2010/main">
-                <a:solidFill>
-                  <a:srgbClr val="FFFFFF"/>
-                </a:solidFill>
-              </a14:hiddenFill>
-            </a:ext>
-          </a:extLst>
-        </p:spPr>
-        <p:txBody>
-          <a:bodyPr anchor="ctr"/>
-          <a:lstStyle/>
-          <a:p>
-            <a:r>
-              <a:rPr lang="en-US"/>
-              <a:t>The </a:t>
-            </a:r>
-            <a:r>
-              <a:rPr lang="en-US">
-                <a:latin typeface="Courier New" charset="0"/>
-              </a:rPr>
-              <a:t>int</a:t>
-            </a:r>
-            <a:r>
-              <a:rPr lang="en-US"/>
-              <a:t> tells the compiler our </a:t>
-            </a:r>
-            <a:r>
-              <a:rPr lang="en-US">
-                <a:latin typeface="Courier New" charset="0"/>
-              </a:rPr>
-              <a:t>main()</a:t>
-            </a:r>
-            <a:r>
-              <a:rPr lang="en-US"/>
-              <a:t> program will return an integer to the operating system; the </a:t>
-            </a:r>
-            <a:r>
-              <a:rPr lang="en-US">
-                <a:latin typeface="Courier New" charset="0"/>
-              </a:rPr>
-              <a:t>return</a:t>
-            </a:r>
-            <a:r>
-              <a:rPr lang="en-US"/>
-              <a:t> tells what integer value to return. This keyword could be void, indicating that the program returns nothing to the OS.</a:t>
-            </a:r>
-          </a:p>
-        </p:txBody>
-      </p:sp>
-      <p:sp>
-        <p:nvSpPr>
-          <p:cNvPr id="6" name="Date Placeholder 5"/>
-          <p:cNvSpPr>
-            <a:spLocks noGrp="1"/>
-          </p:cNvSpPr>
-          <p:nvPr>
-            <p:ph type="dt" sz="quarter" idx="10"/>
-          </p:nvPr>
-        </p:nvSpPr>
-        <p:spPr/>
-        <p:txBody>
-          <a:bodyPr/>
-          <a:lstStyle>
-            <a:lvl1pPr eaLnBrk="0" hangingPunct="0">
-              <a:defRPr>
-                <a:solidFill>
-                  <a:schemeClr val="tx1"/>
-                </a:solidFill>
-                <a:latin typeface="Arial" charset="0"/>
-                <a:ea typeface="ＭＳ Ｐゴシック" charset="0"/>
-                <a:cs typeface="Arial" charset="0"/>
-              </a:defRPr>
-            </a:lvl1pPr>
-            <a:lvl2pPr marL="742950" indent="-285750" eaLnBrk="0" hangingPunct="0">
-              <a:defRPr>
-                <a:solidFill>
-                  <a:schemeClr val="tx1"/>
-                </a:solidFill>
-                <a:latin typeface="Arial" charset="0"/>
-                <a:ea typeface="Arial" charset="0"/>
-                <a:cs typeface="Arial" charset="0"/>
-              </a:defRPr>
-            </a:lvl2pPr>
-            <a:lvl3pPr marL="1143000" indent="-228600" eaLnBrk="0" hangingPunct="0">
-              <a:defRPr>
-                <a:solidFill>
-                  <a:schemeClr val="tx1"/>
-                </a:solidFill>
-                <a:latin typeface="Arial" charset="0"/>
-                <a:ea typeface="Arial" charset="0"/>
-                <a:cs typeface="Arial" charset="0"/>
-              </a:defRPr>
-            </a:lvl3pPr>
-            <a:lvl4pPr marL="1600200" indent="-228600" eaLnBrk="0" hangingPunct="0">
-              <a:defRPr>
-                <a:solidFill>
-                  <a:schemeClr val="tx1"/>
-                </a:solidFill>
-                <a:latin typeface="Arial" charset="0"/>
-                <a:ea typeface="Arial" charset="0"/>
-                <a:cs typeface="Arial" charset="0"/>
-              </a:defRPr>
-            </a:lvl4pPr>
-            <a:lvl5pPr marL="2057400" indent="-228600" eaLnBrk="0" hangingPunct="0">
-              <a:defRPr>
-                <a:solidFill>
-                  <a:schemeClr val="tx1"/>
-                </a:solidFill>
-                <a:latin typeface="Arial" charset="0"/>
-                <a:ea typeface="Arial" charset="0"/>
-                <a:cs typeface="Arial" charset="0"/>
-              </a:defRPr>
-            </a:lvl5pPr>
-            <a:lvl6pPr marL="2514600" indent="-228600" eaLnBrk="0" fontAlgn="base" hangingPunct="0">
-              <a:spcBef>
-                <a:spcPct val="0"/>
-              </a:spcBef>
-              <a:spcAft>
-                <a:spcPct val="0"/>
-              </a:spcAft>
-              <a:defRPr>
-                <a:solidFill>
-                  <a:schemeClr val="tx1"/>
-                </a:solidFill>
-                <a:latin typeface="Arial" charset="0"/>
-                <a:ea typeface="Arial" charset="0"/>
-                <a:cs typeface="Arial" charset="0"/>
-              </a:defRPr>
-            </a:lvl6pPr>
-            <a:lvl7pPr marL="2971800" indent="-228600" eaLnBrk="0" fontAlgn="base" hangingPunct="0">
-              <a:spcBef>
-                <a:spcPct val="0"/>
-              </a:spcBef>
-              <a:spcAft>
-                <a:spcPct val="0"/>
-              </a:spcAft>
-              <a:defRPr>
-                <a:solidFill>
-                  <a:schemeClr val="tx1"/>
-                </a:solidFill>
-                <a:latin typeface="Arial" charset="0"/>
-                <a:ea typeface="Arial" charset="0"/>
-                <a:cs typeface="Arial" charset="0"/>
-              </a:defRPr>
-            </a:lvl7pPr>
-            <a:lvl8pPr marL="3429000" indent="-228600" eaLnBrk="0" fontAlgn="base" hangingPunct="0">
-              <a:spcBef>
-                <a:spcPct val="0"/>
-              </a:spcBef>
-              <a:spcAft>
-                <a:spcPct val="0"/>
-              </a:spcAft>
-              <a:defRPr>
-                <a:solidFill>
-                  <a:schemeClr val="tx1"/>
-                </a:solidFill>
-                <a:latin typeface="Arial" charset="0"/>
-                <a:ea typeface="Arial" charset="0"/>
-                <a:cs typeface="Arial" charset="0"/>
-              </a:defRPr>
-            </a:lvl8pPr>
-            <a:lvl9pPr marL="3886200" indent="-228600" eaLnBrk="0" fontAlgn="base" hangingPunct="0">
-              <a:spcBef>
-                <a:spcPct val="0"/>
-              </a:spcBef>
-              <a:spcAft>
-                <a:spcPct val="0"/>
-              </a:spcAft>
-              <a:defRPr>
-                <a:solidFill>
-                  <a:schemeClr val="tx1"/>
-                </a:solidFill>
-                <a:latin typeface="Arial" charset="0"/>
-                <a:ea typeface="Arial" charset="0"/>
-                <a:cs typeface="Arial" charset="0"/>
-              </a:defRPr>
-            </a:lvl9pPr>
-          </a:lstStyle>
-          <a:p>
-            <a:pPr eaLnBrk="1" hangingPunct="1"/>
-            <a:fld id="{C99FEB54-5773-F44B-BB55-69F0787E1BD8}" type="datetime1">
-              <a:rPr lang="en-US">
-                <a:latin typeface="Garamond" charset="0"/>
-              </a:rPr>
-              <a:pPr eaLnBrk="1" hangingPunct="1"/>
-              <a:t>1/19/16</a:t>
-            </a:fld>
-            <a:endParaRPr lang="en-US">
-              <a:latin typeface="Garamond" charset="0"/>
-            </a:endParaRPr>
-          </a:p>
-        </p:txBody>
-      </p:sp>
-      <p:sp>
-        <p:nvSpPr>
-          <p:cNvPr id="7" name="Footer Placeholder 6"/>
-          <p:cNvSpPr>
-            <a:spLocks noGrp="1"/>
-          </p:cNvSpPr>
-          <p:nvPr>
-            <p:ph type="ftr" sz="quarter" idx="11"/>
-          </p:nvPr>
-        </p:nvSpPr>
-        <p:spPr/>
-        <p:txBody>
-          <a:bodyPr/>
-          <a:lstStyle/>
-          <a:p>
-            <a:pPr>
-              <a:defRPr/>
-            </a:pPr>
-            <a:r>
-              <a:rPr lang="en-US" altLang="en-US"/>
-              <a:t>ECE Application Programming: Lecture 1</a:t>
-            </a:r>
-          </a:p>
-        </p:txBody>
-      </p:sp>
-    </p:spTree>
-  </p:cSld>
-  <p:clrMapOvr>
-    <a:masterClrMapping/>
-  </p:clrMapOvr>
-  <p:timing>
-    <p:tnLst>
-      <p:par>
-        <p:cTn xmlns:p14="http://schemas.microsoft.com/office/powerpoint/2010/main" id="1" dur="indefinite" restart="never" nodeType="tmRoot"/>
-      </p:par>
-    </p:tnLst>
-  </p:timing>
-</p:sld>
-</file>
-
-<file path=ppt/slides/slide24.xml><?xml version="1.0" encoding="utf-8"?>
-<p:sld xmlns:a="http://schemas.openxmlformats.org/drawingml/2006/main" xmlns:r="http://schemas.openxmlformats.org/officeDocument/2006/relationships" xmlns:p="http://schemas.openxmlformats.org/presentationml/2006/main">
-  <p:cSld>
-    <p:spTree>
-      <p:nvGrpSpPr>
-        <p:cNvPr id="1" name=""/>
-        <p:cNvGrpSpPr/>
-        <p:nvPr/>
-      </p:nvGrpSpPr>
-      <p:grpSpPr>
-        <a:xfrm>
-          <a:off x="0" y="0"/>
-          <a:ext cx="0" cy="0"/>
-          <a:chOff x="0" y="0"/>
-          <a:chExt cx="0" cy="0"/>
-        </a:xfrm>
-      </p:grpSpPr>
-      <p:sp>
-        <p:nvSpPr>
-          <p:cNvPr id="25602" name="Title 1"/>
-          <p:cNvSpPr>
-            <a:spLocks noGrp="1"/>
-          </p:cNvSpPr>
-          <p:nvPr>
-            <p:ph type="title"/>
-          </p:nvPr>
-        </p:nvSpPr>
-        <p:spPr/>
-        <p:txBody>
-          <a:bodyPr/>
-          <a:lstStyle/>
-          <a:p>
-            <a:r>
-              <a:rPr lang="en-US" smtClean="0"/>
-              <a:t>Final notes</a:t>
-            </a:r>
-            <a:endParaRPr lang="en-US"/>
-          </a:p>
-        </p:txBody>
-      </p:sp>
-      <p:sp>
-        <p:nvSpPr>
-          <p:cNvPr id="25603" name="Content Placeholder 2"/>
-          <p:cNvSpPr>
-            <a:spLocks noGrp="1"/>
-          </p:cNvSpPr>
-          <p:nvPr>
-            <p:ph idx="1"/>
-          </p:nvPr>
-        </p:nvSpPr>
-        <p:spPr/>
-        <p:txBody>
-          <a:bodyPr>
-            <a:normAutofit fontScale="92500"/>
-          </a:bodyPr>
-          <a:lstStyle/>
-          <a:p>
-            <a:r>
-              <a:rPr lang="en-US" dirty="0" smtClean="0"/>
-              <a:t>Next time:</a:t>
-            </a:r>
-          </a:p>
-          <a:p>
-            <a:pPr lvl="1"/>
-            <a:r>
-              <a:rPr lang="en-US" dirty="0" smtClean="0"/>
-              <a:t>Finish basic C program structure</a:t>
-            </a:r>
-          </a:p>
-          <a:p>
-            <a:pPr lvl="1"/>
-            <a:r>
-              <a:rPr lang="en-US" dirty="0" smtClean="0"/>
-              <a:t>Data </a:t>
-            </a:r>
-            <a:r>
-              <a:rPr lang="en-US" dirty="0" smtClean="0"/>
-              <a:t>in C</a:t>
-            </a:r>
-          </a:p>
-          <a:p>
-            <a:pPr lvl="2"/>
-            <a:r>
-              <a:rPr lang="en-US" dirty="0" smtClean="0"/>
-              <a:t>Data types</a:t>
-            </a:r>
-          </a:p>
-          <a:p>
-            <a:pPr lvl="2"/>
-            <a:r>
-              <a:rPr lang="en-US" dirty="0" smtClean="0"/>
-              <a:t>Constants</a:t>
-            </a:r>
-          </a:p>
-          <a:p>
-            <a:pPr lvl="2"/>
-            <a:r>
-              <a:rPr lang="en-US" dirty="0" smtClean="0"/>
-              <a:t>Variables</a:t>
-            </a:r>
-          </a:p>
-          <a:p>
-            <a:r>
-              <a:rPr lang="en-US" dirty="0" smtClean="0"/>
-              <a:t>Reminders:</a:t>
-            </a:r>
-          </a:p>
-          <a:p>
-            <a:pPr lvl="1"/>
-            <a:r>
-              <a:rPr lang="en-US" dirty="0" smtClean="0"/>
-              <a:t>Sign up for the course discussion group on Piazza!</a:t>
-            </a:r>
-          </a:p>
-          <a:p>
-            <a:pPr lvl="1"/>
-            <a:r>
-              <a:rPr lang="en-US" dirty="0" smtClean="0"/>
-              <a:t>Program 1 due Wednesday</a:t>
-            </a:r>
-            <a:r>
-              <a:rPr lang="en-US" smtClean="0"/>
-              <a:t>, </a:t>
-            </a:r>
-            <a:r>
-              <a:rPr lang="en-US" smtClean="0"/>
-              <a:t>1/27s</a:t>
-            </a:r>
-            <a:endParaRPr lang="en-US" dirty="0" smtClean="0"/>
-          </a:p>
-          <a:p>
-            <a:pPr lvl="2">
-              <a:lnSpc>
-                <a:spcPct val="80000"/>
-              </a:lnSpc>
-            </a:pPr>
-            <a:r>
-              <a:rPr lang="en-US" sz="2400" dirty="0">
-                <a:latin typeface="Arial" charset="0"/>
-              </a:rPr>
-              <a:t>10 points: e-mail Dr. Geiger for shared </a:t>
-            </a:r>
-            <a:r>
-              <a:rPr lang="en-US" sz="2400" dirty="0" err="1">
-                <a:latin typeface="Arial" charset="0"/>
-              </a:rPr>
-              <a:t>Dropbox</a:t>
-            </a:r>
-            <a:r>
-              <a:rPr lang="en-US" sz="2400" dirty="0">
-                <a:latin typeface="Arial" charset="0"/>
-              </a:rPr>
-              <a:t> folder</a:t>
-            </a:r>
-          </a:p>
-          <a:p>
-            <a:pPr lvl="2">
-              <a:lnSpc>
-                <a:spcPct val="80000"/>
-              </a:lnSpc>
-            </a:pPr>
-            <a:r>
-              <a:rPr lang="en-US" sz="2400" dirty="0">
-                <a:latin typeface="Arial" charset="0"/>
-              </a:rPr>
-              <a:t>10 points: introduce yourself to your instructor</a:t>
-            </a:r>
-          </a:p>
-          <a:p>
-            <a:pPr lvl="2">
-              <a:lnSpc>
-                <a:spcPct val="80000"/>
-              </a:lnSpc>
-            </a:pPr>
-            <a:r>
-              <a:rPr lang="en-US" sz="2400" dirty="0">
-                <a:latin typeface="Arial" charset="0"/>
-              </a:rPr>
-              <a:t>30 points: complete simple C program</a:t>
-            </a:r>
-            <a:endParaRPr lang="en-US" sz="2400" dirty="0">
-              <a:latin typeface="Arial" charset="0"/>
-            </a:endParaRPr>
-          </a:p>
-        </p:txBody>
-      </p:sp>
-      <p:sp>
-        <p:nvSpPr>
-          <p:cNvPr id="4" name="Date Placeholder 3"/>
-          <p:cNvSpPr>
-            <a:spLocks noGrp="1"/>
-          </p:cNvSpPr>
-          <p:nvPr>
-            <p:ph type="dt" sz="half" idx="10"/>
-          </p:nvPr>
-        </p:nvSpPr>
-        <p:spPr/>
-        <p:txBody>
-          <a:bodyPr/>
-          <a:lstStyle>
-            <a:lvl1pPr eaLnBrk="0" hangingPunct="0">
-              <a:defRPr>
-                <a:solidFill>
-                  <a:schemeClr val="tx1"/>
-                </a:solidFill>
-                <a:latin typeface="Arial" charset="0"/>
-                <a:ea typeface="ＭＳ Ｐゴシック" charset="0"/>
-                <a:cs typeface="Arial" charset="0"/>
-              </a:defRPr>
-            </a:lvl1pPr>
-            <a:lvl2pPr marL="742950" indent="-285750" eaLnBrk="0" hangingPunct="0">
-              <a:defRPr>
-                <a:solidFill>
-                  <a:schemeClr val="tx1"/>
-                </a:solidFill>
-                <a:latin typeface="Arial" charset="0"/>
-                <a:ea typeface="Arial" charset="0"/>
-                <a:cs typeface="Arial" charset="0"/>
-              </a:defRPr>
-            </a:lvl2pPr>
-            <a:lvl3pPr marL="1143000" indent="-228600" eaLnBrk="0" hangingPunct="0">
-              <a:defRPr>
-                <a:solidFill>
-                  <a:schemeClr val="tx1"/>
-                </a:solidFill>
-                <a:latin typeface="Arial" charset="0"/>
-                <a:ea typeface="Arial" charset="0"/>
-                <a:cs typeface="Arial" charset="0"/>
-              </a:defRPr>
-            </a:lvl3pPr>
-            <a:lvl4pPr marL="1600200" indent="-228600" eaLnBrk="0" hangingPunct="0">
-              <a:defRPr>
-                <a:solidFill>
-                  <a:schemeClr val="tx1"/>
-                </a:solidFill>
-                <a:latin typeface="Arial" charset="0"/>
-                <a:ea typeface="Arial" charset="0"/>
-                <a:cs typeface="Arial" charset="0"/>
-              </a:defRPr>
-            </a:lvl4pPr>
-            <a:lvl5pPr marL="2057400" indent="-228600" eaLnBrk="0" hangingPunct="0">
-              <a:defRPr>
-                <a:solidFill>
-                  <a:schemeClr val="tx1"/>
-                </a:solidFill>
-                <a:latin typeface="Arial" charset="0"/>
-                <a:ea typeface="Arial" charset="0"/>
-                <a:cs typeface="Arial" charset="0"/>
-              </a:defRPr>
-            </a:lvl5pPr>
-            <a:lvl6pPr marL="2514600" indent="-228600" eaLnBrk="0" fontAlgn="base" hangingPunct="0">
-              <a:spcBef>
-                <a:spcPct val="0"/>
-              </a:spcBef>
-              <a:spcAft>
-                <a:spcPct val="0"/>
-              </a:spcAft>
-              <a:defRPr>
-                <a:solidFill>
-                  <a:schemeClr val="tx1"/>
-                </a:solidFill>
-                <a:latin typeface="Arial" charset="0"/>
-                <a:ea typeface="Arial" charset="0"/>
-                <a:cs typeface="Arial" charset="0"/>
-              </a:defRPr>
-            </a:lvl6pPr>
-            <a:lvl7pPr marL="2971800" indent="-228600" eaLnBrk="0" fontAlgn="base" hangingPunct="0">
-              <a:spcBef>
-                <a:spcPct val="0"/>
-              </a:spcBef>
-              <a:spcAft>
-                <a:spcPct val="0"/>
-              </a:spcAft>
-              <a:defRPr>
-                <a:solidFill>
-                  <a:schemeClr val="tx1"/>
-                </a:solidFill>
-                <a:latin typeface="Arial" charset="0"/>
-                <a:ea typeface="Arial" charset="0"/>
-                <a:cs typeface="Arial" charset="0"/>
-              </a:defRPr>
-            </a:lvl7pPr>
-            <a:lvl8pPr marL="3429000" indent="-228600" eaLnBrk="0" fontAlgn="base" hangingPunct="0">
-              <a:spcBef>
-                <a:spcPct val="0"/>
-              </a:spcBef>
-              <a:spcAft>
-                <a:spcPct val="0"/>
-              </a:spcAft>
-              <a:defRPr>
-                <a:solidFill>
-                  <a:schemeClr val="tx1"/>
-                </a:solidFill>
-                <a:latin typeface="Arial" charset="0"/>
-                <a:ea typeface="Arial" charset="0"/>
-                <a:cs typeface="Arial" charset="0"/>
-              </a:defRPr>
-            </a:lvl8pPr>
-            <a:lvl9pPr marL="3886200" indent="-228600" eaLnBrk="0" fontAlgn="base" hangingPunct="0">
-              <a:spcBef>
-                <a:spcPct val="0"/>
-              </a:spcBef>
-              <a:spcAft>
-                <a:spcPct val="0"/>
-              </a:spcAft>
-              <a:defRPr>
-                <a:solidFill>
-                  <a:schemeClr val="tx1"/>
-                </a:solidFill>
-                <a:latin typeface="Arial" charset="0"/>
-                <a:ea typeface="Arial" charset="0"/>
-                <a:cs typeface="Arial" charset="0"/>
-              </a:defRPr>
-            </a:lvl9pPr>
-          </a:lstStyle>
-          <a:p>
-            <a:fld id="{BC55047A-6447-C64E-9AF3-AFC6F57DAADB}" type="datetime1">
-              <a:rPr lang="en-US" smtClean="0"/>
-              <a:pPr/>
-              <a:t>1/19/16</a:t>
-            </a:fld>
-            <a:endParaRPr lang="en-US"/>
-          </a:p>
-        </p:txBody>
-      </p:sp>
-      <p:sp>
-        <p:nvSpPr>
-          <p:cNvPr id="5" name="Footer Placeholder 4"/>
-          <p:cNvSpPr>
-            <a:spLocks noGrp="1"/>
-          </p:cNvSpPr>
-          <p:nvPr>
-            <p:ph type="ftr" sz="quarter" idx="11"/>
-          </p:nvPr>
-        </p:nvSpPr>
-        <p:spPr/>
-        <p:txBody>
-          <a:bodyPr/>
-          <a:lstStyle/>
-          <a:p>
-            <a:r>
-              <a:rPr lang="en-US" altLang="en-US" smtClean="0"/>
-              <a:t>ECE Application Programming: Lecture 1</a:t>
-            </a:r>
-            <a:endParaRPr lang="en-US" altLang="en-US"/>
-          </a:p>
-        </p:txBody>
-      </p:sp>
-      <p:sp>
-        <p:nvSpPr>
-          <p:cNvPr id="6" name="Slide Number Placeholder 5"/>
-          <p:cNvSpPr>
-            <a:spLocks noGrp="1"/>
-          </p:cNvSpPr>
-          <p:nvPr>
-            <p:ph type="sldNum" sz="quarter" idx="12"/>
-          </p:nvPr>
-        </p:nvSpPr>
-        <p:spPr/>
-        <p:txBody>
-          <a:bodyPr/>
-          <a:lstStyle>
-            <a:lvl1pPr eaLnBrk="0" hangingPunct="0">
-              <a:defRPr>
-                <a:solidFill>
-                  <a:schemeClr val="tx1"/>
-                </a:solidFill>
-                <a:latin typeface="Arial" charset="0"/>
-                <a:ea typeface="ＭＳ Ｐゴシック" charset="0"/>
-                <a:cs typeface="Arial" charset="0"/>
-              </a:defRPr>
-            </a:lvl1pPr>
-            <a:lvl2pPr marL="742950" indent="-285750" eaLnBrk="0" hangingPunct="0">
-              <a:defRPr>
-                <a:solidFill>
-                  <a:schemeClr val="tx1"/>
-                </a:solidFill>
-                <a:latin typeface="Arial" charset="0"/>
-                <a:ea typeface="Arial" charset="0"/>
-                <a:cs typeface="Arial" charset="0"/>
-              </a:defRPr>
-            </a:lvl2pPr>
-            <a:lvl3pPr marL="1143000" indent="-228600" eaLnBrk="0" hangingPunct="0">
-              <a:defRPr>
-                <a:solidFill>
-                  <a:schemeClr val="tx1"/>
-                </a:solidFill>
-                <a:latin typeface="Arial" charset="0"/>
-                <a:ea typeface="Arial" charset="0"/>
-                <a:cs typeface="Arial" charset="0"/>
-              </a:defRPr>
-            </a:lvl3pPr>
-            <a:lvl4pPr marL="1600200" indent="-228600" eaLnBrk="0" hangingPunct="0">
-              <a:defRPr>
-                <a:solidFill>
-                  <a:schemeClr val="tx1"/>
-                </a:solidFill>
-                <a:latin typeface="Arial" charset="0"/>
-                <a:ea typeface="Arial" charset="0"/>
-                <a:cs typeface="Arial" charset="0"/>
-              </a:defRPr>
-            </a:lvl4pPr>
-            <a:lvl5pPr marL="2057400" indent="-228600" eaLnBrk="0" hangingPunct="0">
-              <a:defRPr>
-                <a:solidFill>
-                  <a:schemeClr val="tx1"/>
-                </a:solidFill>
-                <a:latin typeface="Arial" charset="0"/>
-                <a:ea typeface="Arial" charset="0"/>
-                <a:cs typeface="Arial" charset="0"/>
-              </a:defRPr>
-            </a:lvl5pPr>
-            <a:lvl6pPr marL="2514600" indent="-228600" eaLnBrk="0" fontAlgn="base" hangingPunct="0">
-              <a:spcBef>
-                <a:spcPct val="0"/>
-              </a:spcBef>
-              <a:spcAft>
-                <a:spcPct val="0"/>
-              </a:spcAft>
-              <a:defRPr>
-                <a:solidFill>
-                  <a:schemeClr val="tx1"/>
-                </a:solidFill>
-                <a:latin typeface="Arial" charset="0"/>
-                <a:ea typeface="Arial" charset="0"/>
-                <a:cs typeface="Arial" charset="0"/>
-              </a:defRPr>
-            </a:lvl6pPr>
-            <a:lvl7pPr marL="2971800" indent="-228600" eaLnBrk="0" fontAlgn="base" hangingPunct="0">
-              <a:spcBef>
-                <a:spcPct val="0"/>
-              </a:spcBef>
-              <a:spcAft>
-                <a:spcPct val="0"/>
-              </a:spcAft>
-              <a:defRPr>
-                <a:solidFill>
-                  <a:schemeClr val="tx1"/>
-                </a:solidFill>
-                <a:latin typeface="Arial" charset="0"/>
-                <a:ea typeface="Arial" charset="0"/>
-                <a:cs typeface="Arial" charset="0"/>
-              </a:defRPr>
-            </a:lvl7pPr>
-            <a:lvl8pPr marL="3429000" indent="-228600" eaLnBrk="0" fontAlgn="base" hangingPunct="0">
-              <a:spcBef>
-                <a:spcPct val="0"/>
-              </a:spcBef>
-              <a:spcAft>
-                <a:spcPct val="0"/>
-              </a:spcAft>
-              <a:defRPr>
-                <a:solidFill>
-                  <a:schemeClr val="tx1"/>
-                </a:solidFill>
-                <a:latin typeface="Arial" charset="0"/>
-                <a:ea typeface="Arial" charset="0"/>
-                <a:cs typeface="Arial" charset="0"/>
-              </a:defRPr>
-            </a:lvl8pPr>
-            <a:lvl9pPr marL="3886200" indent="-228600" eaLnBrk="0" fontAlgn="base" hangingPunct="0">
-              <a:spcBef>
-                <a:spcPct val="0"/>
-              </a:spcBef>
-              <a:spcAft>
-                <a:spcPct val="0"/>
-              </a:spcAft>
-              <a:defRPr>
-                <a:solidFill>
-                  <a:schemeClr val="tx1"/>
-                </a:solidFill>
-                <a:latin typeface="Arial" charset="0"/>
-                <a:ea typeface="Arial" charset="0"/>
-                <a:cs typeface="Arial" charset="0"/>
-              </a:defRPr>
-            </a:lvl9pPr>
-          </a:lstStyle>
-          <a:p>
-            <a:fld id="{654581FB-8797-014C-8491-7A0C59EBED1B}" type="slidenum">
-              <a:rPr lang="en-US" smtClean="0"/>
-              <a:pPr/>
-              <a:t>24</a:t>
-            </a:fld>
-            <a:endParaRPr lang="en-US"/>
           </a:p>
         </p:txBody>
       </p:sp>
@@ -17263,7 +12507,7 @@
                 <a:latin typeface="Garamond" charset="0"/>
               </a:rPr>
               <a:pPr eaLnBrk="1" hangingPunct="1"/>
-              <a:t>1/19/16</a:t>
+              <a:t>1/21/16</a:t>
             </a:fld>
             <a:endParaRPr lang="en-US">
               <a:latin typeface="Garamond" charset="0"/>
@@ -17524,35 +12768,26 @@
               <a:rPr lang="en-US" dirty="0" smtClean="0">
                 <a:latin typeface="Arial" charset="0"/>
               </a:rPr>
-              <a:t>Section 201: MWF </a:t>
+              <a:t>Section 201: MWF 8-8:</a:t>
+            </a:r>
+            <a:r>
+              <a:rPr lang="en-US" dirty="0">
+                <a:latin typeface="Arial" charset="0"/>
+              </a:rPr>
+              <a:t>50, </a:t>
+            </a:r>
+            <a:r>
+              <a:rPr lang="en-US" dirty="0" err="1" smtClean="0">
+                <a:latin typeface="Arial" charset="0"/>
+              </a:rPr>
+              <a:t>Kitson</a:t>
             </a:r>
             <a:r>
               <a:rPr lang="en-US" dirty="0" smtClean="0">
                 <a:latin typeface="Arial" charset="0"/>
               </a:rPr>
-              <a:t>8-8:</a:t>
-            </a:r>
-            <a:r>
-              <a:rPr lang="en-US" dirty="0">
-                <a:latin typeface="Arial" charset="0"/>
-              </a:rPr>
-              <a:t>50, </a:t>
-            </a:r>
-            <a:r>
-              <a:rPr lang="en-US" dirty="0" err="1" smtClean="0">
-                <a:latin typeface="Arial" charset="0"/>
-              </a:rPr>
-              <a:t>Kitson</a:t>
-            </a:r>
-            <a:r>
-              <a:rPr lang="en-US" dirty="0" smtClean="0">
-                <a:latin typeface="Arial" charset="0"/>
-              </a:rPr>
               <a:t> 305</a:t>
             </a:r>
-            <a:endParaRPr lang="en-US" dirty="0" smtClean="0">
-              <a:latin typeface="Arial" charset="0"/>
-            </a:endParaRPr>
           </a:p>
           <a:p>
             <a:pPr lvl="1" eaLnBrk="1" hangingPunct="1">
@@ -17566,35 +12801,20 @@
               <a:rPr lang="en-US" dirty="0" smtClean="0">
                 <a:latin typeface="Arial" charset="0"/>
               </a:rPr>
-              <a:t>Section 202: MWF </a:t>
+              <a:t>Section 202: MWF 12-12:50, </a:t>
+            </a:r>
+            <a:r>
+              <a:rPr lang="en-US" dirty="0" err="1" smtClean="0">
+                <a:latin typeface="Arial" charset="0"/>
+              </a:rPr>
+              <a:t>Kitson</a:t>
             </a:r>
             <a:r>
               <a:rPr lang="en-US" dirty="0" smtClean="0">
                 <a:latin typeface="Arial" charset="0"/>
               </a:rPr>
-              <a:t>12-12:</a:t>
-            </a:r>
-            <a:r>
-              <a:rPr lang="en-US" dirty="0" smtClean="0">
-                <a:latin typeface="Arial" charset="0"/>
-              </a:rPr>
-              <a:t>50, </a:t>
-            </a:r>
-            <a:r>
-              <a:rPr lang="en-US" dirty="0" err="1" smtClean="0">
-                <a:latin typeface="Arial" charset="0"/>
-              </a:rPr>
-              <a:t>Kitson</a:t>
-            </a:r>
-            <a:r>
-              <a:rPr lang="en-US" dirty="0" smtClean="0">
-                <a:latin typeface="Arial" charset="0"/>
-              </a:rPr>
               <a:t> 305</a:t>
             </a:r>
-            <a:endParaRPr lang="en-US" dirty="0" smtClean="0">
-              <a:latin typeface="Arial" charset="0"/>
-            </a:endParaRPr>
           </a:p>
           <a:p>
             <a:pPr lvl="1" eaLnBrk="1" hangingPunct="1">
@@ -17618,17 +12838,8 @@
               <a:rPr lang="en-US" dirty="0" smtClean="0">
                 <a:latin typeface="Arial" charset="0"/>
               </a:rPr>
-              <a:t>You are welcome to attend </a:t>
-            </a:r>
-            <a:r>
-              <a:rPr lang="en-US" dirty="0" smtClean="0">
-                <a:latin typeface="Arial" charset="0"/>
-              </a:rPr>
-              <a:t>either lecture</a:t>
-            </a:r>
-            <a:endParaRPr lang="en-US" dirty="0" smtClean="0">
-              <a:latin typeface="Arial" charset="0"/>
-            </a:endParaRPr>
+              <a:t>You are welcome to attend either lecture</a:t>
+            </a:r>
           </a:p>
           <a:p>
             <a:pPr eaLnBrk="1" hangingPunct="1">
@@ -17640,13 +12851,7 @@
               <a:rPr lang="en-US" dirty="0" smtClean="0">
                 <a:latin typeface="Arial" charset="0"/>
               </a:rPr>
-              <a:t>Please go to your assigned section for </a:t>
-            </a:r>
-            <a:r>
-              <a:rPr lang="en-US" dirty="0" smtClean="0">
-                <a:latin typeface="Arial" charset="0"/>
-              </a:rPr>
-              <a:t>exams</a:t>
+              <a:t>Please go to your assigned section for exams</a:t>
             </a:r>
             <a:endParaRPr lang="en-US" dirty="0">
               <a:latin typeface="Arial" charset="0"/>
@@ -17822,7 +13027,7 @@
                 <a:latin typeface="Garamond" charset="0"/>
               </a:rPr>
               <a:pPr eaLnBrk="1" hangingPunct="1"/>
-              <a:t>1/19/16</a:t>
+              <a:t>1/21/16</a:t>
             </a:fld>
             <a:endParaRPr lang="en-US">
               <a:latin typeface="Garamond" charset="0"/>
@@ -18082,19 +13287,7 @@
               <a:rPr lang="en-US" i="1" dirty="0" smtClean="0">
                 <a:latin typeface="Arial" charset="0"/>
               </a:rPr>
-              <a:t>(Section </a:t>
-            </a:r>
-            <a:r>
-              <a:rPr lang="en-US" i="1" dirty="0" smtClean="0">
-                <a:latin typeface="Arial" charset="0"/>
-              </a:rPr>
-              <a:t>202</a:t>
-            </a:r>
-            <a:r>
-              <a:rPr lang="en-US" i="1" dirty="0" smtClean="0">
-                <a:latin typeface="Arial" charset="0"/>
-              </a:rPr>
-              <a:t>)</a:t>
+              <a:t>(Section 202)</a:t>
             </a:r>
             <a:endParaRPr lang="en-US" dirty="0">
               <a:latin typeface="Arial" charset="0"/>
@@ -18191,13 +13384,7 @@
               <a:rPr lang="en-US" dirty="0" smtClean="0">
                 <a:latin typeface="Arial" charset="0"/>
               </a:rPr>
-              <a:t>1-2:</a:t>
-            </a:r>
-            <a:r>
-              <a:rPr lang="en-US" dirty="0" smtClean="0">
-                <a:latin typeface="Arial" charset="0"/>
-              </a:rPr>
-              <a:t>30, </a:t>
+              <a:t>1-2:30, </a:t>
             </a:r>
             <a:r>
               <a:rPr lang="en-US" dirty="0">
@@ -18310,17 +13497,8 @@
               <a:rPr lang="en-US" i="1" dirty="0" smtClean="0">
                 <a:latin typeface="Arial" charset="0"/>
               </a:rPr>
-              <a:t>(Section </a:t>
-            </a:r>
-            <a:r>
-              <a:rPr lang="en-US" i="1" dirty="0" smtClean="0">
-                <a:latin typeface="Arial" charset="0"/>
-              </a:rPr>
-              <a:t>201)</a:t>
-            </a:r>
-            <a:endParaRPr lang="en-US" i="1" dirty="0" smtClean="0">
-              <a:latin typeface="Arial" charset="0"/>
-            </a:endParaRPr>
+              <a:t>(Section 201)</a:t>
+            </a:r>
           </a:p>
           <a:p>
             <a:pPr lvl="1" eaLnBrk="1" hangingPunct="1">
@@ -18344,13 +13522,7 @@
               <a:rPr lang="en-US" dirty="0" err="1" smtClean="0">
                 <a:latin typeface="Arial" charset="0"/>
               </a:rPr>
-              <a:t>Peilong_Li@</a:t>
-            </a:r>
-            <a:r>
-              <a:rPr lang="en-US" dirty="0" err="1" smtClean="0">
-                <a:latin typeface="Arial" charset="0"/>
-              </a:rPr>
-              <a:t>student.uml.edu</a:t>
+              <a:t>Peilong_Li@student.uml.edu</a:t>
             </a:r>
             <a:endParaRPr lang="en-US" dirty="0" smtClean="0">
               <a:latin typeface="Arial" charset="0"/>
@@ -18372,13 +13544,7 @@
               <a:rPr lang="en-US" dirty="0" smtClean="0">
                 <a:latin typeface="Arial" charset="0"/>
               </a:rPr>
-              <a:t> MWF 3-4, </a:t>
-            </a:r>
-            <a:r>
-              <a:rPr lang="en-US" dirty="0" smtClean="0">
-                <a:latin typeface="Arial" charset="0"/>
-              </a:rPr>
-              <a:t>Ball 402</a:t>
+              <a:t> MWF 3-4, Ball 402</a:t>
             </a:r>
             <a:endParaRPr lang="en-US" u="sng" dirty="0">
               <a:latin typeface="Arial" charset="0"/>
@@ -18559,7 +13725,7 @@
                 <a:latin typeface="Garamond" charset="0"/>
               </a:rPr>
               <a:pPr eaLnBrk="1" hangingPunct="1"/>
-              <a:t>1/19/16</a:t>
+              <a:t>1/21/16</a:t>
             </a:fld>
             <a:endParaRPr lang="en-US">
               <a:latin typeface="Garamond" charset="0"/>
@@ -19352,7 +14518,7 @@
                 <a:latin typeface="Garamond" charset="0"/>
               </a:rPr>
               <a:pPr eaLnBrk="1" hangingPunct="1"/>
-              <a:t>1/19/16</a:t>
+              <a:t>1/21/16</a:t>
             </a:fld>
             <a:endParaRPr lang="en-US">
               <a:latin typeface="Garamond" charset="0"/>
@@ -19791,7 +14957,7 @@
             <a:fld id="{427AFA42-4F3B-924A-A285-1D0B1D50B52E}" type="datetime1">
               <a:rPr lang="en-US" smtClean="0"/>
               <a:pPr/>
-              <a:t>1/19/16</a:t>
+              <a:t>1/21/16</a:t>
             </a:fld>
             <a:endParaRPr lang="en-US"/>
           </a:p>
@@ -20330,7 +15496,7 @@
                 <a:latin typeface="Garamond" charset="0"/>
               </a:rPr>
               <a:pPr eaLnBrk="1" hangingPunct="1"/>
-              <a:t>1/19/16</a:t>
+              <a:t>1/21/16</a:t>
             </a:fld>
             <a:endParaRPr lang="en-US">
               <a:latin typeface="Garamond" charset="0"/>
@@ -20861,7 +16027,7 @@
                 <a:latin typeface="Garamond" charset="0"/>
               </a:rPr>
               <a:pPr eaLnBrk="1" hangingPunct="1"/>
-              <a:t>1/19/16</a:t>
+              <a:t>1/21/16</a:t>
             </a:fld>
             <a:endParaRPr lang="en-US">
               <a:latin typeface="Garamond" charset="0"/>
